--- a/Banner.pptx
+++ b/Banner.pptx
@@ -3068,13 +3068,13 @@
           <a:p>
             <a:pPr algn="ctr"/>
             <a:r>
-              <a:rPr lang="en-US" sz="7200" dirty="0">
+              <a:rPr lang="en-US" sz="7200" b="1" dirty="0">
                 <a:latin typeface="Arial" panose="020B0604020202020204" pitchFamily="34" charset="0"/>
                 <a:cs typeface="Arial" panose="020B0604020202020204" pitchFamily="34" charset="0"/>
               </a:rPr>
               <a:t>UNIVERSIDADE PAULISTA - UNIP</a:t>
             </a:r>
-            <a:endParaRPr lang="pt-BR" sz="7200" dirty="0">
+            <a:endParaRPr lang="pt-BR" sz="7200" b="1" dirty="0">
               <a:latin typeface="Arial" panose="020B0604020202020204" pitchFamily="34" charset="0"/>
               <a:cs typeface="Arial" panose="020B0604020202020204" pitchFamily="34" charset="0"/>
             </a:endParaRPr>
@@ -3199,7 +3199,7 @@
         <p:spPr>
           <a:xfrm flipH="1">
             <a:off x="0" y="5396208"/>
-            <a:ext cx="28803600" cy="4247317"/>
+            <a:ext cx="28803600" cy="5693866"/>
           </a:xfrm>
           <a:prstGeom prst="rect">
             <a:avLst/>
@@ -3275,8 +3275,48 @@
                 <a:latin typeface="Arial" panose="020B0604020202020204" pitchFamily="34" charset="0"/>
                 <a:cs typeface="Arial" panose="020B0604020202020204" pitchFamily="34" charset="0"/>
               </a:rPr>
-              <a:t>	TIAGO NUNES RA: D700570</a:t>
-            </a:r>
+              <a:t>	TIAGO NUNES RA: </a:t>
+            </a:r>
+            <a:r>
+              <a:rPr lang="en-US" sz="3600" b="1" dirty="0" smtClean="0">
+                <a:latin typeface="Arial" panose="020B0604020202020204" pitchFamily="34" charset="0"/>
+                <a:cs typeface="Arial" panose="020B0604020202020204" pitchFamily="34" charset="0"/>
+              </a:rPr>
+              <a:t>D700570</a:t>
+            </a:r>
+            <a:endParaRPr lang="pt-BR" sz="3600" dirty="0" smtClean="0"/>
+          </a:p>
+          <a:p>
+            <a:pPr algn="ctr"/>
+            <a:r>
+              <a:rPr lang="pt-BR" sz="3600" dirty="0" smtClean="0"/>
+              <a:t> </a:t>
+            </a:r>
+            <a:r>
+              <a:rPr lang="en-US" sz="3600" b="1" dirty="0" smtClean="0">
+                <a:latin typeface="Arial" panose="020B0604020202020204" pitchFamily="34" charset="0"/>
+                <a:cs typeface="Arial" panose="020B0604020202020204" pitchFamily="34" charset="0"/>
+              </a:rPr>
+              <a:t>PROF. EP.  RICHARDSON KENNEDY LUZ </a:t>
+            </a:r>
+            <a:r>
+              <a:rPr lang="pt-BR" sz="3600" b="1" dirty="0" smtClean="0">
+                <a:latin typeface="Arial" pitchFamily="34" charset="0"/>
+                <a:cs typeface="Arial" pitchFamily="34" charset="0"/>
+              </a:rPr>
+              <a:t>	</a:t>
+            </a:r>
+          </a:p>
+          <a:p>
+            <a:pPr algn="ctr">
+              <a:lnSpc>
+                <a:spcPct val="150000"/>
+              </a:lnSpc>
+            </a:pPr>
+            <a:endParaRPr lang="en-US" sz="3600" b="1" dirty="0" smtClean="0">
+              <a:latin typeface="Arial" panose="020B0604020202020204" pitchFamily="34" charset="0"/>
+              <a:cs typeface="Arial" panose="020B0604020202020204" pitchFamily="34" charset="0"/>
+            </a:endParaRPr>
           </a:p>
           <a:p>
             <a:pPr algn="ctr">
@@ -3306,7 +3346,7 @@
         <p:spPr>
           <a:xfrm>
             <a:off x="1483124" y="33300869"/>
-            <a:ext cx="25877286" cy="2031325"/>
+            <a:ext cx="25877286" cy="2092881"/>
           </a:xfrm>
           <a:prstGeom prst="rect">
             <a:avLst/>
@@ -3331,30 +3371,20 @@
           <a:p>
             <a:pPr algn="ctr"/>
             <a:r>
-              <a:rPr lang="en-US" sz="1400" b="1" dirty="0">
-                <a:latin typeface="Arial" panose="020B0604020202020204" pitchFamily="34" charset="0"/>
-                <a:cs typeface="Arial" panose="020B0604020202020204" pitchFamily="34" charset="0"/>
-              </a:rPr>
-              <a:t>Prof. Ep. Richardson Kennedy Luz </a:t>
-            </a:r>
-          </a:p>
-          <a:p>
-            <a:pPr algn="ctr"/>
-            <a:r>
-              <a:rPr lang="en-US" sz="1400" b="1" dirty="0">
-                <a:latin typeface="Arial" panose="020B0604020202020204" pitchFamily="34" charset="0"/>
-                <a:cs typeface="Arial" panose="020B0604020202020204" pitchFamily="34" charset="0"/>
-              </a:rPr>
-              <a:t>Prof. </a:t>
-            </a:r>
-            <a:r>
-              <a:rPr lang="en-US" sz="1400" b="1" dirty="0" smtClean="0">
-                <a:latin typeface="Arial" panose="020B0604020202020204" pitchFamily="34" charset="0"/>
-                <a:cs typeface="Arial" panose="020B0604020202020204" pitchFamily="34" charset="0"/>
-              </a:rPr>
-              <a:t>Eduardo Simi</a:t>
-            </a:r>
-            <a:endParaRPr lang="en-US" sz="1400" b="1" dirty="0">
+              <a:rPr lang="pt-BR" sz="1400" b="1" dirty="0" smtClean="0">
+                <a:latin typeface="Arial" panose="020B0604020202020204" pitchFamily="34" charset="0"/>
+                <a:cs typeface="Arial" panose="020B0604020202020204" pitchFamily="34" charset="0"/>
+              </a:rPr>
+              <a:t>Prof. Esp. Eduardo Martins </a:t>
+            </a:r>
+            <a:r>
+              <a:rPr lang="pt-BR" sz="1400" b="1" dirty="0" err="1" smtClean="0">
+                <a:latin typeface="Arial" panose="020B0604020202020204" pitchFamily="34" charset="0"/>
+                <a:cs typeface="Arial" panose="020B0604020202020204" pitchFamily="34" charset="0"/>
+              </a:rPr>
+              <a:t>Simi</a:t>
+            </a:r>
+            <a:endParaRPr lang="pt-BR" sz="1400" b="1" dirty="0" smtClean="0">
               <a:latin typeface="Arial" panose="020B0604020202020204" pitchFamily="34" charset="0"/>
               <a:cs typeface="Arial" panose="020B0604020202020204" pitchFamily="34" charset="0"/>
             </a:endParaRPr>
@@ -3362,42 +3392,45 @@
           <a:p>
             <a:pPr algn="ctr"/>
             <a:r>
-              <a:rPr lang="en-US" sz="1400" b="1" dirty="0">
-                <a:latin typeface="Arial" panose="020B0604020202020204" pitchFamily="34" charset="0"/>
-                <a:cs typeface="Arial" panose="020B0604020202020204" pitchFamily="34" charset="0"/>
-              </a:rPr>
-              <a:t>Prof</a:t>
-            </a:r>
-            <a:r>
               <a:rPr lang="en-US" sz="1400" b="1" dirty="0" smtClean="0">
                 <a:latin typeface="Arial" panose="020B0604020202020204" pitchFamily="34" charset="0"/>
                 <a:cs typeface="Arial" panose="020B0604020202020204" pitchFamily="34" charset="0"/>
               </a:rPr>
-              <a:t>. </a:t>
-            </a:r>
-            <a:r>
-              <a:rPr lang="en-US" sz="1400" b="1" dirty="0">
-                <a:latin typeface="Arial" panose="020B0604020202020204" pitchFamily="34" charset="0"/>
-                <a:cs typeface="Arial" panose="020B0604020202020204" pitchFamily="34" charset="0"/>
-              </a:rPr>
-              <a:t>Randal Gasparini</a:t>
+              <a:t>Prof. Dr. </a:t>
+            </a:r>
+            <a:r>
+              <a:rPr lang="en-US" sz="1400" b="1" dirty="0" err="1" smtClean="0">
+                <a:latin typeface="Arial" panose="020B0604020202020204" pitchFamily="34" charset="0"/>
+                <a:cs typeface="Arial" panose="020B0604020202020204" pitchFamily="34" charset="0"/>
+              </a:rPr>
+              <a:t>Irapuan</a:t>
+            </a:r>
+            <a:r>
+              <a:rPr lang="en-US" sz="1400" b="1" dirty="0" smtClean="0">
+                <a:latin typeface="Arial" panose="020B0604020202020204" pitchFamily="34" charset="0"/>
+                <a:cs typeface="Arial" panose="020B0604020202020204" pitchFamily="34" charset="0"/>
+              </a:rPr>
+              <a:t> Gloria Junior</a:t>
             </a:r>
           </a:p>
           <a:p>
             <a:pPr algn="ctr"/>
             <a:r>
-              <a:rPr lang="en-US" sz="1400" b="1" dirty="0">
-                <a:latin typeface="Arial" panose="020B0604020202020204" pitchFamily="34" charset="0"/>
-                <a:cs typeface="Arial" panose="020B0604020202020204" pitchFamily="34" charset="0"/>
-              </a:rPr>
-              <a:t>Prof</a:t>
-            </a:r>
-            <a:r>
               <a:rPr lang="en-US" sz="1400" b="1" dirty="0" smtClean="0">
                 <a:latin typeface="Arial" panose="020B0604020202020204" pitchFamily="34" charset="0"/>
                 <a:cs typeface="Arial" panose="020B0604020202020204" pitchFamily="34" charset="0"/>
               </a:rPr>
-              <a:t>. Ep. </a:t>
+              <a:t>Prof. Me. Ricardo Martins</a:t>
+            </a:r>
+          </a:p>
+          <a:p>
+            <a:pPr algn="ctr"/>
+            <a:r>
+              <a:rPr lang="en-US" sz="1400" b="1" dirty="0" smtClean="0">
+                <a:latin typeface="Arial" panose="020B0604020202020204" pitchFamily="34" charset="0"/>
+                <a:cs typeface="Arial" panose="020B0604020202020204" pitchFamily="34" charset="0"/>
+              </a:rPr>
+              <a:t>Prof. Esp. </a:t>
             </a:r>
             <a:r>
               <a:rPr lang="en-US" sz="1400" b="1" dirty="0" err="1" smtClean="0">
@@ -3411,7 +3444,7 @@
                 <a:latin typeface="Arial" panose="020B0604020202020204" pitchFamily="34" charset="0"/>
                 <a:cs typeface="Arial" panose="020B0604020202020204" pitchFamily="34" charset="0"/>
               </a:rPr>
-              <a:t> </a:t>
+              <a:t> Almeida </a:t>
             </a:r>
             <a:r>
               <a:rPr lang="en-US" sz="1400" b="1" dirty="0" err="1" smtClean="0">
@@ -3420,7 +3453,7 @@
               </a:rPr>
               <a:t>Sparinger</a:t>
             </a:r>
-            <a:endParaRPr lang="en-US" sz="1400" b="1" dirty="0">
+            <a:endParaRPr lang="en-US" sz="1400" b="1" dirty="0" smtClean="0">
               <a:latin typeface="Arial" panose="020B0604020202020204" pitchFamily="34" charset="0"/>
               <a:cs typeface="Arial" panose="020B0604020202020204" pitchFamily="34" charset="0"/>
             </a:endParaRPr>
@@ -3487,7 +3520,7 @@
         <p:spPr>
           <a:xfrm>
             <a:off x="1508466" y="9300670"/>
-            <a:ext cx="12240000" cy="1443152"/>
+            <a:ext cx="12240000" cy="8316700"/>
           </a:xfrm>
           <a:prstGeom prst="rect">
             <a:avLst/>
@@ -3506,63 +3539,63 @@
               </a:lnSpc>
             </a:pPr>
             <a:r>
-              <a:rPr lang="pt-BR" sz="1200" dirty="0" smtClean="0">
+              <a:rPr lang="pt-BR" sz="3000" dirty="0" smtClean="0">
                 <a:latin typeface="Arial" panose="020B0604020202020204" pitchFamily="34" charset="0"/>
                 <a:cs typeface="Arial" panose="020B0604020202020204" pitchFamily="34" charset="0"/>
               </a:rPr>
               <a:t>O </a:t>
             </a:r>
             <a:r>
-              <a:rPr lang="pt-BR" sz="1200" dirty="0" smtClean="0">
+              <a:rPr lang="pt-BR" sz="3000" dirty="0" smtClean="0">
                 <a:latin typeface="Arial" panose="020B0604020202020204" pitchFamily="34" charset="0"/>
                 <a:cs typeface="Arial" panose="020B0604020202020204" pitchFamily="34" charset="0"/>
               </a:rPr>
               <a:t>tema deste trabalho busca desenvolver um sistema direcionado ao ponto de venda de uma loja de materiais de construção, denominada Loja Imperador. Atualmente todos os procedimentos realizados pela loja são feitos de forma manual sem o auxílio de um software computacional que permita o gerenciamento dessas atividades, resultando na falta de segurança e organização. Todas as pesquisas e bases transcritas neste projeto foram com apoio e necessidades da loja, identificadas pelo levantamento de requisitos</a:t>
             </a:r>
             <a:r>
-              <a:rPr lang="pt-BR" sz="1200" dirty="0" smtClean="0">
+              <a:rPr lang="pt-BR" sz="3000" dirty="0" smtClean="0">
                 <a:latin typeface="Arial" panose="020B0604020202020204" pitchFamily="34" charset="0"/>
                 <a:cs typeface="Arial" panose="020B0604020202020204" pitchFamily="34" charset="0"/>
               </a:rPr>
               <a:t>. Neste </a:t>
             </a:r>
             <a:r>
-              <a:rPr lang="pt-BR" sz="1200" dirty="0" smtClean="0">
+              <a:rPr lang="pt-BR" sz="3000" dirty="0" smtClean="0">
                 <a:latin typeface="Arial" panose="020B0604020202020204" pitchFamily="34" charset="0"/>
                 <a:cs typeface="Arial" panose="020B0604020202020204" pitchFamily="34" charset="0"/>
               </a:rPr>
               <a:t>cenário o projeto busca </a:t>
             </a:r>
             <a:r>
-              <a:rPr lang="pt-BR" sz="1200" dirty="0" smtClean="0">
+              <a:rPr lang="pt-BR" sz="3000" dirty="0" smtClean="0">
                 <a:latin typeface="Arial" panose="020B0604020202020204" pitchFamily="34" charset="0"/>
                 <a:cs typeface="Arial" panose="020B0604020202020204" pitchFamily="34" charset="0"/>
               </a:rPr>
               <a:t>automatizar todo </a:t>
             </a:r>
             <a:r>
-              <a:rPr lang="pt-BR" sz="1200" dirty="0" smtClean="0">
+              <a:rPr lang="pt-BR" sz="3000" dirty="0" smtClean="0">
                 <a:latin typeface="Arial" panose="020B0604020202020204" pitchFamily="34" charset="0"/>
                 <a:cs typeface="Arial" panose="020B0604020202020204" pitchFamily="34" charset="0"/>
               </a:rPr>
               <a:t>o processo de entrada de produtos no estoque, as vendas e compras realizadas, além dos cadastros dos clientes, fornecedores, </a:t>
             </a:r>
             <a:r>
-              <a:rPr lang="pt-BR" sz="1200" dirty="0" smtClean="0">
+              <a:rPr lang="pt-BR" sz="3000" dirty="0" smtClean="0">
                 <a:latin typeface="Arial" panose="020B0604020202020204" pitchFamily="34" charset="0"/>
                 <a:cs typeface="Arial" panose="020B0604020202020204" pitchFamily="34" charset="0"/>
               </a:rPr>
               <a:t>produto se </a:t>
             </a:r>
             <a:r>
-              <a:rPr lang="pt-BR" sz="1200" dirty="0" smtClean="0">
+              <a:rPr lang="pt-BR" sz="3000" dirty="0" smtClean="0">
                 <a:latin typeface="Arial" panose="020B0604020202020204" pitchFamily="34" charset="0"/>
                 <a:cs typeface="Arial" panose="020B0604020202020204" pitchFamily="34" charset="0"/>
               </a:rPr>
               <a:t>fabricantes, possibilitando a gestão plena do ponto de venda da loja</a:t>
             </a:r>
             <a:r>
-              <a:rPr lang="pt-BR" sz="1200" dirty="0" smtClean="0">
+              <a:rPr lang="pt-BR" sz="3000" dirty="0" smtClean="0">
                 <a:latin typeface="Arial" panose="020B0604020202020204" pitchFamily="34" charset="0"/>
                 <a:cs typeface="Arial" panose="020B0604020202020204" pitchFamily="34" charset="0"/>
               </a:rPr>
@@ -3586,7 +3619,7 @@
         <p:spPr>
           <a:xfrm>
             <a:off x="15212981" y="9272468"/>
-            <a:ext cx="12240000" cy="612155"/>
+            <a:ext cx="12240000" cy="5632311"/>
           </a:xfrm>
           <a:prstGeom prst="rect">
             <a:avLst/>
@@ -3605,132 +3638,34 @@
               </a:lnSpc>
             </a:pPr>
             <a:r>
-              <a:rPr lang="en-US" sz="1200" dirty="0" err="1">
-                <a:latin typeface="Arial" panose="020B0604020202020204" pitchFamily="34" charset="0"/>
-                <a:cs typeface="Arial" panose="020B0604020202020204" pitchFamily="34" charset="0"/>
-              </a:rPr>
-              <a:t>Através</a:t>
-            </a:r>
-            <a:r>
-              <a:rPr lang="en-US" sz="1200" dirty="0">
-                <a:latin typeface="Arial" panose="020B0604020202020204" pitchFamily="34" charset="0"/>
-                <a:cs typeface="Arial" panose="020B0604020202020204" pitchFamily="34" charset="0"/>
-              </a:rPr>
-              <a:t> das </a:t>
-            </a:r>
-            <a:r>
-              <a:rPr lang="en-US" sz="1200" dirty="0" err="1">
-                <a:latin typeface="Arial" panose="020B0604020202020204" pitchFamily="34" charset="0"/>
-                <a:cs typeface="Arial" panose="020B0604020202020204" pitchFamily="34" charset="0"/>
-              </a:rPr>
-              <a:t>informações</a:t>
-            </a:r>
-            <a:r>
-              <a:rPr lang="en-US" sz="1200" dirty="0">
-                <a:latin typeface="Arial" panose="020B0604020202020204" pitchFamily="34" charset="0"/>
-                <a:cs typeface="Arial" panose="020B0604020202020204" pitchFamily="34" charset="0"/>
-              </a:rPr>
-              <a:t> </a:t>
-            </a:r>
-            <a:r>
-              <a:rPr lang="en-US" sz="1200" dirty="0" err="1">
-                <a:latin typeface="Arial" panose="020B0604020202020204" pitchFamily="34" charset="0"/>
-                <a:cs typeface="Arial" panose="020B0604020202020204" pitchFamily="34" charset="0"/>
-              </a:rPr>
-              <a:t>adquiridas</a:t>
-            </a:r>
-            <a:r>
-              <a:rPr lang="en-US" sz="1200" dirty="0">
-                <a:latin typeface="Arial" panose="020B0604020202020204" pitchFamily="34" charset="0"/>
-                <a:cs typeface="Arial" panose="020B0604020202020204" pitchFamily="34" charset="0"/>
-              </a:rPr>
-              <a:t> </a:t>
-            </a:r>
-            <a:r>
-              <a:rPr lang="en-US" sz="1200" dirty="0" err="1">
-                <a:latin typeface="Arial" panose="020B0604020202020204" pitchFamily="34" charset="0"/>
-                <a:cs typeface="Arial" panose="020B0604020202020204" pitchFamily="34" charset="0"/>
-              </a:rPr>
-              <a:t>em</a:t>
-            </a:r>
-            <a:r>
-              <a:rPr lang="en-US" sz="1200" dirty="0">
-                <a:latin typeface="Arial" panose="020B0604020202020204" pitchFamily="34" charset="0"/>
-                <a:cs typeface="Arial" panose="020B0604020202020204" pitchFamily="34" charset="0"/>
-              </a:rPr>
-              <a:t> </a:t>
-            </a:r>
-            <a:r>
-              <a:rPr lang="en-US" sz="1200" dirty="0" err="1">
-                <a:latin typeface="Arial" panose="020B0604020202020204" pitchFamily="34" charset="0"/>
-                <a:cs typeface="Arial" panose="020B0604020202020204" pitchFamily="34" charset="0"/>
-              </a:rPr>
-              <a:t>contato</a:t>
-            </a:r>
-            <a:r>
-              <a:rPr lang="en-US" sz="1200" dirty="0">
-                <a:latin typeface="Arial" panose="020B0604020202020204" pitchFamily="34" charset="0"/>
-                <a:cs typeface="Arial" panose="020B0604020202020204" pitchFamily="34" charset="0"/>
-              </a:rPr>
-              <a:t> com a </a:t>
-            </a:r>
-            <a:r>
-              <a:rPr lang="en-US" sz="1200" dirty="0" err="1" smtClean="0">
-                <a:latin typeface="Arial" panose="020B0604020202020204" pitchFamily="34" charset="0"/>
-                <a:cs typeface="Arial" panose="020B0604020202020204" pitchFamily="34" charset="0"/>
-              </a:rPr>
-              <a:t>loja</a:t>
-            </a:r>
-            <a:r>
-              <a:rPr lang="en-US" sz="1200" dirty="0" smtClean="0">
-                <a:latin typeface="Arial" panose="020B0604020202020204" pitchFamily="34" charset="0"/>
-                <a:cs typeface="Arial" panose="020B0604020202020204" pitchFamily="34" charset="0"/>
-              </a:rPr>
-              <a:t>, </a:t>
-            </a:r>
-            <a:r>
-              <a:rPr lang="en-US" sz="1200" dirty="0" err="1">
-                <a:latin typeface="Arial" panose="020B0604020202020204" pitchFamily="34" charset="0"/>
-                <a:cs typeface="Arial" panose="020B0604020202020204" pitchFamily="34" charset="0"/>
-              </a:rPr>
-              <a:t>foi</a:t>
-            </a:r>
-            <a:r>
-              <a:rPr lang="en-US" sz="1200" dirty="0">
-                <a:latin typeface="Arial" panose="020B0604020202020204" pitchFamily="34" charset="0"/>
-                <a:cs typeface="Arial" panose="020B0604020202020204" pitchFamily="34" charset="0"/>
-              </a:rPr>
-              <a:t> </a:t>
-            </a:r>
-            <a:r>
-              <a:rPr lang="en-US" sz="1200" dirty="0" err="1">
-                <a:latin typeface="Arial" panose="020B0604020202020204" pitchFamily="34" charset="0"/>
-                <a:cs typeface="Arial" panose="020B0604020202020204" pitchFamily="34" charset="0"/>
-              </a:rPr>
-              <a:t>desenvolvido</a:t>
-            </a:r>
-            <a:r>
-              <a:rPr lang="en-US" sz="1200" dirty="0">
-                <a:latin typeface="Arial" panose="020B0604020202020204" pitchFamily="34" charset="0"/>
-                <a:cs typeface="Arial" panose="020B0604020202020204" pitchFamily="34" charset="0"/>
-              </a:rPr>
-              <a:t> um pr</a:t>
-            </a:r>
-            <a:r>
-              <a:rPr lang="pt-BR" sz="1200" dirty="0">
-                <a:latin typeface="Arial" panose="020B0604020202020204" pitchFamily="34" charset="0"/>
-                <a:cs typeface="Arial" panose="020B0604020202020204" pitchFamily="34" charset="0"/>
-              </a:rPr>
-              <a:t>é-protótipo contemplando a </a:t>
-            </a:r>
-            <a:r>
-              <a:rPr lang="pt-BR" sz="1200" dirty="0" smtClean="0">
-                <a:latin typeface="Arial" panose="020B0604020202020204" pitchFamily="34" charset="0"/>
-                <a:cs typeface="Arial" panose="020B0604020202020204" pitchFamily="34" charset="0"/>
-              </a:rPr>
-              <a:t>idéia do gerenciamento de cadastros e consultas de usuários, pessoas, produtos e gerenciamento de estoque.</a:t>
-            </a:r>
-            <a:endParaRPr lang="pt-BR" sz="1200" dirty="0">
+              <a:rPr lang="pt-BR" sz="3000" dirty="0" smtClean="0">
+                <a:latin typeface="Arial" panose="020B0604020202020204" pitchFamily="34" charset="0"/>
+                <a:cs typeface="Arial" panose="020B0604020202020204" pitchFamily="34" charset="0"/>
+              </a:rPr>
+              <a:t>A Loja Imperador encontra-se com processos precários em relação ao fluxo de informações, em sua maior parte sem nenhum tipo de controle, totalmente manual. Um exemplo disto é que sem o sistema seria impossível contabilizar as entradas e saídas de produtos em um ano. Com base nisso, foi possível desenvolver um </a:t>
+            </a:r>
+            <a:r>
+              <a:rPr lang="pt-BR" sz="3000" dirty="0" smtClean="0">
+                <a:latin typeface="Arial" panose="020B0604020202020204" pitchFamily="34" charset="0"/>
+                <a:cs typeface="Arial" panose="020B0604020202020204" pitchFamily="34" charset="0"/>
+              </a:rPr>
+              <a:t>projeto piloto como protótipo </a:t>
+            </a:r>
+            <a:r>
+              <a:rPr lang="pt-BR" sz="3000" dirty="0" smtClean="0">
+                <a:latin typeface="Arial" panose="020B0604020202020204" pitchFamily="34" charset="0"/>
+                <a:cs typeface="Arial" panose="020B0604020202020204" pitchFamily="34" charset="0"/>
+              </a:rPr>
+              <a:t>de um sistema de </a:t>
+            </a:r>
+            <a:r>
+              <a:rPr lang="pt-BR" sz="3000" dirty="0" smtClean="0">
+                <a:latin typeface="Arial" panose="020B0604020202020204" pitchFamily="34" charset="0"/>
+                <a:cs typeface="Arial" panose="020B0604020202020204" pitchFamily="34" charset="0"/>
+              </a:rPr>
+              <a:t>ponto de venda para futura implantação na plataforma da loja para suprir a necessidade e substituindo a forma manual pelo sistema desenvolvido  . </a:t>
+            </a:r>
+            <a:endParaRPr lang="pt-BR" sz="3000" dirty="0">
               <a:latin typeface="Arial" panose="020B0604020202020204" pitchFamily="34" charset="0"/>
               <a:cs typeface="Arial" panose="020B0604020202020204" pitchFamily="34" charset="0"/>
             </a:endParaRPr>
@@ -3838,25 +3773,25 @@
               <a:t>, </a:t>
             </a:r>
             <a:r>
+              <a:rPr lang="en-US" sz="3000" dirty="0" err="1" smtClean="0">
+                <a:latin typeface="Arial" panose="020B0604020202020204" pitchFamily="34" charset="0"/>
+                <a:cs typeface="Arial" panose="020B0604020202020204" pitchFamily="34" charset="0"/>
+              </a:rPr>
+              <a:t>Vendas</a:t>
+            </a:r>
+            <a:r>
               <a:rPr lang="en-US" sz="3000" dirty="0" smtClean="0">
                 <a:latin typeface="Arial" panose="020B0604020202020204" pitchFamily="34" charset="0"/>
                 <a:cs typeface="Arial" panose="020B0604020202020204" pitchFamily="34" charset="0"/>
               </a:rPr>
-              <a:t>Venda </a:t>
-            </a:r>
-            <a:r>
-              <a:rPr lang="en-US" sz="3000" dirty="0" smtClean="0">
-                <a:latin typeface="Arial" panose="020B0604020202020204" pitchFamily="34" charset="0"/>
-                <a:cs typeface="Arial" panose="020B0604020202020204" pitchFamily="34" charset="0"/>
-              </a:rPr>
-              <a:t>e </a:t>
+              <a:t> e </a:t>
             </a:r>
             <a:r>
               <a:rPr lang="en-US" sz="3000" dirty="0" err="1" smtClean="0">
                 <a:latin typeface="Arial" panose="020B0604020202020204" pitchFamily="34" charset="0"/>
                 <a:cs typeface="Arial" panose="020B0604020202020204" pitchFamily="34" charset="0"/>
               </a:rPr>
-              <a:t>gestão</a:t>
+              <a:t>produtos</a:t>
             </a:r>
             <a:r>
               <a:rPr lang="en-US" sz="3000" dirty="0" smtClean="0">
@@ -3886,7 +3821,7 @@
         </p:nvSpPr>
         <p:spPr>
           <a:xfrm>
-            <a:off x="1483066" y="32740389"/>
+            <a:off x="1483066" y="32273858"/>
             <a:ext cx="11927332" cy="1553054"/>
           </a:xfrm>
           <a:prstGeom prst="rect">
@@ -4062,7 +3997,7 @@
         </p:blipFill>
         <p:spPr>
           <a:xfrm>
-            <a:off x="15844322" y="18809874"/>
+            <a:off x="14879122" y="19597274"/>
             <a:ext cx="9051603" cy="5091526"/>
           </a:xfrm>
           <a:prstGeom prst="rect">
@@ -4121,8 +4056,8 @@
         </p:blipFill>
         <p:spPr>
           <a:xfrm>
-            <a:off x="16019982" y="12649200"/>
-            <a:ext cx="8802823" cy="4951587"/>
+            <a:off x="14572182" y="15011400"/>
+            <a:ext cx="8802823" cy="3962400"/>
           </a:xfrm>
           <a:prstGeom prst="rect">
             <a:avLst/>
@@ -4180,7 +4115,7 @@
         </p:blipFill>
         <p:spPr>
           <a:xfrm>
-            <a:off x="17882944" y="15163801"/>
+            <a:off x="17806744" y="16306801"/>
             <a:ext cx="8939456" cy="5021459"/>
           </a:xfrm>
           <a:prstGeom prst="rect">
@@ -4239,7 +4174,7 @@
         </p:blipFill>
         <p:spPr>
           <a:xfrm>
-            <a:off x="18008600" y="22938344"/>
+            <a:off x="17170400" y="23420944"/>
             <a:ext cx="8086326" cy="4548558"/>
           </a:xfrm>
           <a:prstGeom prst="rect">

--- a/Banner.pptx
+++ b/Banner.pptx
@@ -2,7 +2,7 @@
 <file path=ppt/presentation.xml><?xml version="1.0" encoding="utf-8"?>
 <p:presentation xmlns:a="http://schemas.openxmlformats.org/drawingml/2006/main" xmlns:r="http://schemas.openxmlformats.org/officeDocument/2006/relationships" xmlns:p="http://schemas.openxmlformats.org/presentationml/2006/main" saveSubsetFonts="1">
   <p:sldMasterIdLst>
-    <p:sldMasterId id="2147483660" r:id="rId1"/>
+    <p:sldMasterId id="2147483713" r:id="rId1"/>
   </p:sldMasterIdLst>
   <p:sldIdLst>
     <p:sldId id="256" r:id="rId2"/>
@@ -11,9 +11,9 @@
   <p:notesSz cx="6858000" cy="9144000"/>
   <p:defaultTextStyle>
     <a:defPPr>
-      <a:defRPr lang="en-US"/>
+      <a:defRPr lang="pt-BR"/>
     </a:defPPr>
-    <a:lvl1pPr marL="0" algn="l" defTabSz="457200" rtl="0" eaLnBrk="1" latinLnBrk="0" hangingPunct="1">
+    <a:lvl1pPr marL="0" algn="l" defTabSz="914400" rtl="0" eaLnBrk="1" latinLnBrk="0" hangingPunct="1">
       <a:defRPr sz="1800" kern="1200">
         <a:solidFill>
           <a:schemeClr val="tx1"/>
@@ -23,7 +23,7 @@
         <a:cs typeface="+mn-cs"/>
       </a:defRPr>
     </a:lvl1pPr>
-    <a:lvl2pPr marL="457200" algn="l" defTabSz="457200" rtl="0" eaLnBrk="1" latinLnBrk="0" hangingPunct="1">
+    <a:lvl2pPr marL="457200" algn="l" defTabSz="914400" rtl="0" eaLnBrk="1" latinLnBrk="0" hangingPunct="1">
       <a:defRPr sz="1800" kern="1200">
         <a:solidFill>
           <a:schemeClr val="tx1"/>
@@ -33,7 +33,7 @@
         <a:cs typeface="+mn-cs"/>
       </a:defRPr>
     </a:lvl2pPr>
-    <a:lvl3pPr marL="914400" algn="l" defTabSz="457200" rtl="0" eaLnBrk="1" latinLnBrk="0" hangingPunct="1">
+    <a:lvl3pPr marL="914400" algn="l" defTabSz="914400" rtl="0" eaLnBrk="1" latinLnBrk="0" hangingPunct="1">
       <a:defRPr sz="1800" kern="1200">
         <a:solidFill>
           <a:schemeClr val="tx1"/>
@@ -43,7 +43,7 @@
         <a:cs typeface="+mn-cs"/>
       </a:defRPr>
     </a:lvl3pPr>
-    <a:lvl4pPr marL="1371600" algn="l" defTabSz="457200" rtl="0" eaLnBrk="1" latinLnBrk="0" hangingPunct="1">
+    <a:lvl4pPr marL="1371600" algn="l" defTabSz="914400" rtl="0" eaLnBrk="1" latinLnBrk="0" hangingPunct="1">
       <a:defRPr sz="1800" kern="1200">
         <a:solidFill>
           <a:schemeClr val="tx1"/>
@@ -53,7 +53,7 @@
         <a:cs typeface="+mn-cs"/>
       </a:defRPr>
     </a:lvl4pPr>
-    <a:lvl5pPr marL="1828800" algn="l" defTabSz="457200" rtl="0" eaLnBrk="1" latinLnBrk="0" hangingPunct="1">
+    <a:lvl5pPr marL="1828800" algn="l" defTabSz="914400" rtl="0" eaLnBrk="1" latinLnBrk="0" hangingPunct="1">
       <a:defRPr sz="1800" kern="1200">
         <a:solidFill>
           <a:schemeClr val="tx1"/>
@@ -63,7 +63,7 @@
         <a:cs typeface="+mn-cs"/>
       </a:defRPr>
     </a:lvl5pPr>
-    <a:lvl6pPr marL="2286000" algn="l" defTabSz="457200" rtl="0" eaLnBrk="1" latinLnBrk="0" hangingPunct="1">
+    <a:lvl6pPr marL="2286000" algn="l" defTabSz="914400" rtl="0" eaLnBrk="1" latinLnBrk="0" hangingPunct="1">
       <a:defRPr sz="1800" kern="1200">
         <a:solidFill>
           <a:schemeClr val="tx1"/>
@@ -73,7 +73,7 @@
         <a:cs typeface="+mn-cs"/>
       </a:defRPr>
     </a:lvl6pPr>
-    <a:lvl7pPr marL="2743200" algn="l" defTabSz="457200" rtl="0" eaLnBrk="1" latinLnBrk="0" hangingPunct="1">
+    <a:lvl7pPr marL="2743200" algn="l" defTabSz="914400" rtl="0" eaLnBrk="1" latinLnBrk="0" hangingPunct="1">
       <a:defRPr sz="1800" kern="1200">
         <a:solidFill>
           <a:schemeClr val="tx1"/>
@@ -83,7 +83,7 @@
         <a:cs typeface="+mn-cs"/>
       </a:defRPr>
     </a:lvl7pPr>
-    <a:lvl8pPr marL="3200400" algn="l" defTabSz="457200" rtl="0" eaLnBrk="1" latinLnBrk="0" hangingPunct="1">
+    <a:lvl8pPr marL="3200400" algn="l" defTabSz="914400" rtl="0" eaLnBrk="1" latinLnBrk="0" hangingPunct="1">
       <a:defRPr sz="1800" kern="1200">
         <a:solidFill>
           <a:schemeClr val="tx1"/>
@@ -93,7 +93,7 @@
         <a:cs typeface="+mn-cs"/>
       </a:defRPr>
     </a:lvl8pPr>
-    <a:lvl9pPr marL="3657600" algn="l" defTabSz="457200" rtl="0" eaLnBrk="1" latinLnBrk="0" hangingPunct="1">
+    <a:lvl9pPr marL="3657600" algn="l" defTabSz="914400" rtl="0" eaLnBrk="1" latinLnBrk="0" hangingPunct="1">
       <a:defRPr sz="1800" kern="1200">
         <a:solidFill>
           <a:schemeClr val="tx1"/>
@@ -106,7 +106,18 @@
   </p:defaultTextStyle>
   <p:extLst>
     <p:ext uri="{EFAFB233-063F-42B5-8137-9DF3F51BA10A}">
-      <p15:sldGuideLst xmlns:p15="http://schemas.microsoft.com/office/powerpoint/2012/main" xmlns=""/>
+      <p15:sldGuideLst xmlns:p15="http://schemas.microsoft.com/office/powerpoint/2012/main">
+        <p15:guide id="1" orient="horz" pos="11338">
+          <p15:clr>
+            <a:srgbClr val="A4A3A4"/>
+          </p15:clr>
+        </p15:guide>
+        <p15:guide id="2" pos="9071">
+          <p15:clr>
+            <a:srgbClr val="A4A3A4"/>
+          </p15:clr>
+        </p15:guide>
+      </p15:sldGuideLst>
     </p:ext>
   </p:extLst>
 </p:presentation>
@@ -114,7 +125,7 @@
 
 <file path=ppt/slideLayouts/slideLayout1.xml><?xml version="1.0" encoding="utf-8"?>
 <p:sldLayout xmlns:a="http://schemas.openxmlformats.org/drawingml/2006/main" xmlns:r="http://schemas.openxmlformats.org/officeDocument/2006/relationships" xmlns:p="http://schemas.openxmlformats.org/presentationml/2006/main" type="title" preserve="1">
-  <p:cSld name="Slide de Título">
+  <p:cSld name="Title Slide">
     <p:spTree>
       <p:nvGrpSpPr>
         <p:cNvPr id="1" name=""/>
@@ -131,7 +142,13 @@
       </p:grpSpPr>
       <p:sp>
         <p:nvSpPr>
-          <p:cNvPr id="2" name="Title 1"/>
+          <p:cNvPr id="2" name="Title 1">
+            <a:extLst>
+              <a:ext uri="{FF2B5EF4-FFF2-40B4-BE49-F238E27FC236}">
+                <a16:creationId xmlns:a16="http://schemas.microsoft.com/office/drawing/2014/main" id="{D6570661-555E-4CA5-BBC1-878DEDB6F746}"/>
+              </a:ext>
+            </a:extLst>
+          </p:cNvPr>
           <p:cNvSpPr>
             <a:spLocks noGrp="1"/>
           </p:cNvSpPr>
@@ -141,29 +158,35 @@
         </p:nvSpPr>
         <p:spPr>
           <a:xfrm>
-            <a:off x="2160032" y="5891626"/>
-            <a:ext cx="24480361" cy="12533242"/>
+            <a:off x="3600053" y="5891626"/>
+            <a:ext cx="21600319" cy="12533242"/>
           </a:xfrm>
         </p:spPr>
         <p:txBody>
           <a:bodyPr anchor="b"/>
           <a:lstStyle>
             <a:lvl1pPr algn="ctr">
-              <a:defRPr sz="18898"/>
+              <a:defRPr sz="14173"/>
             </a:lvl1pPr>
           </a:lstStyle>
           <a:p>
             <a:r>
-              <a:rPr lang="pt-BR"/>
-              <a:t>Clique para editar o título Mestre</a:t>
-            </a:r>
-            <a:endParaRPr lang="en-US" dirty="0"/>
-          </a:p>
-        </p:txBody>
-      </p:sp>
-      <p:sp>
-        <p:nvSpPr>
-          <p:cNvPr id="3" name="Subtitle 2"/>
+              <a:rPr lang="en-US"/>
+              <a:t>Click to edit Master title style</a:t>
+            </a:r>
+            <a:endParaRPr lang="pt-BR"/>
+          </a:p>
+        </p:txBody>
+      </p:sp>
+      <p:sp>
+        <p:nvSpPr>
+          <p:cNvPr id="3" name="Subtitle 2">
+            <a:extLst>
+              <a:ext uri="{FF2B5EF4-FFF2-40B4-BE49-F238E27FC236}">
+                <a16:creationId xmlns:a16="http://schemas.microsoft.com/office/drawing/2014/main" id="{0FC084A8-8D10-4BF9-9A4B-E7E6B1D90921}"/>
+              </a:ext>
+            </a:extLst>
+          </p:cNvPr>
           <p:cNvSpPr>
             <a:spLocks noGrp="1"/>
           </p:cNvSpPr>
@@ -182,53 +205,59 @@
           <a:lstStyle>
             <a:lvl1pPr marL="0" indent="0" algn="ctr">
               <a:buNone/>
-              <a:defRPr sz="7559"/>
+              <a:defRPr sz="5669"/>
             </a:lvl1pPr>
-            <a:lvl2pPr marL="1440043" indent="0" algn="ctr">
-              <a:buNone/>
-              <a:defRPr sz="6299"/>
+            <a:lvl2pPr marL="1079998" indent="0" algn="ctr">
+              <a:buNone/>
+              <a:defRPr sz="4724"/>
             </a:lvl2pPr>
-            <a:lvl3pPr marL="2880086" indent="0" algn="ctr">
-              <a:buNone/>
-              <a:defRPr sz="5669"/>
+            <a:lvl3pPr marL="2159996" indent="0" algn="ctr">
+              <a:buNone/>
+              <a:defRPr sz="4252"/>
             </a:lvl3pPr>
-            <a:lvl4pPr marL="4320129" indent="0" algn="ctr">
-              <a:buNone/>
-              <a:defRPr sz="5040"/>
+            <a:lvl4pPr marL="3239994" indent="0" algn="ctr">
+              <a:buNone/>
+              <a:defRPr sz="3780"/>
             </a:lvl4pPr>
-            <a:lvl5pPr marL="5760171" indent="0" algn="ctr">
-              <a:buNone/>
-              <a:defRPr sz="5040"/>
+            <a:lvl5pPr marL="4319991" indent="0" algn="ctr">
+              <a:buNone/>
+              <a:defRPr sz="3780"/>
             </a:lvl5pPr>
-            <a:lvl6pPr marL="7200214" indent="0" algn="ctr">
-              <a:buNone/>
-              <a:defRPr sz="5040"/>
+            <a:lvl6pPr marL="5399989" indent="0" algn="ctr">
+              <a:buNone/>
+              <a:defRPr sz="3780"/>
             </a:lvl6pPr>
-            <a:lvl7pPr marL="8640257" indent="0" algn="ctr">
-              <a:buNone/>
-              <a:defRPr sz="5040"/>
+            <a:lvl7pPr marL="6479987" indent="0" algn="ctr">
+              <a:buNone/>
+              <a:defRPr sz="3780"/>
             </a:lvl7pPr>
-            <a:lvl8pPr marL="10080300" indent="0" algn="ctr">
-              <a:buNone/>
-              <a:defRPr sz="5040"/>
+            <a:lvl8pPr marL="7559985" indent="0" algn="ctr">
+              <a:buNone/>
+              <a:defRPr sz="3780"/>
             </a:lvl8pPr>
-            <a:lvl9pPr marL="11520343" indent="0" algn="ctr">
-              <a:buNone/>
-              <a:defRPr sz="5040"/>
+            <a:lvl9pPr marL="8639983" indent="0" algn="ctr">
+              <a:buNone/>
+              <a:defRPr sz="3780"/>
             </a:lvl9pPr>
           </a:lstStyle>
           <a:p>
             <a:r>
-              <a:rPr lang="pt-BR"/>
-              <a:t>Clique para editar o estilo do subtítulo Mestre</a:t>
-            </a:r>
-            <a:endParaRPr lang="en-US" dirty="0"/>
-          </a:p>
-        </p:txBody>
-      </p:sp>
-      <p:sp>
-        <p:nvSpPr>
-          <p:cNvPr id="4" name="Date Placeholder 3"/>
+              <a:rPr lang="en-US"/>
+              <a:t>Click to edit Master subtitle style</a:t>
+            </a:r>
+            <a:endParaRPr lang="pt-BR"/>
+          </a:p>
+        </p:txBody>
+      </p:sp>
+      <p:sp>
+        <p:nvSpPr>
+          <p:cNvPr id="4" name="Date Placeholder 3">
+            <a:extLst>
+              <a:ext uri="{FF2B5EF4-FFF2-40B4-BE49-F238E27FC236}">
+                <a16:creationId xmlns:a16="http://schemas.microsoft.com/office/drawing/2014/main" id="{C1279903-9519-4410-8EA4-5352F4001797}"/>
+              </a:ext>
+            </a:extLst>
+          </p:cNvPr>
           <p:cNvSpPr>
             <a:spLocks noGrp="1"/>
           </p:cNvSpPr>
@@ -252,7 +281,13 @@
       </p:sp>
       <p:sp>
         <p:nvSpPr>
-          <p:cNvPr id="5" name="Footer Placeholder 4"/>
+          <p:cNvPr id="5" name="Footer Placeholder 4">
+            <a:extLst>
+              <a:ext uri="{FF2B5EF4-FFF2-40B4-BE49-F238E27FC236}">
+                <a16:creationId xmlns:a16="http://schemas.microsoft.com/office/drawing/2014/main" id="{BBB48C73-5BF2-4F76-A4C2-3EBD5525DFD9}"/>
+              </a:ext>
+            </a:extLst>
+          </p:cNvPr>
           <p:cNvSpPr>
             <a:spLocks noGrp="1"/>
           </p:cNvSpPr>
@@ -271,7 +306,13 @@
       </p:sp>
       <p:sp>
         <p:nvSpPr>
-          <p:cNvPr id="6" name="Slide Number Placeholder 5"/>
+          <p:cNvPr id="6" name="Slide Number Placeholder 5">
+            <a:extLst>
+              <a:ext uri="{FF2B5EF4-FFF2-40B4-BE49-F238E27FC236}">
+                <a16:creationId xmlns:a16="http://schemas.microsoft.com/office/drawing/2014/main" id="{1AECC5A1-2BC7-48BD-8532-7C40430D773F}"/>
+              </a:ext>
+            </a:extLst>
+          </p:cNvPr>
           <p:cNvSpPr>
             <a:spLocks noGrp="1"/>
           </p:cNvSpPr>
@@ -287,7 +328,7 @@
             <a:fld id="{7559098A-D04A-42FA-A9EE-5AA860E33838}" type="slidenum">
               <a:rPr lang="pt-BR" smtClean="0"/>
               <a:pPr/>
-              <a:t>‹nº›</a:t>
+              <a:t>‹#›</a:t>
             </a:fld>
             <a:endParaRPr lang="pt-BR" dirty="0"/>
           </a:p>
@@ -296,7 +337,7 @@
     </p:spTree>
     <p:extLst>
       <p:ext uri="{BB962C8B-B14F-4D97-AF65-F5344CB8AC3E}">
-        <p14:creationId xmlns:p14="http://schemas.microsoft.com/office/powerpoint/2010/main" xmlns="" val="1937810931"/>
+        <p14:creationId xmlns:p14="http://schemas.microsoft.com/office/powerpoint/2010/main" val="3519105417"/>
       </p:ext>
     </p:extLst>
   </p:cSld>
@@ -308,7 +349,7 @@
 
 <file path=ppt/slideLayouts/slideLayout10.xml><?xml version="1.0" encoding="utf-8"?>
 <p:sldLayout xmlns:a="http://schemas.openxmlformats.org/drawingml/2006/main" xmlns:r="http://schemas.openxmlformats.org/officeDocument/2006/relationships" xmlns:p="http://schemas.openxmlformats.org/presentationml/2006/main" type="vertTx" preserve="1">
-  <p:cSld name="Título e Texto Vertical">
+  <p:cSld name="Title and Vertical Text">
     <p:spTree>
       <p:nvGrpSpPr>
         <p:cNvPr id="1" name=""/>
@@ -325,7 +366,13 @@
       </p:grpSpPr>
       <p:sp>
         <p:nvSpPr>
-          <p:cNvPr id="2" name="Title 1"/>
+          <p:cNvPr id="2" name="Title 1">
+            <a:extLst>
+              <a:ext uri="{FF2B5EF4-FFF2-40B4-BE49-F238E27FC236}">
+                <a16:creationId xmlns:a16="http://schemas.microsoft.com/office/drawing/2014/main" id="{8BAD329A-CC37-4DD6-9408-8E546861AE61}"/>
+              </a:ext>
+            </a:extLst>
+          </p:cNvPr>
           <p:cNvSpPr>
             <a:spLocks noGrp="1"/>
           </p:cNvSpPr>
@@ -339,16 +386,22 @@
           <a:lstStyle/>
           <a:p>
             <a:r>
-              <a:rPr lang="pt-BR"/>
-              <a:t>Clique para editar o título Mestre</a:t>
-            </a:r>
-            <a:endParaRPr lang="en-US" dirty="0"/>
-          </a:p>
-        </p:txBody>
-      </p:sp>
-      <p:sp>
-        <p:nvSpPr>
-          <p:cNvPr id="3" name="Vertical Text Placeholder 2"/>
+              <a:rPr lang="en-US"/>
+              <a:t>Click to edit Master title style</a:t>
+            </a:r>
+            <a:endParaRPr lang="pt-BR"/>
+          </a:p>
+        </p:txBody>
+      </p:sp>
+      <p:sp>
+        <p:nvSpPr>
+          <p:cNvPr id="3" name="Vertical Text Placeholder 2">
+            <a:extLst>
+              <a:ext uri="{FF2B5EF4-FFF2-40B4-BE49-F238E27FC236}">
+                <a16:creationId xmlns:a16="http://schemas.microsoft.com/office/drawing/2014/main" id="{12E72220-ABAD-4D5C-AB7B-DF2ACC73CD8B}"/>
+              </a:ext>
+            </a:extLst>
+          </p:cNvPr>
           <p:cNvSpPr>
             <a:spLocks noGrp="1"/>
           </p:cNvSpPr>
@@ -363,44 +416,50 @@
           <a:p>
             <a:pPr lvl="0"/>
             <a:r>
-              <a:rPr lang="pt-BR"/>
-              <a:t>Editar estilos de texto Mestre</a:t>
+              <a:rPr lang="en-US"/>
+              <a:t>Click to edit Master text styles</a:t>
             </a:r>
           </a:p>
           <a:p>
             <a:pPr lvl="1"/>
             <a:r>
-              <a:rPr lang="pt-BR"/>
-              <a:t>Segundo nível</a:t>
+              <a:rPr lang="en-US"/>
+              <a:t>Second level</a:t>
             </a:r>
           </a:p>
           <a:p>
             <a:pPr lvl="2"/>
             <a:r>
-              <a:rPr lang="pt-BR"/>
-              <a:t>Terceiro nível</a:t>
+              <a:rPr lang="en-US"/>
+              <a:t>Third level</a:t>
             </a:r>
           </a:p>
           <a:p>
             <a:pPr lvl="3"/>
             <a:r>
-              <a:rPr lang="pt-BR"/>
-              <a:t>Quarto nível</a:t>
+              <a:rPr lang="en-US"/>
+              <a:t>Fourth level</a:t>
             </a:r>
           </a:p>
           <a:p>
             <a:pPr lvl="4"/>
             <a:r>
-              <a:rPr lang="pt-BR"/>
-              <a:t>Quinto nível</a:t>
-            </a:r>
-            <a:endParaRPr lang="en-US" dirty="0"/>
-          </a:p>
-        </p:txBody>
-      </p:sp>
-      <p:sp>
-        <p:nvSpPr>
-          <p:cNvPr id="4" name="Date Placeholder 3"/>
+              <a:rPr lang="en-US"/>
+              <a:t>Fifth level</a:t>
+            </a:r>
+            <a:endParaRPr lang="pt-BR"/>
+          </a:p>
+        </p:txBody>
+      </p:sp>
+      <p:sp>
+        <p:nvSpPr>
+          <p:cNvPr id="4" name="Date Placeholder 3">
+            <a:extLst>
+              <a:ext uri="{FF2B5EF4-FFF2-40B4-BE49-F238E27FC236}">
+                <a16:creationId xmlns:a16="http://schemas.microsoft.com/office/drawing/2014/main" id="{E17B5140-EC9F-4B5A-A35C-F4DBC432B0BE}"/>
+              </a:ext>
+            </a:extLst>
+          </p:cNvPr>
           <p:cNvSpPr>
             <a:spLocks noGrp="1"/>
           </p:cNvSpPr>
@@ -424,7 +483,13 @@
       </p:sp>
       <p:sp>
         <p:nvSpPr>
-          <p:cNvPr id="5" name="Footer Placeholder 4"/>
+          <p:cNvPr id="5" name="Footer Placeholder 4">
+            <a:extLst>
+              <a:ext uri="{FF2B5EF4-FFF2-40B4-BE49-F238E27FC236}">
+                <a16:creationId xmlns:a16="http://schemas.microsoft.com/office/drawing/2014/main" id="{CBD35D03-7A54-49C3-A8A1-62A4A7DCB999}"/>
+              </a:ext>
+            </a:extLst>
+          </p:cNvPr>
           <p:cNvSpPr>
             <a:spLocks noGrp="1"/>
           </p:cNvSpPr>
@@ -443,7 +508,13 @@
       </p:sp>
       <p:sp>
         <p:nvSpPr>
-          <p:cNvPr id="6" name="Slide Number Placeholder 5"/>
+          <p:cNvPr id="6" name="Slide Number Placeholder 5">
+            <a:extLst>
+              <a:ext uri="{FF2B5EF4-FFF2-40B4-BE49-F238E27FC236}">
+                <a16:creationId xmlns:a16="http://schemas.microsoft.com/office/drawing/2014/main" id="{AF88634C-1733-4D3A-98AA-BA83F10BFC2E}"/>
+              </a:ext>
+            </a:extLst>
+          </p:cNvPr>
           <p:cNvSpPr>
             <a:spLocks noGrp="1"/>
           </p:cNvSpPr>
@@ -459,7 +530,7 @@
             <a:fld id="{7559098A-D04A-42FA-A9EE-5AA860E33838}" type="slidenum">
               <a:rPr lang="pt-BR" smtClean="0"/>
               <a:pPr/>
-              <a:t>‹nº›</a:t>
+              <a:t>‹#›</a:t>
             </a:fld>
             <a:endParaRPr lang="pt-BR" dirty="0"/>
           </a:p>
@@ -468,7 +539,7 @@
     </p:spTree>
     <p:extLst>
       <p:ext uri="{BB962C8B-B14F-4D97-AF65-F5344CB8AC3E}">
-        <p14:creationId xmlns:p14="http://schemas.microsoft.com/office/powerpoint/2010/main" xmlns="" val="3674820756"/>
+        <p14:creationId xmlns:p14="http://schemas.microsoft.com/office/powerpoint/2010/main" val="3198171608"/>
       </p:ext>
     </p:extLst>
   </p:cSld>
@@ -480,7 +551,7 @@
 
 <file path=ppt/slideLayouts/slideLayout11.xml><?xml version="1.0" encoding="utf-8"?>
 <p:sldLayout xmlns:a="http://schemas.openxmlformats.org/drawingml/2006/main" xmlns:r="http://schemas.openxmlformats.org/officeDocument/2006/relationships" xmlns:p="http://schemas.openxmlformats.org/presentationml/2006/main" type="vertTitleAndTx" preserve="1">
-  <p:cSld name="Texto e Título Vertical">
+  <p:cSld name="Vertical Title and Text">
     <p:spTree>
       <p:nvGrpSpPr>
         <p:cNvPr id="1" name=""/>
@@ -497,7 +568,13 @@
       </p:grpSpPr>
       <p:sp>
         <p:nvSpPr>
-          <p:cNvPr id="2" name="Vertical Title 1"/>
+          <p:cNvPr id="2" name="Vertical Title 1">
+            <a:extLst>
+              <a:ext uri="{FF2B5EF4-FFF2-40B4-BE49-F238E27FC236}">
+                <a16:creationId xmlns:a16="http://schemas.microsoft.com/office/drawing/2014/main" id="{5A8BC5CA-2802-4BC9-9479-CBB0D1CD7203}"/>
+              </a:ext>
+            </a:extLst>
+          </p:cNvPr>
           <p:cNvSpPr>
             <a:spLocks noGrp="1"/>
           </p:cNvSpPr>
@@ -507,7 +584,7 @@
         </p:nvSpPr>
         <p:spPr>
           <a:xfrm>
-            <a:off x="20610306" y="1916653"/>
+            <a:off x="20610304" y="1916653"/>
             <a:ext cx="6210092" cy="30508114"/>
           </a:xfrm>
         </p:spPr>
@@ -516,16 +593,22 @@
           <a:lstStyle/>
           <a:p>
             <a:r>
-              <a:rPr lang="pt-BR"/>
-              <a:t>Clique para editar o título Mestre</a:t>
-            </a:r>
-            <a:endParaRPr lang="en-US" dirty="0"/>
-          </a:p>
-        </p:txBody>
-      </p:sp>
-      <p:sp>
-        <p:nvSpPr>
-          <p:cNvPr id="3" name="Vertical Text Placeholder 2"/>
+              <a:rPr lang="en-US"/>
+              <a:t>Click to edit Master title style</a:t>
+            </a:r>
+            <a:endParaRPr lang="pt-BR"/>
+          </a:p>
+        </p:txBody>
+      </p:sp>
+      <p:sp>
+        <p:nvSpPr>
+          <p:cNvPr id="3" name="Vertical Text Placeholder 2">
+            <a:extLst>
+              <a:ext uri="{FF2B5EF4-FFF2-40B4-BE49-F238E27FC236}">
+                <a16:creationId xmlns:a16="http://schemas.microsoft.com/office/drawing/2014/main" id="{59FD3158-6538-4F87-BB87-07AF31681230}"/>
+              </a:ext>
+            </a:extLst>
+          </p:cNvPr>
           <p:cNvSpPr>
             <a:spLocks noGrp="1"/>
           </p:cNvSpPr>
@@ -535,7 +618,7 @@
         </p:nvSpPr>
         <p:spPr>
           <a:xfrm>
-            <a:off x="1980031" y="1916653"/>
+            <a:off x="1980029" y="1916653"/>
             <a:ext cx="18270270" cy="30508114"/>
           </a:xfrm>
         </p:spPr>
@@ -545,44 +628,50 @@
           <a:p>
             <a:pPr lvl="0"/>
             <a:r>
-              <a:rPr lang="pt-BR"/>
-              <a:t>Editar estilos de texto Mestre</a:t>
+              <a:rPr lang="en-US"/>
+              <a:t>Click to edit Master text styles</a:t>
             </a:r>
           </a:p>
           <a:p>
             <a:pPr lvl="1"/>
             <a:r>
-              <a:rPr lang="pt-BR"/>
-              <a:t>Segundo nível</a:t>
+              <a:rPr lang="en-US"/>
+              <a:t>Second level</a:t>
             </a:r>
           </a:p>
           <a:p>
             <a:pPr lvl="2"/>
             <a:r>
-              <a:rPr lang="pt-BR"/>
-              <a:t>Terceiro nível</a:t>
+              <a:rPr lang="en-US"/>
+              <a:t>Third level</a:t>
             </a:r>
           </a:p>
           <a:p>
             <a:pPr lvl="3"/>
             <a:r>
-              <a:rPr lang="pt-BR"/>
-              <a:t>Quarto nível</a:t>
+              <a:rPr lang="en-US"/>
+              <a:t>Fourth level</a:t>
             </a:r>
           </a:p>
           <a:p>
             <a:pPr lvl="4"/>
             <a:r>
-              <a:rPr lang="pt-BR"/>
-              <a:t>Quinto nível</a:t>
-            </a:r>
-            <a:endParaRPr lang="en-US" dirty="0"/>
-          </a:p>
-        </p:txBody>
-      </p:sp>
-      <p:sp>
-        <p:nvSpPr>
-          <p:cNvPr id="4" name="Date Placeholder 3"/>
+              <a:rPr lang="en-US"/>
+              <a:t>Fifth level</a:t>
+            </a:r>
+            <a:endParaRPr lang="pt-BR"/>
+          </a:p>
+        </p:txBody>
+      </p:sp>
+      <p:sp>
+        <p:nvSpPr>
+          <p:cNvPr id="4" name="Date Placeholder 3">
+            <a:extLst>
+              <a:ext uri="{FF2B5EF4-FFF2-40B4-BE49-F238E27FC236}">
+                <a16:creationId xmlns:a16="http://schemas.microsoft.com/office/drawing/2014/main" id="{DE212CA7-EEE9-41B7-9389-599D151CFBCE}"/>
+              </a:ext>
+            </a:extLst>
+          </p:cNvPr>
           <p:cNvSpPr>
             <a:spLocks noGrp="1"/>
           </p:cNvSpPr>
@@ -606,7 +695,13 @@
       </p:sp>
       <p:sp>
         <p:nvSpPr>
-          <p:cNvPr id="5" name="Footer Placeholder 4"/>
+          <p:cNvPr id="5" name="Footer Placeholder 4">
+            <a:extLst>
+              <a:ext uri="{FF2B5EF4-FFF2-40B4-BE49-F238E27FC236}">
+                <a16:creationId xmlns:a16="http://schemas.microsoft.com/office/drawing/2014/main" id="{D1D49402-DFE4-4CB2-BC16-6D44E9098393}"/>
+              </a:ext>
+            </a:extLst>
+          </p:cNvPr>
           <p:cNvSpPr>
             <a:spLocks noGrp="1"/>
           </p:cNvSpPr>
@@ -625,7 +720,13 @@
       </p:sp>
       <p:sp>
         <p:nvSpPr>
-          <p:cNvPr id="6" name="Slide Number Placeholder 5"/>
+          <p:cNvPr id="6" name="Slide Number Placeholder 5">
+            <a:extLst>
+              <a:ext uri="{FF2B5EF4-FFF2-40B4-BE49-F238E27FC236}">
+                <a16:creationId xmlns:a16="http://schemas.microsoft.com/office/drawing/2014/main" id="{25EF1F1C-C886-4EC9-BB4D-B415269F1236}"/>
+              </a:ext>
+            </a:extLst>
+          </p:cNvPr>
           <p:cNvSpPr>
             <a:spLocks noGrp="1"/>
           </p:cNvSpPr>
@@ -641,7 +742,7 @@
             <a:fld id="{7559098A-D04A-42FA-A9EE-5AA860E33838}" type="slidenum">
               <a:rPr lang="pt-BR" smtClean="0"/>
               <a:pPr/>
-              <a:t>‹nº›</a:t>
+              <a:t>‹#›</a:t>
             </a:fld>
             <a:endParaRPr lang="pt-BR" dirty="0"/>
           </a:p>
@@ -650,7 +751,7 @@
     </p:spTree>
     <p:extLst>
       <p:ext uri="{BB962C8B-B14F-4D97-AF65-F5344CB8AC3E}">
-        <p14:creationId xmlns:p14="http://schemas.microsoft.com/office/powerpoint/2010/main" xmlns="" val="2021838040"/>
+        <p14:creationId xmlns:p14="http://schemas.microsoft.com/office/powerpoint/2010/main" val="3846697877"/>
       </p:ext>
     </p:extLst>
   </p:cSld>
@@ -662,7 +763,7 @@
 
 <file path=ppt/slideLayouts/slideLayout2.xml><?xml version="1.0" encoding="utf-8"?>
 <p:sldLayout xmlns:a="http://schemas.openxmlformats.org/drawingml/2006/main" xmlns:r="http://schemas.openxmlformats.org/officeDocument/2006/relationships" xmlns:p="http://schemas.openxmlformats.org/presentationml/2006/main" type="obj" preserve="1">
-  <p:cSld name="Título e Conteúdo">
+  <p:cSld name="Title and Content">
     <p:spTree>
       <p:nvGrpSpPr>
         <p:cNvPr id="1" name=""/>
@@ -679,7 +780,13 @@
       </p:grpSpPr>
       <p:sp>
         <p:nvSpPr>
-          <p:cNvPr id="2" name="Title 1"/>
+          <p:cNvPr id="2" name="Title 1">
+            <a:extLst>
+              <a:ext uri="{FF2B5EF4-FFF2-40B4-BE49-F238E27FC236}">
+                <a16:creationId xmlns:a16="http://schemas.microsoft.com/office/drawing/2014/main" id="{1B607936-D553-493F-A55F-BA7824F62388}"/>
+              </a:ext>
+            </a:extLst>
+          </p:cNvPr>
           <p:cNvSpPr>
             <a:spLocks noGrp="1"/>
           </p:cNvSpPr>
@@ -693,16 +800,22 @@
           <a:lstStyle/>
           <a:p>
             <a:r>
-              <a:rPr lang="pt-BR"/>
-              <a:t>Clique para editar o título Mestre</a:t>
-            </a:r>
-            <a:endParaRPr lang="en-US" dirty="0"/>
-          </a:p>
-        </p:txBody>
-      </p:sp>
-      <p:sp>
-        <p:nvSpPr>
-          <p:cNvPr id="3" name="Content Placeholder 2"/>
+              <a:rPr lang="en-US"/>
+              <a:t>Click to edit Master title style</a:t>
+            </a:r>
+            <a:endParaRPr lang="pt-BR"/>
+          </a:p>
+        </p:txBody>
+      </p:sp>
+      <p:sp>
+        <p:nvSpPr>
+          <p:cNvPr id="3" name="Content Placeholder 2">
+            <a:extLst>
+              <a:ext uri="{FF2B5EF4-FFF2-40B4-BE49-F238E27FC236}">
+                <a16:creationId xmlns:a16="http://schemas.microsoft.com/office/drawing/2014/main" id="{8F6E9429-503C-4421-8F20-9F1D6CBA670F}"/>
+              </a:ext>
+            </a:extLst>
+          </p:cNvPr>
           <p:cNvSpPr>
             <a:spLocks noGrp="1"/>
           </p:cNvSpPr>
@@ -717,44 +830,50 @@
           <a:p>
             <a:pPr lvl="0"/>
             <a:r>
-              <a:rPr lang="pt-BR"/>
-              <a:t>Editar estilos de texto Mestre</a:t>
+              <a:rPr lang="en-US"/>
+              <a:t>Click to edit Master text styles</a:t>
             </a:r>
           </a:p>
           <a:p>
             <a:pPr lvl="1"/>
             <a:r>
-              <a:rPr lang="pt-BR"/>
-              <a:t>Segundo nível</a:t>
+              <a:rPr lang="en-US"/>
+              <a:t>Second level</a:t>
             </a:r>
           </a:p>
           <a:p>
             <a:pPr lvl="2"/>
             <a:r>
-              <a:rPr lang="pt-BR"/>
-              <a:t>Terceiro nível</a:t>
+              <a:rPr lang="en-US"/>
+              <a:t>Third level</a:t>
             </a:r>
           </a:p>
           <a:p>
             <a:pPr lvl="3"/>
             <a:r>
-              <a:rPr lang="pt-BR"/>
-              <a:t>Quarto nível</a:t>
+              <a:rPr lang="en-US"/>
+              <a:t>Fourth level</a:t>
             </a:r>
           </a:p>
           <a:p>
             <a:pPr lvl="4"/>
             <a:r>
-              <a:rPr lang="pt-BR"/>
-              <a:t>Quinto nível</a:t>
-            </a:r>
-            <a:endParaRPr lang="en-US" dirty="0"/>
-          </a:p>
-        </p:txBody>
-      </p:sp>
-      <p:sp>
-        <p:nvSpPr>
-          <p:cNvPr id="4" name="Date Placeholder 3"/>
+              <a:rPr lang="en-US"/>
+              <a:t>Fifth level</a:t>
+            </a:r>
+            <a:endParaRPr lang="pt-BR"/>
+          </a:p>
+        </p:txBody>
+      </p:sp>
+      <p:sp>
+        <p:nvSpPr>
+          <p:cNvPr id="4" name="Date Placeholder 3">
+            <a:extLst>
+              <a:ext uri="{FF2B5EF4-FFF2-40B4-BE49-F238E27FC236}">
+                <a16:creationId xmlns:a16="http://schemas.microsoft.com/office/drawing/2014/main" id="{AB315DA5-5859-411C-A9DC-AA241E7644C3}"/>
+              </a:ext>
+            </a:extLst>
+          </p:cNvPr>
           <p:cNvSpPr>
             <a:spLocks noGrp="1"/>
           </p:cNvSpPr>
@@ -778,7 +897,13 @@
       </p:sp>
       <p:sp>
         <p:nvSpPr>
-          <p:cNvPr id="5" name="Footer Placeholder 4"/>
+          <p:cNvPr id="5" name="Footer Placeholder 4">
+            <a:extLst>
+              <a:ext uri="{FF2B5EF4-FFF2-40B4-BE49-F238E27FC236}">
+                <a16:creationId xmlns:a16="http://schemas.microsoft.com/office/drawing/2014/main" id="{823876DC-5822-4984-AD32-2059F57A9813}"/>
+              </a:ext>
+            </a:extLst>
+          </p:cNvPr>
           <p:cNvSpPr>
             <a:spLocks noGrp="1"/>
           </p:cNvSpPr>
@@ -797,7 +922,13 @@
       </p:sp>
       <p:sp>
         <p:nvSpPr>
-          <p:cNvPr id="6" name="Slide Number Placeholder 5"/>
+          <p:cNvPr id="6" name="Slide Number Placeholder 5">
+            <a:extLst>
+              <a:ext uri="{FF2B5EF4-FFF2-40B4-BE49-F238E27FC236}">
+                <a16:creationId xmlns:a16="http://schemas.microsoft.com/office/drawing/2014/main" id="{BEE853CE-98E4-440B-9035-DF1320171773}"/>
+              </a:ext>
+            </a:extLst>
+          </p:cNvPr>
           <p:cNvSpPr>
             <a:spLocks noGrp="1"/>
           </p:cNvSpPr>
@@ -813,7 +944,7 @@
             <a:fld id="{7559098A-D04A-42FA-A9EE-5AA860E33838}" type="slidenum">
               <a:rPr lang="pt-BR" smtClean="0"/>
               <a:pPr/>
-              <a:t>‹nº›</a:t>
+              <a:t>‹#›</a:t>
             </a:fld>
             <a:endParaRPr lang="pt-BR" dirty="0"/>
           </a:p>
@@ -822,7 +953,7 @@
     </p:spTree>
     <p:extLst>
       <p:ext uri="{BB962C8B-B14F-4D97-AF65-F5344CB8AC3E}">
-        <p14:creationId xmlns:p14="http://schemas.microsoft.com/office/powerpoint/2010/main" xmlns="" val="1632816704"/>
+        <p14:creationId xmlns:p14="http://schemas.microsoft.com/office/powerpoint/2010/main" val="2596929619"/>
       </p:ext>
     </p:extLst>
   </p:cSld>
@@ -834,7 +965,7 @@
 
 <file path=ppt/slideLayouts/slideLayout3.xml><?xml version="1.0" encoding="utf-8"?>
 <p:sldLayout xmlns:a="http://schemas.openxmlformats.org/drawingml/2006/main" xmlns:r="http://schemas.openxmlformats.org/officeDocument/2006/relationships" xmlns:p="http://schemas.openxmlformats.org/presentationml/2006/main" type="secHead" preserve="1">
-  <p:cSld name="Cabeçalho da Seção">
+  <p:cSld name="Section Header">
     <p:spTree>
       <p:nvGrpSpPr>
         <p:cNvPr id="1" name=""/>
@@ -851,7 +982,13 @@
       </p:grpSpPr>
       <p:sp>
         <p:nvSpPr>
-          <p:cNvPr id="2" name="Title 1"/>
+          <p:cNvPr id="2" name="Title 1">
+            <a:extLst>
+              <a:ext uri="{FF2B5EF4-FFF2-40B4-BE49-F238E27FC236}">
+                <a16:creationId xmlns:a16="http://schemas.microsoft.com/office/drawing/2014/main" id="{C3FC4DC1-D453-40EA-AF17-F020979A754F}"/>
+              </a:ext>
+            </a:extLst>
+          </p:cNvPr>
           <p:cNvSpPr>
             <a:spLocks noGrp="1"/>
           </p:cNvSpPr>
@@ -861,7 +998,7 @@
         </p:nvSpPr>
         <p:spPr>
           <a:xfrm>
-            <a:off x="1965030" y="8974945"/>
+            <a:off x="1965029" y="8974940"/>
             <a:ext cx="24840367" cy="14974888"/>
           </a:xfrm>
         </p:spPr>
@@ -869,21 +1006,27 @@
           <a:bodyPr anchor="b"/>
           <a:lstStyle>
             <a:lvl1pPr>
-              <a:defRPr sz="18898"/>
+              <a:defRPr sz="14173"/>
             </a:lvl1pPr>
           </a:lstStyle>
           <a:p>
             <a:r>
-              <a:rPr lang="pt-BR"/>
-              <a:t>Clique para editar o título Mestre</a:t>
-            </a:r>
-            <a:endParaRPr lang="en-US" dirty="0"/>
-          </a:p>
-        </p:txBody>
-      </p:sp>
-      <p:sp>
-        <p:nvSpPr>
-          <p:cNvPr id="3" name="Text Placeholder 2"/>
+              <a:rPr lang="en-US"/>
+              <a:t>Click to edit Master title style</a:t>
+            </a:r>
+            <a:endParaRPr lang="pt-BR"/>
+          </a:p>
+        </p:txBody>
+      </p:sp>
+      <p:sp>
+        <p:nvSpPr>
+          <p:cNvPr id="3" name="Text Placeholder 2">
+            <a:extLst>
+              <a:ext uri="{FF2B5EF4-FFF2-40B4-BE49-F238E27FC236}">
+                <a16:creationId xmlns:a16="http://schemas.microsoft.com/office/drawing/2014/main" id="{EA196229-4FEA-445B-9408-4DB855746E49}"/>
+              </a:ext>
+            </a:extLst>
+          </p:cNvPr>
           <p:cNvSpPr>
             <a:spLocks noGrp="1"/>
           </p:cNvSpPr>
@@ -893,7 +1036,7 @@
         </p:nvSpPr>
         <p:spPr>
           <a:xfrm>
-            <a:off x="1965030" y="24091502"/>
+            <a:off x="1965029" y="24091497"/>
             <a:ext cx="24840367" cy="7874940"/>
           </a:xfrm>
         </p:spPr>
@@ -902,15 +1045,17 @@
           <a:lstStyle>
             <a:lvl1pPr marL="0" indent="0">
               <a:buNone/>
-              <a:defRPr sz="7559">
+              <a:defRPr sz="5669">
                 <a:solidFill>
-                  <a:schemeClr val="tx1"/>
+                  <a:schemeClr val="tx1">
+                    <a:tint val="75000"/>
+                  </a:schemeClr>
                 </a:solidFill>
               </a:defRPr>
             </a:lvl1pPr>
-            <a:lvl2pPr marL="1440043" indent="0">
-              <a:buNone/>
-              <a:defRPr sz="6299">
+            <a:lvl2pPr marL="1079998" indent="0">
+              <a:buNone/>
+              <a:defRPr sz="4724">
                 <a:solidFill>
                   <a:schemeClr val="tx1">
                     <a:tint val="75000"/>
@@ -918,9 +1063,9 @@
                 </a:solidFill>
               </a:defRPr>
             </a:lvl2pPr>
-            <a:lvl3pPr marL="2880086" indent="0">
-              <a:buNone/>
-              <a:defRPr sz="5669">
+            <a:lvl3pPr marL="2159996" indent="0">
+              <a:buNone/>
+              <a:defRPr sz="4252">
                 <a:solidFill>
                   <a:schemeClr val="tx1">
                     <a:tint val="75000"/>
@@ -928,9 +1073,9 @@
                 </a:solidFill>
               </a:defRPr>
             </a:lvl3pPr>
-            <a:lvl4pPr marL="4320129" indent="0">
-              <a:buNone/>
-              <a:defRPr sz="5040">
+            <a:lvl4pPr marL="3239994" indent="0">
+              <a:buNone/>
+              <a:defRPr sz="3780">
                 <a:solidFill>
                   <a:schemeClr val="tx1">
                     <a:tint val="75000"/>
@@ -938,9 +1083,9 @@
                 </a:solidFill>
               </a:defRPr>
             </a:lvl4pPr>
-            <a:lvl5pPr marL="5760171" indent="0">
-              <a:buNone/>
-              <a:defRPr sz="5040">
+            <a:lvl5pPr marL="4319991" indent="0">
+              <a:buNone/>
+              <a:defRPr sz="3780">
                 <a:solidFill>
                   <a:schemeClr val="tx1">
                     <a:tint val="75000"/>
@@ -948,9 +1093,9 @@
                 </a:solidFill>
               </a:defRPr>
             </a:lvl5pPr>
-            <a:lvl6pPr marL="7200214" indent="0">
-              <a:buNone/>
-              <a:defRPr sz="5040">
+            <a:lvl6pPr marL="5399989" indent="0">
+              <a:buNone/>
+              <a:defRPr sz="3780">
                 <a:solidFill>
                   <a:schemeClr val="tx1">
                     <a:tint val="75000"/>
@@ -958,9 +1103,9 @@
                 </a:solidFill>
               </a:defRPr>
             </a:lvl6pPr>
-            <a:lvl7pPr marL="8640257" indent="0">
-              <a:buNone/>
-              <a:defRPr sz="5040">
+            <a:lvl7pPr marL="6479987" indent="0">
+              <a:buNone/>
+              <a:defRPr sz="3780">
                 <a:solidFill>
                   <a:schemeClr val="tx1">
                     <a:tint val="75000"/>
@@ -968,9 +1113,9 @@
                 </a:solidFill>
               </a:defRPr>
             </a:lvl7pPr>
-            <a:lvl8pPr marL="10080300" indent="0">
-              <a:buNone/>
-              <a:defRPr sz="5040">
+            <a:lvl8pPr marL="7559985" indent="0">
+              <a:buNone/>
+              <a:defRPr sz="3780">
                 <a:solidFill>
                   <a:schemeClr val="tx1">
                     <a:tint val="75000"/>
@@ -978,9 +1123,9 @@
                 </a:solidFill>
               </a:defRPr>
             </a:lvl8pPr>
-            <a:lvl9pPr marL="11520343" indent="0">
-              <a:buNone/>
-              <a:defRPr sz="5040">
+            <a:lvl9pPr marL="8639983" indent="0">
+              <a:buNone/>
+              <a:defRPr sz="3780">
                 <a:solidFill>
                   <a:schemeClr val="tx1">
                     <a:tint val="75000"/>
@@ -992,15 +1137,21 @@
           <a:p>
             <a:pPr lvl="0"/>
             <a:r>
-              <a:rPr lang="pt-BR"/>
-              <a:t>Editar estilos de texto Mestre</a:t>
-            </a:r>
-          </a:p>
-        </p:txBody>
-      </p:sp>
-      <p:sp>
-        <p:nvSpPr>
-          <p:cNvPr id="4" name="Date Placeholder 3"/>
+              <a:rPr lang="en-US"/>
+              <a:t>Click to edit Master text styles</a:t>
+            </a:r>
+          </a:p>
+        </p:txBody>
+      </p:sp>
+      <p:sp>
+        <p:nvSpPr>
+          <p:cNvPr id="4" name="Date Placeholder 3">
+            <a:extLst>
+              <a:ext uri="{FF2B5EF4-FFF2-40B4-BE49-F238E27FC236}">
+                <a16:creationId xmlns:a16="http://schemas.microsoft.com/office/drawing/2014/main" id="{0030B502-CBC7-4E42-B151-EE2393220204}"/>
+              </a:ext>
+            </a:extLst>
+          </p:cNvPr>
           <p:cNvSpPr>
             <a:spLocks noGrp="1"/>
           </p:cNvSpPr>
@@ -1024,7 +1175,13 @@
       </p:sp>
       <p:sp>
         <p:nvSpPr>
-          <p:cNvPr id="5" name="Footer Placeholder 4"/>
+          <p:cNvPr id="5" name="Footer Placeholder 4">
+            <a:extLst>
+              <a:ext uri="{FF2B5EF4-FFF2-40B4-BE49-F238E27FC236}">
+                <a16:creationId xmlns:a16="http://schemas.microsoft.com/office/drawing/2014/main" id="{90F166F6-1859-4461-A9F3-5AF3B608DD9A}"/>
+              </a:ext>
+            </a:extLst>
+          </p:cNvPr>
           <p:cNvSpPr>
             <a:spLocks noGrp="1"/>
           </p:cNvSpPr>
@@ -1043,7 +1200,13 @@
       </p:sp>
       <p:sp>
         <p:nvSpPr>
-          <p:cNvPr id="6" name="Slide Number Placeholder 5"/>
+          <p:cNvPr id="6" name="Slide Number Placeholder 5">
+            <a:extLst>
+              <a:ext uri="{FF2B5EF4-FFF2-40B4-BE49-F238E27FC236}">
+                <a16:creationId xmlns:a16="http://schemas.microsoft.com/office/drawing/2014/main" id="{C3E25F0C-EA40-46A2-A802-35AAB12193DA}"/>
+              </a:ext>
+            </a:extLst>
+          </p:cNvPr>
           <p:cNvSpPr>
             <a:spLocks noGrp="1"/>
           </p:cNvSpPr>
@@ -1059,7 +1222,7 @@
             <a:fld id="{7559098A-D04A-42FA-A9EE-5AA860E33838}" type="slidenum">
               <a:rPr lang="pt-BR" smtClean="0"/>
               <a:pPr/>
-              <a:t>‹nº›</a:t>
+              <a:t>‹#›</a:t>
             </a:fld>
             <a:endParaRPr lang="pt-BR" dirty="0"/>
           </a:p>
@@ -1068,7 +1231,7 @@
     </p:spTree>
     <p:extLst>
       <p:ext uri="{BB962C8B-B14F-4D97-AF65-F5344CB8AC3E}">
-        <p14:creationId xmlns:p14="http://schemas.microsoft.com/office/powerpoint/2010/main" xmlns="" val="1220012007"/>
+        <p14:creationId xmlns:p14="http://schemas.microsoft.com/office/powerpoint/2010/main" val="3906306825"/>
       </p:ext>
     </p:extLst>
   </p:cSld>
@@ -1080,7 +1243,7 @@
 
 <file path=ppt/slideLayouts/slideLayout4.xml><?xml version="1.0" encoding="utf-8"?>
 <p:sldLayout xmlns:a="http://schemas.openxmlformats.org/drawingml/2006/main" xmlns:r="http://schemas.openxmlformats.org/officeDocument/2006/relationships" xmlns:p="http://schemas.openxmlformats.org/presentationml/2006/main" type="twoObj" preserve="1">
-  <p:cSld name="Duas Partes de Conteúdo">
+  <p:cSld name="Two Content">
     <p:spTree>
       <p:nvGrpSpPr>
         <p:cNvPr id="1" name=""/>
@@ -1097,7 +1260,13 @@
       </p:grpSpPr>
       <p:sp>
         <p:nvSpPr>
-          <p:cNvPr id="2" name="Title 1"/>
+          <p:cNvPr id="2" name="Title 1">
+            <a:extLst>
+              <a:ext uri="{FF2B5EF4-FFF2-40B4-BE49-F238E27FC236}">
+                <a16:creationId xmlns:a16="http://schemas.microsoft.com/office/drawing/2014/main" id="{A6BE0A77-B1FE-4347-9DE7-CB1922981AA5}"/>
+              </a:ext>
+            </a:extLst>
+          </p:cNvPr>
           <p:cNvSpPr>
             <a:spLocks noGrp="1"/>
           </p:cNvSpPr>
@@ -1111,16 +1280,22 @@
           <a:lstStyle/>
           <a:p>
             <a:r>
-              <a:rPr lang="pt-BR"/>
-              <a:t>Clique para editar o título Mestre</a:t>
-            </a:r>
-            <a:endParaRPr lang="en-US" dirty="0"/>
-          </a:p>
-        </p:txBody>
-      </p:sp>
-      <p:sp>
-        <p:nvSpPr>
-          <p:cNvPr id="3" name="Content Placeholder 2"/>
+              <a:rPr lang="en-US"/>
+              <a:t>Click to edit Master title style</a:t>
+            </a:r>
+            <a:endParaRPr lang="pt-BR"/>
+          </a:p>
+        </p:txBody>
+      </p:sp>
+      <p:sp>
+        <p:nvSpPr>
+          <p:cNvPr id="3" name="Content Placeholder 2">
+            <a:extLst>
+              <a:ext uri="{FF2B5EF4-FFF2-40B4-BE49-F238E27FC236}">
+                <a16:creationId xmlns:a16="http://schemas.microsoft.com/office/drawing/2014/main" id="{51983C12-ACCB-4E06-A26F-4839DB740C80}"/>
+              </a:ext>
+            </a:extLst>
+          </p:cNvPr>
           <p:cNvSpPr>
             <a:spLocks noGrp="1"/>
           </p:cNvSpPr>
@@ -1140,44 +1315,50 @@
           <a:p>
             <a:pPr lvl="0"/>
             <a:r>
-              <a:rPr lang="pt-BR"/>
-              <a:t>Editar estilos de texto Mestre</a:t>
+              <a:rPr lang="en-US"/>
+              <a:t>Click to edit Master text styles</a:t>
             </a:r>
           </a:p>
           <a:p>
             <a:pPr lvl="1"/>
             <a:r>
-              <a:rPr lang="pt-BR"/>
-              <a:t>Segundo nível</a:t>
+              <a:rPr lang="en-US"/>
+              <a:t>Second level</a:t>
             </a:r>
           </a:p>
           <a:p>
             <a:pPr lvl="2"/>
             <a:r>
-              <a:rPr lang="pt-BR"/>
-              <a:t>Terceiro nível</a:t>
+              <a:rPr lang="en-US"/>
+              <a:t>Third level</a:t>
             </a:r>
           </a:p>
           <a:p>
             <a:pPr lvl="3"/>
             <a:r>
-              <a:rPr lang="pt-BR"/>
-              <a:t>Quarto nível</a:t>
+              <a:rPr lang="en-US"/>
+              <a:t>Fourth level</a:t>
             </a:r>
           </a:p>
           <a:p>
             <a:pPr lvl="4"/>
             <a:r>
-              <a:rPr lang="pt-BR"/>
-              <a:t>Quinto nível</a:t>
-            </a:r>
-            <a:endParaRPr lang="en-US" dirty="0"/>
-          </a:p>
-        </p:txBody>
-      </p:sp>
-      <p:sp>
-        <p:nvSpPr>
-          <p:cNvPr id="4" name="Content Placeholder 3"/>
+              <a:rPr lang="en-US"/>
+              <a:t>Fifth level</a:t>
+            </a:r>
+            <a:endParaRPr lang="pt-BR"/>
+          </a:p>
+        </p:txBody>
+      </p:sp>
+      <p:sp>
+        <p:nvSpPr>
+          <p:cNvPr id="4" name="Content Placeholder 3">
+            <a:extLst>
+              <a:ext uri="{FF2B5EF4-FFF2-40B4-BE49-F238E27FC236}">
+                <a16:creationId xmlns:a16="http://schemas.microsoft.com/office/drawing/2014/main" id="{6E484B65-830C-434E-8D90-2565FDFCB680}"/>
+              </a:ext>
+            </a:extLst>
+          </p:cNvPr>
           <p:cNvSpPr>
             <a:spLocks noGrp="1"/>
           </p:cNvSpPr>
@@ -1197,44 +1378,50 @@
           <a:p>
             <a:pPr lvl="0"/>
             <a:r>
-              <a:rPr lang="pt-BR"/>
-              <a:t>Editar estilos de texto Mestre</a:t>
+              <a:rPr lang="en-US"/>
+              <a:t>Click to edit Master text styles</a:t>
             </a:r>
           </a:p>
           <a:p>
             <a:pPr lvl="1"/>
             <a:r>
-              <a:rPr lang="pt-BR"/>
-              <a:t>Segundo nível</a:t>
+              <a:rPr lang="en-US"/>
+              <a:t>Second level</a:t>
             </a:r>
           </a:p>
           <a:p>
             <a:pPr lvl="2"/>
             <a:r>
-              <a:rPr lang="pt-BR"/>
-              <a:t>Terceiro nível</a:t>
+              <a:rPr lang="en-US"/>
+              <a:t>Third level</a:t>
             </a:r>
           </a:p>
           <a:p>
             <a:pPr lvl="3"/>
             <a:r>
-              <a:rPr lang="pt-BR"/>
-              <a:t>Quarto nível</a:t>
+              <a:rPr lang="en-US"/>
+              <a:t>Fourth level</a:t>
             </a:r>
           </a:p>
           <a:p>
             <a:pPr lvl="4"/>
             <a:r>
-              <a:rPr lang="pt-BR"/>
-              <a:t>Quinto nível</a:t>
-            </a:r>
-            <a:endParaRPr lang="en-US" dirty="0"/>
-          </a:p>
-        </p:txBody>
-      </p:sp>
-      <p:sp>
-        <p:nvSpPr>
-          <p:cNvPr id="5" name="Date Placeholder 4"/>
+              <a:rPr lang="en-US"/>
+              <a:t>Fifth level</a:t>
+            </a:r>
+            <a:endParaRPr lang="pt-BR"/>
+          </a:p>
+        </p:txBody>
+      </p:sp>
+      <p:sp>
+        <p:nvSpPr>
+          <p:cNvPr id="5" name="Date Placeholder 4">
+            <a:extLst>
+              <a:ext uri="{FF2B5EF4-FFF2-40B4-BE49-F238E27FC236}">
+                <a16:creationId xmlns:a16="http://schemas.microsoft.com/office/drawing/2014/main" id="{1FD6F166-63A2-4AF2-AFAB-C002B58F986E}"/>
+              </a:ext>
+            </a:extLst>
+          </p:cNvPr>
           <p:cNvSpPr>
             <a:spLocks noGrp="1"/>
           </p:cNvSpPr>
@@ -1258,7 +1445,13 @@
       </p:sp>
       <p:sp>
         <p:nvSpPr>
-          <p:cNvPr id="6" name="Footer Placeholder 5"/>
+          <p:cNvPr id="6" name="Footer Placeholder 5">
+            <a:extLst>
+              <a:ext uri="{FF2B5EF4-FFF2-40B4-BE49-F238E27FC236}">
+                <a16:creationId xmlns:a16="http://schemas.microsoft.com/office/drawing/2014/main" id="{13F60C39-5096-4155-8F22-5D69FACF528F}"/>
+              </a:ext>
+            </a:extLst>
+          </p:cNvPr>
           <p:cNvSpPr>
             <a:spLocks noGrp="1"/>
           </p:cNvSpPr>
@@ -1277,7 +1470,13 @@
       </p:sp>
       <p:sp>
         <p:nvSpPr>
-          <p:cNvPr id="7" name="Slide Number Placeholder 6"/>
+          <p:cNvPr id="7" name="Slide Number Placeholder 6">
+            <a:extLst>
+              <a:ext uri="{FF2B5EF4-FFF2-40B4-BE49-F238E27FC236}">
+                <a16:creationId xmlns:a16="http://schemas.microsoft.com/office/drawing/2014/main" id="{799A159D-2471-4A78-9D01-BC4DE1588A48}"/>
+              </a:ext>
+            </a:extLst>
+          </p:cNvPr>
           <p:cNvSpPr>
             <a:spLocks noGrp="1"/>
           </p:cNvSpPr>
@@ -1293,7 +1492,7 @@
             <a:fld id="{7559098A-D04A-42FA-A9EE-5AA860E33838}" type="slidenum">
               <a:rPr lang="pt-BR" smtClean="0"/>
               <a:pPr/>
-              <a:t>‹nº›</a:t>
+              <a:t>‹#›</a:t>
             </a:fld>
             <a:endParaRPr lang="pt-BR" dirty="0"/>
           </a:p>
@@ -1302,7 +1501,7 @@
     </p:spTree>
     <p:extLst>
       <p:ext uri="{BB962C8B-B14F-4D97-AF65-F5344CB8AC3E}">
-        <p14:creationId xmlns:p14="http://schemas.microsoft.com/office/powerpoint/2010/main" xmlns="" val="3213887118"/>
+        <p14:creationId xmlns:p14="http://schemas.microsoft.com/office/powerpoint/2010/main" val="1570176094"/>
       </p:ext>
     </p:extLst>
   </p:cSld>
@@ -1314,7 +1513,7 @@
 
 <file path=ppt/slideLayouts/slideLayout5.xml><?xml version="1.0" encoding="utf-8"?>
 <p:sldLayout xmlns:a="http://schemas.openxmlformats.org/drawingml/2006/main" xmlns:r="http://schemas.openxmlformats.org/officeDocument/2006/relationships" xmlns:p="http://schemas.openxmlformats.org/presentationml/2006/main" type="twoTxTwoObj" preserve="1">
-  <p:cSld name="Comparação">
+  <p:cSld name="Comparison">
     <p:spTree>
       <p:nvGrpSpPr>
         <p:cNvPr id="1" name=""/>
@@ -1331,7 +1530,13 @@
       </p:grpSpPr>
       <p:sp>
         <p:nvSpPr>
-          <p:cNvPr id="2" name="Title 1"/>
+          <p:cNvPr id="2" name="Title 1">
+            <a:extLst>
+              <a:ext uri="{FF2B5EF4-FFF2-40B4-BE49-F238E27FC236}">
+                <a16:creationId xmlns:a16="http://schemas.microsoft.com/office/drawing/2014/main" id="{83383062-453F-4D5F-AC42-60FF7A263501}"/>
+              </a:ext>
+            </a:extLst>
+          </p:cNvPr>
           <p:cNvSpPr>
             <a:spLocks noGrp="1"/>
           </p:cNvSpPr>
@@ -1341,7 +1546,7 @@
         </p:nvSpPr>
         <p:spPr>
           <a:xfrm>
-            <a:off x="1983780" y="1916661"/>
+            <a:off x="1983780" y="1916656"/>
             <a:ext cx="24840367" cy="6958285"/>
           </a:xfrm>
         </p:spPr>
@@ -1350,16 +1555,22 @@
           <a:lstStyle/>
           <a:p>
             <a:r>
-              <a:rPr lang="pt-BR"/>
-              <a:t>Clique para editar o título Mestre</a:t>
-            </a:r>
-            <a:endParaRPr lang="en-US" dirty="0"/>
-          </a:p>
-        </p:txBody>
-      </p:sp>
-      <p:sp>
-        <p:nvSpPr>
-          <p:cNvPr id="3" name="Text Placeholder 2"/>
+              <a:rPr lang="en-US"/>
+              <a:t>Click to edit Master title style</a:t>
+            </a:r>
+            <a:endParaRPr lang="pt-BR"/>
+          </a:p>
+        </p:txBody>
+      </p:sp>
+      <p:sp>
+        <p:nvSpPr>
+          <p:cNvPr id="3" name="Text Placeholder 2">
+            <a:extLst>
+              <a:ext uri="{FF2B5EF4-FFF2-40B4-BE49-F238E27FC236}">
+                <a16:creationId xmlns:a16="http://schemas.microsoft.com/office/drawing/2014/main" id="{7F56B6F0-04B7-4C53-81A1-5947BE79CA17}"/>
+              </a:ext>
+            </a:extLst>
+          </p:cNvPr>
           <p:cNvSpPr>
             <a:spLocks noGrp="1"/>
           </p:cNvSpPr>
@@ -1369,8 +1580,8 @@
         </p:nvSpPr>
         <p:spPr>
           <a:xfrm>
-            <a:off x="1983784" y="8824938"/>
-            <a:ext cx="12183928" cy="4324966"/>
+            <a:off x="1983781" y="8824938"/>
+            <a:ext cx="12183929" cy="4324966"/>
           </a:xfrm>
         </p:spPr>
         <p:txBody>
@@ -1378,53 +1589,59 @@
           <a:lstStyle>
             <a:lvl1pPr marL="0" indent="0">
               <a:buNone/>
-              <a:defRPr sz="7559" b="1"/>
+              <a:defRPr sz="5669" b="1"/>
             </a:lvl1pPr>
-            <a:lvl2pPr marL="1440043" indent="0">
-              <a:buNone/>
-              <a:defRPr sz="6299" b="1"/>
+            <a:lvl2pPr marL="1079998" indent="0">
+              <a:buNone/>
+              <a:defRPr sz="4724" b="1"/>
             </a:lvl2pPr>
-            <a:lvl3pPr marL="2880086" indent="0">
-              <a:buNone/>
-              <a:defRPr sz="5669" b="1"/>
+            <a:lvl3pPr marL="2159996" indent="0">
+              <a:buNone/>
+              <a:defRPr sz="4252" b="1"/>
             </a:lvl3pPr>
-            <a:lvl4pPr marL="4320129" indent="0">
-              <a:buNone/>
-              <a:defRPr sz="5040" b="1"/>
+            <a:lvl4pPr marL="3239994" indent="0">
+              <a:buNone/>
+              <a:defRPr sz="3780" b="1"/>
             </a:lvl4pPr>
-            <a:lvl5pPr marL="5760171" indent="0">
-              <a:buNone/>
-              <a:defRPr sz="5040" b="1"/>
+            <a:lvl5pPr marL="4319991" indent="0">
+              <a:buNone/>
+              <a:defRPr sz="3780" b="1"/>
             </a:lvl5pPr>
-            <a:lvl6pPr marL="7200214" indent="0">
-              <a:buNone/>
-              <a:defRPr sz="5040" b="1"/>
+            <a:lvl6pPr marL="5399989" indent="0">
+              <a:buNone/>
+              <a:defRPr sz="3780" b="1"/>
             </a:lvl6pPr>
-            <a:lvl7pPr marL="8640257" indent="0">
-              <a:buNone/>
-              <a:defRPr sz="5040" b="1"/>
+            <a:lvl7pPr marL="6479987" indent="0">
+              <a:buNone/>
+              <a:defRPr sz="3780" b="1"/>
             </a:lvl7pPr>
-            <a:lvl8pPr marL="10080300" indent="0">
-              <a:buNone/>
-              <a:defRPr sz="5040" b="1"/>
+            <a:lvl8pPr marL="7559985" indent="0">
+              <a:buNone/>
+              <a:defRPr sz="3780" b="1"/>
             </a:lvl8pPr>
-            <a:lvl9pPr marL="11520343" indent="0">
-              <a:buNone/>
-              <a:defRPr sz="5040" b="1"/>
+            <a:lvl9pPr marL="8639983" indent="0">
+              <a:buNone/>
+              <a:defRPr sz="3780" b="1"/>
             </a:lvl9pPr>
           </a:lstStyle>
           <a:p>
             <a:pPr lvl="0"/>
             <a:r>
-              <a:rPr lang="pt-BR"/>
-              <a:t>Editar estilos de texto Mestre</a:t>
-            </a:r>
-          </a:p>
-        </p:txBody>
-      </p:sp>
-      <p:sp>
-        <p:nvSpPr>
-          <p:cNvPr id="4" name="Content Placeholder 3"/>
+              <a:rPr lang="en-US"/>
+              <a:t>Click to edit Master text styles</a:t>
+            </a:r>
+          </a:p>
+        </p:txBody>
+      </p:sp>
+      <p:sp>
+        <p:nvSpPr>
+          <p:cNvPr id="4" name="Content Placeholder 3">
+            <a:extLst>
+              <a:ext uri="{FF2B5EF4-FFF2-40B4-BE49-F238E27FC236}">
+                <a16:creationId xmlns:a16="http://schemas.microsoft.com/office/drawing/2014/main" id="{0187DE8B-4B71-4B8A-838D-3294F63E6B05}"/>
+              </a:ext>
+            </a:extLst>
+          </p:cNvPr>
           <p:cNvSpPr>
             <a:spLocks noGrp="1"/>
           </p:cNvSpPr>
@@ -1434,8 +1651,8 @@
         </p:nvSpPr>
         <p:spPr>
           <a:xfrm>
-            <a:off x="1983784" y="13149904"/>
-            <a:ext cx="12183928" cy="19341529"/>
+            <a:off x="1983781" y="13149904"/>
+            <a:ext cx="12183929" cy="19341529"/>
           </a:xfrm>
         </p:spPr>
         <p:txBody>
@@ -1444,44 +1661,50 @@
           <a:p>
             <a:pPr lvl="0"/>
             <a:r>
-              <a:rPr lang="pt-BR"/>
-              <a:t>Editar estilos de texto Mestre</a:t>
+              <a:rPr lang="en-US"/>
+              <a:t>Click to edit Master text styles</a:t>
             </a:r>
           </a:p>
           <a:p>
             <a:pPr lvl="1"/>
             <a:r>
-              <a:rPr lang="pt-BR"/>
-              <a:t>Segundo nível</a:t>
+              <a:rPr lang="en-US"/>
+              <a:t>Second level</a:t>
             </a:r>
           </a:p>
           <a:p>
             <a:pPr lvl="2"/>
             <a:r>
-              <a:rPr lang="pt-BR"/>
-              <a:t>Terceiro nível</a:t>
+              <a:rPr lang="en-US"/>
+              <a:t>Third level</a:t>
             </a:r>
           </a:p>
           <a:p>
             <a:pPr lvl="3"/>
             <a:r>
-              <a:rPr lang="pt-BR"/>
-              <a:t>Quarto nível</a:t>
+              <a:rPr lang="en-US"/>
+              <a:t>Fourth level</a:t>
             </a:r>
           </a:p>
           <a:p>
             <a:pPr lvl="4"/>
             <a:r>
-              <a:rPr lang="pt-BR"/>
-              <a:t>Quinto nível</a:t>
-            </a:r>
-            <a:endParaRPr lang="en-US" dirty="0"/>
-          </a:p>
-        </p:txBody>
-      </p:sp>
-      <p:sp>
-        <p:nvSpPr>
-          <p:cNvPr id="5" name="Text Placeholder 4"/>
+              <a:rPr lang="en-US"/>
+              <a:t>Fifth level</a:t>
+            </a:r>
+            <a:endParaRPr lang="pt-BR"/>
+          </a:p>
+        </p:txBody>
+      </p:sp>
+      <p:sp>
+        <p:nvSpPr>
+          <p:cNvPr id="5" name="Text Placeholder 4">
+            <a:extLst>
+              <a:ext uri="{FF2B5EF4-FFF2-40B4-BE49-F238E27FC236}">
+                <a16:creationId xmlns:a16="http://schemas.microsoft.com/office/drawing/2014/main" id="{34C7FCE1-4F61-4983-A8B8-44B15CD8F07F}"/>
+              </a:ext>
+            </a:extLst>
+          </p:cNvPr>
           <p:cNvSpPr>
             <a:spLocks noGrp="1"/>
           </p:cNvSpPr>
@@ -1491,7 +1714,7 @@
         </p:nvSpPr>
         <p:spPr>
           <a:xfrm>
-            <a:off x="14580217" y="8824938"/>
+            <a:off x="14580215" y="8824938"/>
             <a:ext cx="12243932" cy="4324966"/>
           </a:xfrm>
         </p:spPr>
@@ -1500,53 +1723,59 @@
           <a:lstStyle>
             <a:lvl1pPr marL="0" indent="0">
               <a:buNone/>
-              <a:defRPr sz="7559" b="1"/>
+              <a:defRPr sz="5669" b="1"/>
             </a:lvl1pPr>
-            <a:lvl2pPr marL="1440043" indent="0">
-              <a:buNone/>
-              <a:defRPr sz="6299" b="1"/>
+            <a:lvl2pPr marL="1079998" indent="0">
+              <a:buNone/>
+              <a:defRPr sz="4724" b="1"/>
             </a:lvl2pPr>
-            <a:lvl3pPr marL="2880086" indent="0">
-              <a:buNone/>
-              <a:defRPr sz="5669" b="1"/>
+            <a:lvl3pPr marL="2159996" indent="0">
+              <a:buNone/>
+              <a:defRPr sz="4252" b="1"/>
             </a:lvl3pPr>
-            <a:lvl4pPr marL="4320129" indent="0">
-              <a:buNone/>
-              <a:defRPr sz="5040" b="1"/>
+            <a:lvl4pPr marL="3239994" indent="0">
+              <a:buNone/>
+              <a:defRPr sz="3780" b="1"/>
             </a:lvl4pPr>
-            <a:lvl5pPr marL="5760171" indent="0">
-              <a:buNone/>
-              <a:defRPr sz="5040" b="1"/>
+            <a:lvl5pPr marL="4319991" indent="0">
+              <a:buNone/>
+              <a:defRPr sz="3780" b="1"/>
             </a:lvl5pPr>
-            <a:lvl6pPr marL="7200214" indent="0">
-              <a:buNone/>
-              <a:defRPr sz="5040" b="1"/>
+            <a:lvl6pPr marL="5399989" indent="0">
+              <a:buNone/>
+              <a:defRPr sz="3780" b="1"/>
             </a:lvl6pPr>
-            <a:lvl7pPr marL="8640257" indent="0">
-              <a:buNone/>
-              <a:defRPr sz="5040" b="1"/>
+            <a:lvl7pPr marL="6479987" indent="0">
+              <a:buNone/>
+              <a:defRPr sz="3780" b="1"/>
             </a:lvl7pPr>
-            <a:lvl8pPr marL="10080300" indent="0">
-              <a:buNone/>
-              <a:defRPr sz="5040" b="1"/>
+            <a:lvl8pPr marL="7559985" indent="0">
+              <a:buNone/>
+              <a:defRPr sz="3780" b="1"/>
             </a:lvl8pPr>
-            <a:lvl9pPr marL="11520343" indent="0">
-              <a:buNone/>
-              <a:defRPr sz="5040" b="1"/>
+            <a:lvl9pPr marL="8639983" indent="0">
+              <a:buNone/>
+              <a:defRPr sz="3780" b="1"/>
             </a:lvl9pPr>
           </a:lstStyle>
           <a:p>
             <a:pPr lvl="0"/>
             <a:r>
-              <a:rPr lang="pt-BR"/>
-              <a:t>Editar estilos de texto Mestre</a:t>
-            </a:r>
-          </a:p>
-        </p:txBody>
-      </p:sp>
-      <p:sp>
-        <p:nvSpPr>
-          <p:cNvPr id="6" name="Content Placeholder 5"/>
+              <a:rPr lang="en-US"/>
+              <a:t>Click to edit Master text styles</a:t>
+            </a:r>
+          </a:p>
+        </p:txBody>
+      </p:sp>
+      <p:sp>
+        <p:nvSpPr>
+          <p:cNvPr id="6" name="Content Placeholder 5">
+            <a:extLst>
+              <a:ext uri="{FF2B5EF4-FFF2-40B4-BE49-F238E27FC236}">
+                <a16:creationId xmlns:a16="http://schemas.microsoft.com/office/drawing/2014/main" id="{8EE21348-8B09-4D5C-A556-450AB5066152}"/>
+              </a:ext>
+            </a:extLst>
+          </p:cNvPr>
           <p:cNvSpPr>
             <a:spLocks noGrp="1"/>
           </p:cNvSpPr>
@@ -1556,7 +1785,7 @@
         </p:nvSpPr>
         <p:spPr>
           <a:xfrm>
-            <a:off x="14580217" y="13149904"/>
+            <a:off x="14580215" y="13149904"/>
             <a:ext cx="12243932" cy="19341529"/>
           </a:xfrm>
         </p:spPr>
@@ -1566,44 +1795,50 @@
           <a:p>
             <a:pPr lvl="0"/>
             <a:r>
-              <a:rPr lang="pt-BR"/>
-              <a:t>Editar estilos de texto Mestre</a:t>
+              <a:rPr lang="en-US"/>
+              <a:t>Click to edit Master text styles</a:t>
             </a:r>
           </a:p>
           <a:p>
             <a:pPr lvl="1"/>
             <a:r>
-              <a:rPr lang="pt-BR"/>
-              <a:t>Segundo nível</a:t>
+              <a:rPr lang="en-US"/>
+              <a:t>Second level</a:t>
             </a:r>
           </a:p>
           <a:p>
             <a:pPr lvl="2"/>
             <a:r>
-              <a:rPr lang="pt-BR"/>
-              <a:t>Terceiro nível</a:t>
+              <a:rPr lang="en-US"/>
+              <a:t>Third level</a:t>
             </a:r>
           </a:p>
           <a:p>
             <a:pPr lvl="3"/>
             <a:r>
-              <a:rPr lang="pt-BR"/>
-              <a:t>Quarto nível</a:t>
+              <a:rPr lang="en-US"/>
+              <a:t>Fourth level</a:t>
             </a:r>
           </a:p>
           <a:p>
             <a:pPr lvl="4"/>
             <a:r>
-              <a:rPr lang="pt-BR"/>
-              <a:t>Quinto nível</a:t>
-            </a:r>
-            <a:endParaRPr lang="en-US" dirty="0"/>
-          </a:p>
-        </p:txBody>
-      </p:sp>
-      <p:sp>
-        <p:nvSpPr>
-          <p:cNvPr id="7" name="Date Placeholder 6"/>
+              <a:rPr lang="en-US"/>
+              <a:t>Fifth level</a:t>
+            </a:r>
+            <a:endParaRPr lang="pt-BR"/>
+          </a:p>
+        </p:txBody>
+      </p:sp>
+      <p:sp>
+        <p:nvSpPr>
+          <p:cNvPr id="7" name="Date Placeholder 6">
+            <a:extLst>
+              <a:ext uri="{FF2B5EF4-FFF2-40B4-BE49-F238E27FC236}">
+                <a16:creationId xmlns:a16="http://schemas.microsoft.com/office/drawing/2014/main" id="{E1D6B1AD-AB2E-46B9-962C-5BEEF06AB756}"/>
+              </a:ext>
+            </a:extLst>
+          </p:cNvPr>
           <p:cNvSpPr>
             <a:spLocks noGrp="1"/>
           </p:cNvSpPr>
@@ -1627,7 +1862,13 @@
       </p:sp>
       <p:sp>
         <p:nvSpPr>
-          <p:cNvPr id="8" name="Footer Placeholder 7"/>
+          <p:cNvPr id="8" name="Footer Placeholder 7">
+            <a:extLst>
+              <a:ext uri="{FF2B5EF4-FFF2-40B4-BE49-F238E27FC236}">
+                <a16:creationId xmlns:a16="http://schemas.microsoft.com/office/drawing/2014/main" id="{C42DCCD0-A1A3-4016-8585-E141EBBF0C1A}"/>
+              </a:ext>
+            </a:extLst>
+          </p:cNvPr>
           <p:cNvSpPr>
             <a:spLocks noGrp="1"/>
           </p:cNvSpPr>
@@ -1646,7 +1887,13 @@
       </p:sp>
       <p:sp>
         <p:nvSpPr>
-          <p:cNvPr id="9" name="Slide Number Placeholder 8"/>
+          <p:cNvPr id="9" name="Slide Number Placeholder 8">
+            <a:extLst>
+              <a:ext uri="{FF2B5EF4-FFF2-40B4-BE49-F238E27FC236}">
+                <a16:creationId xmlns:a16="http://schemas.microsoft.com/office/drawing/2014/main" id="{42F72D71-D9F7-44A3-A0B0-A52A94156E30}"/>
+              </a:ext>
+            </a:extLst>
+          </p:cNvPr>
           <p:cNvSpPr>
             <a:spLocks noGrp="1"/>
           </p:cNvSpPr>
@@ -1662,7 +1909,7 @@
             <a:fld id="{7559098A-D04A-42FA-A9EE-5AA860E33838}" type="slidenum">
               <a:rPr lang="pt-BR" smtClean="0"/>
               <a:pPr/>
-              <a:t>‹nº›</a:t>
+              <a:t>‹#›</a:t>
             </a:fld>
             <a:endParaRPr lang="pt-BR" dirty="0"/>
           </a:p>
@@ -1671,7 +1918,7 @@
     </p:spTree>
     <p:extLst>
       <p:ext uri="{BB962C8B-B14F-4D97-AF65-F5344CB8AC3E}">
-        <p14:creationId xmlns:p14="http://schemas.microsoft.com/office/powerpoint/2010/main" xmlns="" val="644879265"/>
+        <p14:creationId xmlns:p14="http://schemas.microsoft.com/office/powerpoint/2010/main" val="1497492940"/>
       </p:ext>
     </p:extLst>
   </p:cSld>
@@ -1683,7 +1930,7 @@
 
 <file path=ppt/slideLayouts/slideLayout6.xml><?xml version="1.0" encoding="utf-8"?>
 <p:sldLayout xmlns:a="http://schemas.openxmlformats.org/drawingml/2006/main" xmlns:r="http://schemas.openxmlformats.org/officeDocument/2006/relationships" xmlns:p="http://schemas.openxmlformats.org/presentationml/2006/main" type="titleOnly" preserve="1">
-  <p:cSld name="Somente Título">
+  <p:cSld name="Title Only">
     <p:spTree>
       <p:nvGrpSpPr>
         <p:cNvPr id="1" name=""/>
@@ -1700,7 +1947,13 @@
       </p:grpSpPr>
       <p:sp>
         <p:nvSpPr>
-          <p:cNvPr id="2" name="Title 1"/>
+          <p:cNvPr id="2" name="Title 1">
+            <a:extLst>
+              <a:ext uri="{FF2B5EF4-FFF2-40B4-BE49-F238E27FC236}">
+                <a16:creationId xmlns:a16="http://schemas.microsoft.com/office/drawing/2014/main" id="{828A0ABD-47FC-41C3-B8A4-096411418C64}"/>
+              </a:ext>
+            </a:extLst>
+          </p:cNvPr>
           <p:cNvSpPr>
             <a:spLocks noGrp="1"/>
           </p:cNvSpPr>
@@ -1714,16 +1967,22 @@
           <a:lstStyle/>
           <a:p>
             <a:r>
-              <a:rPr lang="pt-BR"/>
-              <a:t>Clique para editar o título Mestre</a:t>
-            </a:r>
-            <a:endParaRPr lang="en-US" dirty="0"/>
-          </a:p>
-        </p:txBody>
-      </p:sp>
-      <p:sp>
-        <p:nvSpPr>
-          <p:cNvPr id="3" name="Date Placeholder 2"/>
+              <a:rPr lang="en-US"/>
+              <a:t>Click to edit Master title style</a:t>
+            </a:r>
+            <a:endParaRPr lang="pt-BR"/>
+          </a:p>
+        </p:txBody>
+      </p:sp>
+      <p:sp>
+        <p:nvSpPr>
+          <p:cNvPr id="3" name="Date Placeholder 2">
+            <a:extLst>
+              <a:ext uri="{FF2B5EF4-FFF2-40B4-BE49-F238E27FC236}">
+                <a16:creationId xmlns:a16="http://schemas.microsoft.com/office/drawing/2014/main" id="{DE897F59-39CF-4ACF-B8FE-71D066189D3E}"/>
+              </a:ext>
+            </a:extLst>
+          </p:cNvPr>
           <p:cNvSpPr>
             <a:spLocks noGrp="1"/>
           </p:cNvSpPr>
@@ -1747,7 +2006,13 @@
       </p:sp>
       <p:sp>
         <p:nvSpPr>
-          <p:cNvPr id="4" name="Footer Placeholder 3"/>
+          <p:cNvPr id="4" name="Footer Placeholder 3">
+            <a:extLst>
+              <a:ext uri="{FF2B5EF4-FFF2-40B4-BE49-F238E27FC236}">
+                <a16:creationId xmlns:a16="http://schemas.microsoft.com/office/drawing/2014/main" id="{6B47E8CE-2ADF-4332-A3BB-503ACB34F404}"/>
+              </a:ext>
+            </a:extLst>
+          </p:cNvPr>
           <p:cNvSpPr>
             <a:spLocks noGrp="1"/>
           </p:cNvSpPr>
@@ -1766,7 +2031,13 @@
       </p:sp>
       <p:sp>
         <p:nvSpPr>
-          <p:cNvPr id="5" name="Slide Number Placeholder 4"/>
+          <p:cNvPr id="5" name="Slide Number Placeholder 4">
+            <a:extLst>
+              <a:ext uri="{FF2B5EF4-FFF2-40B4-BE49-F238E27FC236}">
+                <a16:creationId xmlns:a16="http://schemas.microsoft.com/office/drawing/2014/main" id="{C596CB97-F287-4383-82A1-4873082F6458}"/>
+              </a:ext>
+            </a:extLst>
+          </p:cNvPr>
           <p:cNvSpPr>
             <a:spLocks noGrp="1"/>
           </p:cNvSpPr>
@@ -1782,7 +2053,7 @@
             <a:fld id="{7559098A-D04A-42FA-A9EE-5AA860E33838}" type="slidenum">
               <a:rPr lang="pt-BR" smtClean="0"/>
               <a:pPr/>
-              <a:t>‹nº›</a:t>
+              <a:t>‹#›</a:t>
             </a:fld>
             <a:endParaRPr lang="pt-BR" dirty="0"/>
           </a:p>
@@ -1791,7 +2062,7 @@
     </p:spTree>
     <p:extLst>
       <p:ext uri="{BB962C8B-B14F-4D97-AF65-F5344CB8AC3E}">
-        <p14:creationId xmlns:p14="http://schemas.microsoft.com/office/powerpoint/2010/main" xmlns="" val="1634099377"/>
+        <p14:creationId xmlns:p14="http://schemas.microsoft.com/office/powerpoint/2010/main" val="666982683"/>
       </p:ext>
     </p:extLst>
   </p:cSld>
@@ -1803,7 +2074,7 @@
 
 <file path=ppt/slideLayouts/slideLayout7.xml><?xml version="1.0" encoding="utf-8"?>
 <p:sldLayout xmlns:a="http://schemas.openxmlformats.org/drawingml/2006/main" xmlns:r="http://schemas.openxmlformats.org/officeDocument/2006/relationships" xmlns:p="http://schemas.openxmlformats.org/presentationml/2006/main" type="blank" preserve="1">
-  <p:cSld name="Em Branco">
+  <p:cSld name="Blank">
     <p:spTree>
       <p:nvGrpSpPr>
         <p:cNvPr id="1" name=""/>
@@ -1820,7 +2091,13 @@
       </p:grpSpPr>
       <p:sp>
         <p:nvSpPr>
-          <p:cNvPr id="2" name="Date Placeholder 1"/>
+          <p:cNvPr id="2" name="Date Placeholder 1">
+            <a:extLst>
+              <a:ext uri="{FF2B5EF4-FFF2-40B4-BE49-F238E27FC236}">
+                <a16:creationId xmlns:a16="http://schemas.microsoft.com/office/drawing/2014/main" id="{FB35B66B-8244-4EA3-98A8-C19F23EC872E}"/>
+              </a:ext>
+            </a:extLst>
+          </p:cNvPr>
           <p:cNvSpPr>
             <a:spLocks noGrp="1"/>
           </p:cNvSpPr>
@@ -1844,7 +2121,13 @@
       </p:sp>
       <p:sp>
         <p:nvSpPr>
-          <p:cNvPr id="3" name="Footer Placeholder 2"/>
+          <p:cNvPr id="3" name="Footer Placeholder 2">
+            <a:extLst>
+              <a:ext uri="{FF2B5EF4-FFF2-40B4-BE49-F238E27FC236}">
+                <a16:creationId xmlns:a16="http://schemas.microsoft.com/office/drawing/2014/main" id="{B2FB96CF-EFC3-4640-9FDE-1A43AFDA3D59}"/>
+              </a:ext>
+            </a:extLst>
+          </p:cNvPr>
           <p:cNvSpPr>
             <a:spLocks noGrp="1"/>
           </p:cNvSpPr>
@@ -1863,7 +2146,13 @@
       </p:sp>
       <p:sp>
         <p:nvSpPr>
-          <p:cNvPr id="4" name="Slide Number Placeholder 3"/>
+          <p:cNvPr id="4" name="Slide Number Placeholder 3">
+            <a:extLst>
+              <a:ext uri="{FF2B5EF4-FFF2-40B4-BE49-F238E27FC236}">
+                <a16:creationId xmlns:a16="http://schemas.microsoft.com/office/drawing/2014/main" id="{0C9DA1EB-383E-4CD4-8E4F-51FB3E1A7F76}"/>
+              </a:ext>
+            </a:extLst>
+          </p:cNvPr>
           <p:cNvSpPr>
             <a:spLocks noGrp="1"/>
           </p:cNvSpPr>
@@ -1879,7 +2168,7 @@
             <a:fld id="{7559098A-D04A-42FA-A9EE-5AA860E33838}" type="slidenum">
               <a:rPr lang="pt-BR" smtClean="0"/>
               <a:pPr/>
-              <a:t>‹nº›</a:t>
+              <a:t>‹#›</a:t>
             </a:fld>
             <a:endParaRPr lang="pt-BR" dirty="0"/>
           </a:p>
@@ -1888,7 +2177,7 @@
     </p:spTree>
     <p:extLst>
       <p:ext uri="{BB962C8B-B14F-4D97-AF65-F5344CB8AC3E}">
-        <p14:creationId xmlns:p14="http://schemas.microsoft.com/office/powerpoint/2010/main" xmlns="" val="3875446566"/>
+        <p14:creationId xmlns:p14="http://schemas.microsoft.com/office/powerpoint/2010/main" val="2135448498"/>
       </p:ext>
     </p:extLst>
   </p:cSld>
@@ -1900,7 +2189,7 @@
 
 <file path=ppt/slideLayouts/slideLayout8.xml><?xml version="1.0" encoding="utf-8"?>
 <p:sldLayout xmlns:a="http://schemas.openxmlformats.org/drawingml/2006/main" xmlns:r="http://schemas.openxmlformats.org/officeDocument/2006/relationships" xmlns:p="http://schemas.openxmlformats.org/presentationml/2006/main" type="objTx" preserve="1">
-  <p:cSld name="Conteúdo com Legenda">
+  <p:cSld name="Content with Caption">
     <p:spTree>
       <p:nvGrpSpPr>
         <p:cNvPr id="1" name=""/>
@@ -1917,7 +2206,13 @@
       </p:grpSpPr>
       <p:sp>
         <p:nvSpPr>
-          <p:cNvPr id="2" name="Title 1"/>
+          <p:cNvPr id="2" name="Title 1">
+            <a:extLst>
+              <a:ext uri="{FF2B5EF4-FFF2-40B4-BE49-F238E27FC236}">
+                <a16:creationId xmlns:a16="http://schemas.microsoft.com/office/drawing/2014/main" id="{8F9FDF67-9C59-4A43-88FA-D968AEB74A8A}"/>
+              </a:ext>
+            </a:extLst>
+          </p:cNvPr>
           <p:cNvSpPr>
             <a:spLocks noGrp="1"/>
           </p:cNvSpPr>
@@ -1927,29 +2222,35 @@
         </p:nvSpPr>
         <p:spPr>
           <a:xfrm>
-            <a:off x="1983780" y="2399982"/>
-            <a:ext cx="9288887" cy="8399939"/>
+            <a:off x="1983782" y="2399982"/>
+            <a:ext cx="9288886" cy="8399939"/>
           </a:xfrm>
         </p:spPr>
         <p:txBody>
           <a:bodyPr anchor="b"/>
           <a:lstStyle>
             <a:lvl1pPr>
-              <a:defRPr sz="10079"/>
+              <a:defRPr sz="7559"/>
             </a:lvl1pPr>
           </a:lstStyle>
           <a:p>
             <a:r>
-              <a:rPr lang="pt-BR"/>
-              <a:t>Clique para editar o título Mestre</a:t>
-            </a:r>
-            <a:endParaRPr lang="en-US" dirty="0"/>
-          </a:p>
-        </p:txBody>
-      </p:sp>
-      <p:sp>
-        <p:nvSpPr>
-          <p:cNvPr id="3" name="Content Placeholder 2"/>
+              <a:rPr lang="en-US"/>
+              <a:t>Click to edit Master title style</a:t>
+            </a:r>
+            <a:endParaRPr lang="pt-BR"/>
+          </a:p>
+        </p:txBody>
+      </p:sp>
+      <p:sp>
+        <p:nvSpPr>
+          <p:cNvPr id="3" name="Content Placeholder 2">
+            <a:extLst>
+              <a:ext uri="{FF2B5EF4-FFF2-40B4-BE49-F238E27FC236}">
+                <a16:creationId xmlns:a16="http://schemas.microsoft.com/office/drawing/2014/main" id="{35A42C3C-758B-4328-A9F5-919D93E2B075}"/>
+              </a:ext>
+            </a:extLst>
+          </p:cNvPr>
           <p:cNvSpPr>
             <a:spLocks noGrp="1"/>
           </p:cNvSpPr>
@@ -1959,7 +2260,7 @@
         </p:nvSpPr>
         <p:spPr>
           <a:xfrm>
-            <a:off x="12243932" y="5183304"/>
+            <a:off x="12243932" y="5183298"/>
             <a:ext cx="14580215" cy="25583147"/>
           </a:xfrm>
         </p:spPr>
@@ -1967,74 +2268,80 @@
           <a:bodyPr/>
           <a:lstStyle>
             <a:lvl1pPr>
-              <a:defRPr sz="10079"/>
+              <a:defRPr sz="7559"/>
             </a:lvl1pPr>
             <a:lvl2pPr>
-              <a:defRPr sz="8819"/>
+              <a:defRPr sz="6614"/>
             </a:lvl2pPr>
             <a:lvl3pPr>
-              <a:defRPr sz="7559"/>
+              <a:defRPr sz="5669"/>
             </a:lvl3pPr>
             <a:lvl4pPr>
-              <a:defRPr sz="6299"/>
+              <a:defRPr sz="4724"/>
             </a:lvl4pPr>
             <a:lvl5pPr>
-              <a:defRPr sz="6299"/>
+              <a:defRPr sz="4724"/>
             </a:lvl5pPr>
             <a:lvl6pPr>
-              <a:defRPr sz="6299"/>
+              <a:defRPr sz="4724"/>
             </a:lvl6pPr>
             <a:lvl7pPr>
-              <a:defRPr sz="6299"/>
+              <a:defRPr sz="4724"/>
             </a:lvl7pPr>
             <a:lvl8pPr>
-              <a:defRPr sz="6299"/>
+              <a:defRPr sz="4724"/>
             </a:lvl8pPr>
             <a:lvl9pPr>
-              <a:defRPr sz="6299"/>
+              <a:defRPr sz="4724"/>
             </a:lvl9pPr>
           </a:lstStyle>
           <a:p>
             <a:pPr lvl="0"/>
             <a:r>
-              <a:rPr lang="pt-BR"/>
-              <a:t>Editar estilos de texto Mestre</a:t>
+              <a:rPr lang="en-US"/>
+              <a:t>Click to edit Master text styles</a:t>
             </a:r>
           </a:p>
           <a:p>
             <a:pPr lvl="1"/>
             <a:r>
-              <a:rPr lang="pt-BR"/>
-              <a:t>Segundo nível</a:t>
+              <a:rPr lang="en-US"/>
+              <a:t>Second level</a:t>
             </a:r>
           </a:p>
           <a:p>
             <a:pPr lvl="2"/>
             <a:r>
-              <a:rPr lang="pt-BR"/>
-              <a:t>Terceiro nível</a:t>
+              <a:rPr lang="en-US"/>
+              <a:t>Third level</a:t>
             </a:r>
           </a:p>
           <a:p>
             <a:pPr lvl="3"/>
             <a:r>
-              <a:rPr lang="pt-BR"/>
-              <a:t>Quarto nível</a:t>
+              <a:rPr lang="en-US"/>
+              <a:t>Fourth level</a:t>
             </a:r>
           </a:p>
           <a:p>
             <a:pPr lvl="4"/>
             <a:r>
-              <a:rPr lang="pt-BR"/>
-              <a:t>Quinto nível</a:t>
-            </a:r>
-            <a:endParaRPr lang="en-US" dirty="0"/>
-          </a:p>
-        </p:txBody>
-      </p:sp>
-      <p:sp>
-        <p:nvSpPr>
-          <p:cNvPr id="4" name="Text Placeholder 3"/>
+              <a:rPr lang="en-US"/>
+              <a:t>Fifth level</a:t>
+            </a:r>
+            <a:endParaRPr lang="pt-BR"/>
+          </a:p>
+        </p:txBody>
+      </p:sp>
+      <p:sp>
+        <p:nvSpPr>
+          <p:cNvPr id="4" name="Text Placeholder 3">
+            <a:extLst>
+              <a:ext uri="{FF2B5EF4-FFF2-40B4-BE49-F238E27FC236}">
+                <a16:creationId xmlns:a16="http://schemas.microsoft.com/office/drawing/2014/main" id="{A49FA29D-960A-4213-8A6E-392575BE97AD}"/>
+              </a:ext>
+            </a:extLst>
+          </p:cNvPr>
           <p:cNvSpPr>
             <a:spLocks noGrp="1"/>
           </p:cNvSpPr>
@@ -2044,8 +2351,8 @@
         </p:nvSpPr>
         <p:spPr>
           <a:xfrm>
-            <a:off x="1983780" y="10799922"/>
-            <a:ext cx="9288887" cy="20008190"/>
+            <a:off x="1983782" y="10799922"/>
+            <a:ext cx="9288886" cy="20008190"/>
           </a:xfrm>
         </p:spPr>
         <p:txBody>
@@ -2053,53 +2360,59 @@
           <a:lstStyle>
             <a:lvl1pPr marL="0" indent="0">
               <a:buNone/>
-              <a:defRPr sz="5040"/>
+              <a:defRPr sz="3780"/>
             </a:lvl1pPr>
-            <a:lvl2pPr marL="1440043" indent="0">
-              <a:buNone/>
-              <a:defRPr sz="4410"/>
+            <a:lvl2pPr marL="1079998" indent="0">
+              <a:buNone/>
+              <a:defRPr sz="3307"/>
             </a:lvl2pPr>
-            <a:lvl3pPr marL="2880086" indent="0">
-              <a:buNone/>
-              <a:defRPr sz="3780"/>
+            <a:lvl3pPr marL="2159996" indent="0">
+              <a:buNone/>
+              <a:defRPr sz="2835"/>
             </a:lvl3pPr>
-            <a:lvl4pPr marL="4320129" indent="0">
-              <a:buNone/>
-              <a:defRPr sz="3150"/>
+            <a:lvl4pPr marL="3239994" indent="0">
+              <a:buNone/>
+              <a:defRPr sz="2362"/>
             </a:lvl4pPr>
-            <a:lvl5pPr marL="5760171" indent="0">
-              <a:buNone/>
-              <a:defRPr sz="3150"/>
+            <a:lvl5pPr marL="4319991" indent="0">
+              <a:buNone/>
+              <a:defRPr sz="2362"/>
             </a:lvl5pPr>
-            <a:lvl6pPr marL="7200214" indent="0">
-              <a:buNone/>
-              <a:defRPr sz="3150"/>
+            <a:lvl6pPr marL="5399989" indent="0">
+              <a:buNone/>
+              <a:defRPr sz="2362"/>
             </a:lvl6pPr>
-            <a:lvl7pPr marL="8640257" indent="0">
-              <a:buNone/>
-              <a:defRPr sz="3150"/>
+            <a:lvl7pPr marL="6479987" indent="0">
+              <a:buNone/>
+              <a:defRPr sz="2362"/>
             </a:lvl7pPr>
-            <a:lvl8pPr marL="10080300" indent="0">
-              <a:buNone/>
-              <a:defRPr sz="3150"/>
+            <a:lvl8pPr marL="7559985" indent="0">
+              <a:buNone/>
+              <a:defRPr sz="2362"/>
             </a:lvl8pPr>
-            <a:lvl9pPr marL="11520343" indent="0">
-              <a:buNone/>
-              <a:defRPr sz="3150"/>
+            <a:lvl9pPr marL="8639983" indent="0">
+              <a:buNone/>
+              <a:defRPr sz="2362"/>
             </a:lvl9pPr>
           </a:lstStyle>
           <a:p>
             <a:pPr lvl="0"/>
             <a:r>
-              <a:rPr lang="pt-BR"/>
-              <a:t>Editar estilos de texto Mestre</a:t>
-            </a:r>
-          </a:p>
-        </p:txBody>
-      </p:sp>
-      <p:sp>
-        <p:nvSpPr>
-          <p:cNvPr id="5" name="Date Placeholder 4"/>
+              <a:rPr lang="en-US"/>
+              <a:t>Click to edit Master text styles</a:t>
+            </a:r>
+          </a:p>
+        </p:txBody>
+      </p:sp>
+      <p:sp>
+        <p:nvSpPr>
+          <p:cNvPr id="5" name="Date Placeholder 4">
+            <a:extLst>
+              <a:ext uri="{FF2B5EF4-FFF2-40B4-BE49-F238E27FC236}">
+                <a16:creationId xmlns:a16="http://schemas.microsoft.com/office/drawing/2014/main" id="{1BCD2531-33C0-4276-9831-36441187EE8D}"/>
+              </a:ext>
+            </a:extLst>
+          </p:cNvPr>
           <p:cNvSpPr>
             <a:spLocks noGrp="1"/>
           </p:cNvSpPr>
@@ -2123,7 +2436,13 @@
       </p:sp>
       <p:sp>
         <p:nvSpPr>
-          <p:cNvPr id="6" name="Footer Placeholder 5"/>
+          <p:cNvPr id="6" name="Footer Placeholder 5">
+            <a:extLst>
+              <a:ext uri="{FF2B5EF4-FFF2-40B4-BE49-F238E27FC236}">
+                <a16:creationId xmlns:a16="http://schemas.microsoft.com/office/drawing/2014/main" id="{005F75BA-4886-474E-A278-4BC8A24D2868}"/>
+              </a:ext>
+            </a:extLst>
+          </p:cNvPr>
           <p:cNvSpPr>
             <a:spLocks noGrp="1"/>
           </p:cNvSpPr>
@@ -2142,7 +2461,13 @@
       </p:sp>
       <p:sp>
         <p:nvSpPr>
-          <p:cNvPr id="7" name="Slide Number Placeholder 6"/>
+          <p:cNvPr id="7" name="Slide Number Placeholder 6">
+            <a:extLst>
+              <a:ext uri="{FF2B5EF4-FFF2-40B4-BE49-F238E27FC236}">
+                <a16:creationId xmlns:a16="http://schemas.microsoft.com/office/drawing/2014/main" id="{73BF03BF-9175-434A-BC96-DE06694FBF03}"/>
+              </a:ext>
+            </a:extLst>
+          </p:cNvPr>
           <p:cNvSpPr>
             <a:spLocks noGrp="1"/>
           </p:cNvSpPr>
@@ -2158,7 +2483,7 @@
             <a:fld id="{7559098A-D04A-42FA-A9EE-5AA860E33838}" type="slidenum">
               <a:rPr lang="pt-BR" smtClean="0"/>
               <a:pPr/>
-              <a:t>‹nº›</a:t>
+              <a:t>‹#›</a:t>
             </a:fld>
             <a:endParaRPr lang="pt-BR" dirty="0"/>
           </a:p>
@@ -2167,7 +2492,7 @@
     </p:spTree>
     <p:extLst>
       <p:ext uri="{BB962C8B-B14F-4D97-AF65-F5344CB8AC3E}">
-        <p14:creationId xmlns:p14="http://schemas.microsoft.com/office/powerpoint/2010/main" xmlns="" val="3641034355"/>
+        <p14:creationId xmlns:p14="http://schemas.microsoft.com/office/powerpoint/2010/main" val="688486526"/>
       </p:ext>
     </p:extLst>
   </p:cSld>
@@ -2179,7 +2504,7 @@
 
 <file path=ppt/slideLayouts/slideLayout9.xml><?xml version="1.0" encoding="utf-8"?>
 <p:sldLayout xmlns:a="http://schemas.openxmlformats.org/drawingml/2006/main" xmlns:r="http://schemas.openxmlformats.org/officeDocument/2006/relationships" xmlns:p="http://schemas.openxmlformats.org/presentationml/2006/main" type="picTx" preserve="1">
-  <p:cSld name="Imagem com Legenda">
+  <p:cSld name="Picture with Caption">
     <p:spTree>
       <p:nvGrpSpPr>
         <p:cNvPr id="1" name=""/>
@@ -2196,7 +2521,13 @@
       </p:grpSpPr>
       <p:sp>
         <p:nvSpPr>
-          <p:cNvPr id="2" name="Title 1"/>
+          <p:cNvPr id="2" name="Title 1">
+            <a:extLst>
+              <a:ext uri="{FF2B5EF4-FFF2-40B4-BE49-F238E27FC236}">
+                <a16:creationId xmlns:a16="http://schemas.microsoft.com/office/drawing/2014/main" id="{277DDD54-51EF-4FBC-AFC9-71F3BCF4A4BB}"/>
+              </a:ext>
+            </a:extLst>
+          </p:cNvPr>
           <p:cNvSpPr>
             <a:spLocks noGrp="1"/>
           </p:cNvSpPr>
@@ -2206,31 +2537,37 @@
         </p:nvSpPr>
         <p:spPr>
           <a:xfrm>
-            <a:off x="1983780" y="2399982"/>
-            <a:ext cx="9288887" cy="8399939"/>
+            <a:off x="1983782" y="2399982"/>
+            <a:ext cx="9288886" cy="8399939"/>
           </a:xfrm>
         </p:spPr>
         <p:txBody>
           <a:bodyPr anchor="b"/>
           <a:lstStyle>
             <a:lvl1pPr>
-              <a:defRPr sz="10079"/>
+              <a:defRPr sz="7559"/>
             </a:lvl1pPr>
           </a:lstStyle>
           <a:p>
             <a:r>
-              <a:rPr lang="pt-BR"/>
-              <a:t>Clique para editar o título Mestre</a:t>
-            </a:r>
-            <a:endParaRPr lang="en-US" dirty="0"/>
-          </a:p>
-        </p:txBody>
-      </p:sp>
-      <p:sp>
-        <p:nvSpPr>
-          <p:cNvPr id="3" name="Picture Placeholder 2"/>
-          <p:cNvSpPr>
-            <a:spLocks noGrp="1" noChangeAspect="1"/>
+              <a:rPr lang="en-US"/>
+              <a:t>Click to edit Master title style</a:t>
+            </a:r>
+            <a:endParaRPr lang="pt-BR"/>
+          </a:p>
+        </p:txBody>
+      </p:sp>
+      <p:sp>
+        <p:nvSpPr>
+          <p:cNvPr id="3" name="Picture Placeholder 2">
+            <a:extLst>
+              <a:ext uri="{FF2B5EF4-FFF2-40B4-BE49-F238E27FC236}">
+                <a16:creationId xmlns:a16="http://schemas.microsoft.com/office/drawing/2014/main" id="{4FEB8057-E475-4FF4-A63C-F05C4F41B280}"/>
+              </a:ext>
+            </a:extLst>
+          </p:cNvPr>
+          <p:cNvSpPr>
+            <a:spLocks noGrp="1"/>
           </p:cNvSpPr>
           <p:nvPr>
             <p:ph type="pic" idx="1"/>
@@ -2238,127 +2575,135 @@
         </p:nvSpPr>
         <p:spPr>
           <a:xfrm>
-            <a:off x="12243932" y="5183304"/>
+            <a:off x="12243932" y="5183298"/>
             <a:ext cx="14580215" cy="25583147"/>
           </a:xfrm>
         </p:spPr>
         <p:txBody>
-          <a:bodyPr anchor="t"/>
-          <a:lstStyle>
-            <a:lvl1pPr marL="0" indent="0">
-              <a:buNone/>
-              <a:defRPr sz="10079"/>
-            </a:lvl1pPr>
-            <a:lvl2pPr marL="1440043" indent="0">
-              <a:buNone/>
-              <a:defRPr sz="8819"/>
-            </a:lvl2pPr>
-            <a:lvl3pPr marL="2880086" indent="0">
-              <a:buNone/>
-              <a:defRPr sz="7559"/>
-            </a:lvl3pPr>
-            <a:lvl4pPr marL="4320129" indent="0">
-              <a:buNone/>
-              <a:defRPr sz="6299"/>
-            </a:lvl4pPr>
-            <a:lvl5pPr marL="5760171" indent="0">
-              <a:buNone/>
-              <a:defRPr sz="6299"/>
-            </a:lvl5pPr>
-            <a:lvl6pPr marL="7200214" indent="0">
-              <a:buNone/>
-              <a:defRPr sz="6299"/>
-            </a:lvl6pPr>
-            <a:lvl7pPr marL="8640257" indent="0">
-              <a:buNone/>
-              <a:defRPr sz="6299"/>
-            </a:lvl7pPr>
-            <a:lvl8pPr marL="10080300" indent="0">
-              <a:buNone/>
-              <a:defRPr sz="6299"/>
-            </a:lvl8pPr>
-            <a:lvl9pPr marL="11520343" indent="0">
-              <a:buNone/>
-              <a:defRPr sz="6299"/>
-            </a:lvl9pPr>
-          </a:lstStyle>
-          <a:p>
-            <a:r>
-              <a:rPr lang="pt-BR" dirty="0"/>
-              <a:t>Clique no ícone para adicionar uma imagem</a:t>
-            </a:r>
-            <a:endParaRPr lang="en-US" dirty="0"/>
-          </a:p>
-        </p:txBody>
-      </p:sp>
-      <p:sp>
-        <p:nvSpPr>
-          <p:cNvPr id="4" name="Text Placeholder 3"/>
-          <p:cNvSpPr>
-            <a:spLocks noGrp="1"/>
-          </p:cNvSpPr>
-          <p:nvPr>
-            <p:ph type="body" sz="half" idx="2"/>
-          </p:nvPr>
-        </p:nvSpPr>
-        <p:spPr>
-          <a:xfrm>
-            <a:off x="1983780" y="10799922"/>
-            <a:ext cx="9288887" cy="20008190"/>
-          </a:xfrm>
-        </p:spPr>
-        <p:txBody>
           <a:bodyPr/>
           <a:lstStyle>
             <a:lvl1pPr marL="0" indent="0">
               <a:buNone/>
-              <a:defRPr sz="5040"/>
+              <a:defRPr sz="7559"/>
             </a:lvl1pPr>
-            <a:lvl2pPr marL="1440043" indent="0">
-              <a:buNone/>
-              <a:defRPr sz="4410"/>
+            <a:lvl2pPr marL="1079998" indent="0">
+              <a:buNone/>
+              <a:defRPr sz="6614"/>
             </a:lvl2pPr>
-            <a:lvl3pPr marL="2880086" indent="0">
-              <a:buNone/>
-              <a:defRPr sz="3780"/>
+            <a:lvl3pPr marL="2159996" indent="0">
+              <a:buNone/>
+              <a:defRPr sz="5669"/>
             </a:lvl3pPr>
-            <a:lvl4pPr marL="4320129" indent="0">
-              <a:buNone/>
-              <a:defRPr sz="3150"/>
+            <a:lvl4pPr marL="3239994" indent="0">
+              <a:buNone/>
+              <a:defRPr sz="4724"/>
             </a:lvl4pPr>
-            <a:lvl5pPr marL="5760171" indent="0">
-              <a:buNone/>
-              <a:defRPr sz="3150"/>
+            <a:lvl5pPr marL="4319991" indent="0">
+              <a:buNone/>
+              <a:defRPr sz="4724"/>
             </a:lvl5pPr>
-            <a:lvl6pPr marL="7200214" indent="0">
-              <a:buNone/>
-              <a:defRPr sz="3150"/>
+            <a:lvl6pPr marL="5399989" indent="0">
+              <a:buNone/>
+              <a:defRPr sz="4724"/>
             </a:lvl6pPr>
-            <a:lvl7pPr marL="8640257" indent="0">
-              <a:buNone/>
-              <a:defRPr sz="3150"/>
+            <a:lvl7pPr marL="6479987" indent="0">
+              <a:buNone/>
+              <a:defRPr sz="4724"/>
             </a:lvl7pPr>
-            <a:lvl8pPr marL="10080300" indent="0">
-              <a:buNone/>
-              <a:defRPr sz="3150"/>
+            <a:lvl8pPr marL="7559985" indent="0">
+              <a:buNone/>
+              <a:defRPr sz="4724"/>
             </a:lvl8pPr>
-            <a:lvl9pPr marL="11520343" indent="0">
-              <a:buNone/>
-              <a:defRPr sz="3150"/>
+            <a:lvl9pPr marL="8639983" indent="0">
+              <a:buNone/>
+              <a:defRPr sz="4724"/>
             </a:lvl9pPr>
           </a:lstStyle>
           <a:p>
+            <a:endParaRPr lang="pt-BR"/>
+          </a:p>
+        </p:txBody>
+      </p:sp>
+      <p:sp>
+        <p:nvSpPr>
+          <p:cNvPr id="4" name="Text Placeholder 3">
+            <a:extLst>
+              <a:ext uri="{FF2B5EF4-FFF2-40B4-BE49-F238E27FC236}">
+                <a16:creationId xmlns:a16="http://schemas.microsoft.com/office/drawing/2014/main" id="{1836121D-4CA9-4EA7-90FC-4EEC4DC639C2}"/>
+              </a:ext>
+            </a:extLst>
+          </p:cNvPr>
+          <p:cNvSpPr>
+            <a:spLocks noGrp="1"/>
+          </p:cNvSpPr>
+          <p:nvPr>
+            <p:ph type="body" sz="half" idx="2"/>
+          </p:nvPr>
+        </p:nvSpPr>
+        <p:spPr>
+          <a:xfrm>
+            <a:off x="1983782" y="10799922"/>
+            <a:ext cx="9288886" cy="20008190"/>
+          </a:xfrm>
+        </p:spPr>
+        <p:txBody>
+          <a:bodyPr/>
+          <a:lstStyle>
+            <a:lvl1pPr marL="0" indent="0">
+              <a:buNone/>
+              <a:defRPr sz="3780"/>
+            </a:lvl1pPr>
+            <a:lvl2pPr marL="1079998" indent="0">
+              <a:buNone/>
+              <a:defRPr sz="3307"/>
+            </a:lvl2pPr>
+            <a:lvl3pPr marL="2159996" indent="0">
+              <a:buNone/>
+              <a:defRPr sz="2835"/>
+            </a:lvl3pPr>
+            <a:lvl4pPr marL="3239994" indent="0">
+              <a:buNone/>
+              <a:defRPr sz="2362"/>
+            </a:lvl4pPr>
+            <a:lvl5pPr marL="4319991" indent="0">
+              <a:buNone/>
+              <a:defRPr sz="2362"/>
+            </a:lvl5pPr>
+            <a:lvl6pPr marL="5399989" indent="0">
+              <a:buNone/>
+              <a:defRPr sz="2362"/>
+            </a:lvl6pPr>
+            <a:lvl7pPr marL="6479987" indent="0">
+              <a:buNone/>
+              <a:defRPr sz="2362"/>
+            </a:lvl7pPr>
+            <a:lvl8pPr marL="7559985" indent="0">
+              <a:buNone/>
+              <a:defRPr sz="2362"/>
+            </a:lvl8pPr>
+            <a:lvl9pPr marL="8639983" indent="0">
+              <a:buNone/>
+              <a:defRPr sz="2362"/>
+            </a:lvl9pPr>
+          </a:lstStyle>
+          <a:p>
             <a:pPr lvl="0"/>
             <a:r>
-              <a:rPr lang="pt-BR"/>
-              <a:t>Editar estilos de texto Mestre</a:t>
-            </a:r>
-          </a:p>
-        </p:txBody>
-      </p:sp>
-      <p:sp>
-        <p:nvSpPr>
-          <p:cNvPr id="5" name="Date Placeholder 4"/>
+              <a:rPr lang="en-US"/>
+              <a:t>Click to edit Master text styles</a:t>
+            </a:r>
+          </a:p>
+        </p:txBody>
+      </p:sp>
+      <p:sp>
+        <p:nvSpPr>
+          <p:cNvPr id="5" name="Date Placeholder 4">
+            <a:extLst>
+              <a:ext uri="{FF2B5EF4-FFF2-40B4-BE49-F238E27FC236}">
+                <a16:creationId xmlns:a16="http://schemas.microsoft.com/office/drawing/2014/main" id="{8ED0CBA3-0F7D-4057-941C-0A0827C341F9}"/>
+              </a:ext>
+            </a:extLst>
+          </p:cNvPr>
           <p:cNvSpPr>
             <a:spLocks noGrp="1"/>
           </p:cNvSpPr>
@@ -2382,7 +2727,13 @@
       </p:sp>
       <p:sp>
         <p:nvSpPr>
-          <p:cNvPr id="6" name="Footer Placeholder 5"/>
+          <p:cNvPr id="6" name="Footer Placeholder 5">
+            <a:extLst>
+              <a:ext uri="{FF2B5EF4-FFF2-40B4-BE49-F238E27FC236}">
+                <a16:creationId xmlns:a16="http://schemas.microsoft.com/office/drawing/2014/main" id="{6D0FF1C1-96C5-4C25-B0B3-DEC65F43DFC6}"/>
+              </a:ext>
+            </a:extLst>
+          </p:cNvPr>
           <p:cNvSpPr>
             <a:spLocks noGrp="1"/>
           </p:cNvSpPr>
@@ -2401,7 +2752,13 @@
       </p:sp>
       <p:sp>
         <p:nvSpPr>
-          <p:cNvPr id="7" name="Slide Number Placeholder 6"/>
+          <p:cNvPr id="7" name="Slide Number Placeholder 6">
+            <a:extLst>
+              <a:ext uri="{FF2B5EF4-FFF2-40B4-BE49-F238E27FC236}">
+                <a16:creationId xmlns:a16="http://schemas.microsoft.com/office/drawing/2014/main" id="{758E8543-7725-4B6E-BF45-6DEAE8743881}"/>
+              </a:ext>
+            </a:extLst>
+          </p:cNvPr>
           <p:cNvSpPr>
             <a:spLocks noGrp="1"/>
           </p:cNvSpPr>
@@ -2417,7 +2774,7 @@
             <a:fld id="{7559098A-D04A-42FA-A9EE-5AA860E33838}" type="slidenum">
               <a:rPr lang="pt-BR" smtClean="0"/>
               <a:pPr/>
-              <a:t>‹nº›</a:t>
+              <a:t>‹#›</a:t>
             </a:fld>
             <a:endParaRPr lang="pt-BR" dirty="0"/>
           </a:p>
@@ -2426,7 +2783,7 @@
     </p:spTree>
     <p:extLst>
       <p:ext uri="{BB962C8B-B14F-4D97-AF65-F5344CB8AC3E}">
-        <p14:creationId xmlns:p14="http://schemas.microsoft.com/office/powerpoint/2010/main" xmlns="" val="3508619292"/>
+        <p14:creationId xmlns:p14="http://schemas.microsoft.com/office/powerpoint/2010/main" val="510060684"/>
       </p:ext>
     </p:extLst>
   </p:cSld>
@@ -2460,7 +2817,13 @@
       </p:grpSpPr>
       <p:sp>
         <p:nvSpPr>
-          <p:cNvPr id="2" name="Title Placeholder 1"/>
+          <p:cNvPr id="2" name="Title Placeholder 1">
+            <a:extLst>
+              <a:ext uri="{FF2B5EF4-FFF2-40B4-BE49-F238E27FC236}">
+                <a16:creationId xmlns:a16="http://schemas.microsoft.com/office/drawing/2014/main" id="{4083EDC3-7322-4EB0-969F-1B6DBC67D317}"/>
+              </a:ext>
+            </a:extLst>
+          </p:cNvPr>
           <p:cNvSpPr>
             <a:spLocks noGrp="1"/>
           </p:cNvSpPr>
@@ -2470,7 +2833,7 @@
         </p:nvSpPr>
         <p:spPr>
           <a:xfrm>
-            <a:off x="1980029" y="1916661"/>
+            <a:off x="1980029" y="1916656"/>
             <a:ext cx="24840367" cy="6958285"/>
           </a:xfrm>
           <a:prstGeom prst="rect">
@@ -2484,16 +2847,22 @@
           <a:lstStyle/>
           <a:p>
             <a:r>
-              <a:rPr lang="pt-BR"/>
-              <a:t>Clique para editar o título Mestre</a:t>
-            </a:r>
-            <a:endParaRPr lang="en-US" dirty="0"/>
-          </a:p>
-        </p:txBody>
-      </p:sp>
-      <p:sp>
-        <p:nvSpPr>
-          <p:cNvPr id="3" name="Text Placeholder 2"/>
+              <a:rPr lang="en-US"/>
+              <a:t>Click to edit Master title style</a:t>
+            </a:r>
+            <a:endParaRPr lang="pt-BR"/>
+          </a:p>
+        </p:txBody>
+      </p:sp>
+      <p:sp>
+        <p:nvSpPr>
+          <p:cNvPr id="3" name="Text Placeholder 2">
+            <a:extLst>
+              <a:ext uri="{FF2B5EF4-FFF2-40B4-BE49-F238E27FC236}">
+                <a16:creationId xmlns:a16="http://schemas.microsoft.com/office/drawing/2014/main" id="{48FD3E3F-DD8C-42C4-AE79-656EFF1A9739}"/>
+              </a:ext>
+            </a:extLst>
+          </p:cNvPr>
           <p:cNvSpPr>
             <a:spLocks noGrp="1"/>
           </p:cNvSpPr>
@@ -2518,44 +2887,50 @@
           <a:p>
             <a:pPr lvl="0"/>
             <a:r>
-              <a:rPr lang="pt-BR"/>
-              <a:t>Editar estilos de texto Mestre</a:t>
+              <a:rPr lang="en-US"/>
+              <a:t>Click to edit Master text styles</a:t>
             </a:r>
           </a:p>
           <a:p>
             <a:pPr lvl="1"/>
             <a:r>
-              <a:rPr lang="pt-BR"/>
-              <a:t>Segundo nível</a:t>
+              <a:rPr lang="en-US"/>
+              <a:t>Second level</a:t>
             </a:r>
           </a:p>
           <a:p>
             <a:pPr lvl="2"/>
             <a:r>
-              <a:rPr lang="pt-BR"/>
-              <a:t>Terceiro nível</a:t>
+              <a:rPr lang="en-US"/>
+              <a:t>Third level</a:t>
             </a:r>
           </a:p>
           <a:p>
             <a:pPr lvl="3"/>
             <a:r>
-              <a:rPr lang="pt-BR"/>
-              <a:t>Quarto nível</a:t>
+              <a:rPr lang="en-US"/>
+              <a:t>Fourth level</a:t>
             </a:r>
           </a:p>
           <a:p>
             <a:pPr lvl="4"/>
             <a:r>
-              <a:rPr lang="pt-BR"/>
-              <a:t>Quinto nível</a:t>
-            </a:r>
-            <a:endParaRPr lang="en-US" dirty="0"/>
-          </a:p>
-        </p:txBody>
-      </p:sp>
-      <p:sp>
-        <p:nvSpPr>
-          <p:cNvPr id="4" name="Date Placeholder 3"/>
+              <a:rPr lang="en-US"/>
+              <a:t>Fifth level</a:t>
+            </a:r>
+            <a:endParaRPr lang="pt-BR"/>
+          </a:p>
+        </p:txBody>
+      </p:sp>
+      <p:sp>
+        <p:nvSpPr>
+          <p:cNvPr id="4" name="Date Placeholder 3">
+            <a:extLst>
+              <a:ext uri="{FF2B5EF4-FFF2-40B4-BE49-F238E27FC236}">
+                <a16:creationId xmlns:a16="http://schemas.microsoft.com/office/drawing/2014/main" id="{CD8FC1C3-B4CC-419F-BA6B-094914C4B286}"/>
+              </a:ext>
+            </a:extLst>
+          </p:cNvPr>
           <p:cNvSpPr>
             <a:spLocks noGrp="1"/>
           </p:cNvSpPr>
@@ -2565,7 +2940,7 @@
         </p:nvSpPr>
         <p:spPr>
           <a:xfrm>
-            <a:off x="1980029" y="33366432"/>
+            <a:off x="1980029" y="33366426"/>
             <a:ext cx="6480096" cy="1916653"/>
           </a:xfrm>
           <a:prstGeom prst="rect">
@@ -2576,7 +2951,7 @@
           <a:bodyPr vert="horz" lIns="91440" tIns="45720" rIns="91440" bIns="45720" rtlCol="0" anchor="ctr"/>
           <a:lstStyle>
             <a:lvl1pPr algn="l">
-              <a:defRPr sz="3780">
+              <a:defRPr sz="2835">
                 <a:solidFill>
                   <a:schemeClr val="tx1">
                     <a:tint val="75000"/>
@@ -2597,7 +2972,13 @@
       </p:sp>
       <p:sp>
         <p:nvSpPr>
-          <p:cNvPr id="5" name="Footer Placeholder 4"/>
+          <p:cNvPr id="5" name="Footer Placeholder 4">
+            <a:extLst>
+              <a:ext uri="{FF2B5EF4-FFF2-40B4-BE49-F238E27FC236}">
+                <a16:creationId xmlns:a16="http://schemas.microsoft.com/office/drawing/2014/main" id="{CBAC992F-88BA-41F4-A743-ABD1CC3AFE97}"/>
+              </a:ext>
+            </a:extLst>
+          </p:cNvPr>
           <p:cNvSpPr>
             <a:spLocks noGrp="1"/>
           </p:cNvSpPr>
@@ -2607,7 +2988,7 @@
         </p:nvSpPr>
         <p:spPr>
           <a:xfrm>
-            <a:off x="9540141" y="33366432"/>
+            <a:off x="9540141" y="33366426"/>
             <a:ext cx="9720143" cy="1916653"/>
           </a:xfrm>
           <a:prstGeom prst="rect">
@@ -2618,7 +2999,7 @@
           <a:bodyPr vert="horz" lIns="91440" tIns="45720" rIns="91440" bIns="45720" rtlCol="0" anchor="ctr"/>
           <a:lstStyle>
             <a:lvl1pPr algn="ctr">
-              <a:defRPr sz="3780">
+              <a:defRPr sz="2835">
                 <a:solidFill>
                   <a:schemeClr val="tx1">
                     <a:tint val="75000"/>
@@ -2634,7 +3015,13 @@
       </p:sp>
       <p:sp>
         <p:nvSpPr>
-          <p:cNvPr id="6" name="Slide Number Placeholder 5"/>
+          <p:cNvPr id="6" name="Slide Number Placeholder 5">
+            <a:extLst>
+              <a:ext uri="{FF2B5EF4-FFF2-40B4-BE49-F238E27FC236}">
+                <a16:creationId xmlns:a16="http://schemas.microsoft.com/office/drawing/2014/main" id="{66B03980-1957-4D0A-8585-D9441BBB4D85}"/>
+              </a:ext>
+            </a:extLst>
+          </p:cNvPr>
           <p:cNvSpPr>
             <a:spLocks noGrp="1"/>
           </p:cNvSpPr>
@@ -2644,7 +3031,7 @@
         </p:nvSpPr>
         <p:spPr>
           <a:xfrm>
-            <a:off x="20340300" y="33366432"/>
+            <a:off x="20340300" y="33366426"/>
             <a:ext cx="6480096" cy="1916653"/>
           </a:xfrm>
           <a:prstGeom prst="rect">
@@ -2655,7 +3042,7 @@
           <a:bodyPr vert="horz" lIns="91440" tIns="45720" rIns="91440" bIns="45720" rtlCol="0" anchor="ctr"/>
           <a:lstStyle>
             <a:lvl1pPr algn="r">
-              <a:defRPr sz="3780">
+              <a:defRPr sz="2835">
                 <a:solidFill>
                   <a:schemeClr val="tx1">
                     <a:tint val="75000"/>
@@ -2668,7 +3055,7 @@
             <a:fld id="{7559098A-D04A-42FA-A9EE-5AA860E33838}" type="slidenum">
               <a:rPr lang="pt-BR" smtClean="0"/>
               <a:pPr/>
-              <a:t>‹nº›</a:t>
+              <a:t>‹#›</a:t>
             </a:fld>
             <a:endParaRPr lang="pt-BR" dirty="0"/>
           </a:p>
@@ -2677,27 +3064,27 @@
     </p:spTree>
     <p:extLst>
       <p:ext uri="{BB962C8B-B14F-4D97-AF65-F5344CB8AC3E}">
-        <p14:creationId xmlns:p14="http://schemas.microsoft.com/office/powerpoint/2010/main" xmlns="" val="1875919414"/>
+        <p14:creationId xmlns:p14="http://schemas.microsoft.com/office/powerpoint/2010/main" val="4163536078"/>
       </p:ext>
     </p:extLst>
   </p:cSld>
   <p:clrMap bg1="lt1" tx1="dk1" bg2="lt2" tx2="dk2" accent1="accent1" accent2="accent2" accent3="accent3" accent4="accent4" accent5="accent5" accent6="accent6" hlink="hlink" folHlink="folHlink"/>
   <p:sldLayoutIdLst>
-    <p:sldLayoutId id="2147483661" r:id="rId1"/>
-    <p:sldLayoutId id="2147483662" r:id="rId2"/>
-    <p:sldLayoutId id="2147483663" r:id="rId3"/>
-    <p:sldLayoutId id="2147483664" r:id="rId4"/>
-    <p:sldLayoutId id="2147483665" r:id="rId5"/>
-    <p:sldLayoutId id="2147483666" r:id="rId6"/>
-    <p:sldLayoutId id="2147483667" r:id="rId7"/>
-    <p:sldLayoutId id="2147483668" r:id="rId8"/>
-    <p:sldLayoutId id="2147483669" r:id="rId9"/>
-    <p:sldLayoutId id="2147483670" r:id="rId10"/>
-    <p:sldLayoutId id="2147483671" r:id="rId11"/>
+    <p:sldLayoutId id="2147483714" r:id="rId1"/>
+    <p:sldLayoutId id="2147483715" r:id="rId2"/>
+    <p:sldLayoutId id="2147483716" r:id="rId3"/>
+    <p:sldLayoutId id="2147483717" r:id="rId4"/>
+    <p:sldLayoutId id="2147483718" r:id="rId5"/>
+    <p:sldLayoutId id="2147483719" r:id="rId6"/>
+    <p:sldLayoutId id="2147483720" r:id="rId7"/>
+    <p:sldLayoutId id="2147483721" r:id="rId8"/>
+    <p:sldLayoutId id="2147483722" r:id="rId9"/>
+    <p:sldLayoutId id="2147483723" r:id="rId10"/>
+    <p:sldLayoutId id="2147483724" r:id="rId11"/>
   </p:sldLayoutIdLst>
   <p:txStyles>
     <p:titleStyle>
-      <a:lvl1pPr algn="l" defTabSz="2880086" rtl="0" eaLnBrk="1" latinLnBrk="0" hangingPunct="1">
+      <a:lvl1pPr algn="l" defTabSz="2159996" rtl="0" eaLnBrk="1" latinLnBrk="0" hangingPunct="1">
         <a:lnSpc>
           <a:spcPct val="90000"/>
         </a:lnSpc>
@@ -2705,7 +3092,7 @@
           <a:spcPct val="0"/>
         </a:spcBef>
         <a:buNone/>
-        <a:defRPr sz="13859" kern="1200">
+        <a:defRPr sz="10394" kern="1200">
           <a:solidFill>
             <a:schemeClr val="tx1"/>
           </a:solidFill>
@@ -2716,16 +3103,16 @@
       </a:lvl1pPr>
     </p:titleStyle>
     <p:bodyStyle>
-      <a:lvl1pPr marL="720021" indent="-720021" algn="l" defTabSz="2880086" rtl="0" eaLnBrk="1" latinLnBrk="0" hangingPunct="1">
+      <a:lvl1pPr marL="539999" indent="-539999" algn="l" defTabSz="2159996" rtl="0" eaLnBrk="1" latinLnBrk="0" hangingPunct="1">
         <a:lnSpc>
           <a:spcPct val="90000"/>
         </a:lnSpc>
         <a:spcBef>
-          <a:spcPts val="3150"/>
+          <a:spcPts val="2362"/>
         </a:spcBef>
         <a:buFont typeface="Arial" panose="020B0604020202020204" pitchFamily="34" charset="0"/>
         <a:buChar char="•"/>
-        <a:defRPr sz="8819" kern="1200">
+        <a:defRPr sz="6614" kern="1200">
           <a:solidFill>
             <a:schemeClr val="tx1"/>
           </a:solidFill>
@@ -2734,48 +3121,12 @@
           <a:cs typeface="+mn-cs"/>
         </a:defRPr>
       </a:lvl1pPr>
-      <a:lvl2pPr marL="2160064" indent="-720021" algn="l" defTabSz="2880086" rtl="0" eaLnBrk="1" latinLnBrk="0" hangingPunct="1">
+      <a:lvl2pPr marL="1619997" indent="-539999" algn="l" defTabSz="2159996" rtl="0" eaLnBrk="1" latinLnBrk="0" hangingPunct="1">
         <a:lnSpc>
           <a:spcPct val="90000"/>
         </a:lnSpc>
         <a:spcBef>
-          <a:spcPts val="1575"/>
-        </a:spcBef>
-        <a:buFont typeface="Arial" panose="020B0604020202020204" pitchFamily="34" charset="0"/>
-        <a:buChar char="•"/>
-        <a:defRPr sz="7559" kern="1200">
-          <a:solidFill>
-            <a:schemeClr val="tx1"/>
-          </a:solidFill>
-          <a:latin typeface="+mn-lt"/>
-          <a:ea typeface="+mn-ea"/>
-          <a:cs typeface="+mn-cs"/>
-        </a:defRPr>
-      </a:lvl2pPr>
-      <a:lvl3pPr marL="3600107" indent="-720021" algn="l" defTabSz="2880086" rtl="0" eaLnBrk="1" latinLnBrk="0" hangingPunct="1">
-        <a:lnSpc>
-          <a:spcPct val="90000"/>
-        </a:lnSpc>
-        <a:spcBef>
-          <a:spcPts val="1575"/>
-        </a:spcBef>
-        <a:buFont typeface="Arial" panose="020B0604020202020204" pitchFamily="34" charset="0"/>
-        <a:buChar char="•"/>
-        <a:defRPr sz="6299" kern="1200">
-          <a:solidFill>
-            <a:schemeClr val="tx1"/>
-          </a:solidFill>
-          <a:latin typeface="+mn-lt"/>
-          <a:ea typeface="+mn-ea"/>
-          <a:cs typeface="+mn-cs"/>
-        </a:defRPr>
-      </a:lvl3pPr>
-      <a:lvl4pPr marL="5040150" indent="-720021" algn="l" defTabSz="2880086" rtl="0" eaLnBrk="1" latinLnBrk="0" hangingPunct="1">
-        <a:lnSpc>
-          <a:spcPct val="90000"/>
-        </a:lnSpc>
-        <a:spcBef>
-          <a:spcPts val="1575"/>
+          <a:spcPts val="1181"/>
         </a:spcBef>
         <a:buFont typeface="Arial" panose="020B0604020202020204" pitchFamily="34" charset="0"/>
         <a:buChar char="•"/>
@@ -2787,17 +3138,53 @@
           <a:ea typeface="+mn-ea"/>
           <a:cs typeface="+mn-cs"/>
         </a:defRPr>
-      </a:lvl4pPr>
-      <a:lvl5pPr marL="6480193" indent="-720021" algn="l" defTabSz="2880086" rtl="0" eaLnBrk="1" latinLnBrk="0" hangingPunct="1">
+      </a:lvl2pPr>
+      <a:lvl3pPr marL="2699995" indent="-539999" algn="l" defTabSz="2159996" rtl="0" eaLnBrk="1" latinLnBrk="0" hangingPunct="1">
         <a:lnSpc>
           <a:spcPct val="90000"/>
         </a:lnSpc>
         <a:spcBef>
-          <a:spcPts val="1575"/>
+          <a:spcPts val="1181"/>
         </a:spcBef>
         <a:buFont typeface="Arial" panose="020B0604020202020204" pitchFamily="34" charset="0"/>
         <a:buChar char="•"/>
-        <a:defRPr sz="5669" kern="1200">
+        <a:defRPr sz="4724" kern="1200">
+          <a:solidFill>
+            <a:schemeClr val="tx1"/>
+          </a:solidFill>
+          <a:latin typeface="+mn-lt"/>
+          <a:ea typeface="+mn-ea"/>
+          <a:cs typeface="+mn-cs"/>
+        </a:defRPr>
+      </a:lvl3pPr>
+      <a:lvl4pPr marL="3779992" indent="-539999" algn="l" defTabSz="2159996" rtl="0" eaLnBrk="1" latinLnBrk="0" hangingPunct="1">
+        <a:lnSpc>
+          <a:spcPct val="90000"/>
+        </a:lnSpc>
+        <a:spcBef>
+          <a:spcPts val="1181"/>
+        </a:spcBef>
+        <a:buFont typeface="Arial" panose="020B0604020202020204" pitchFamily="34" charset="0"/>
+        <a:buChar char="•"/>
+        <a:defRPr sz="4252" kern="1200">
+          <a:solidFill>
+            <a:schemeClr val="tx1"/>
+          </a:solidFill>
+          <a:latin typeface="+mn-lt"/>
+          <a:ea typeface="+mn-ea"/>
+          <a:cs typeface="+mn-cs"/>
+        </a:defRPr>
+      </a:lvl4pPr>
+      <a:lvl5pPr marL="4859990" indent="-539999" algn="l" defTabSz="2159996" rtl="0" eaLnBrk="1" latinLnBrk="0" hangingPunct="1">
+        <a:lnSpc>
+          <a:spcPct val="90000"/>
+        </a:lnSpc>
+        <a:spcBef>
+          <a:spcPts val="1181"/>
+        </a:spcBef>
+        <a:buFont typeface="Arial" panose="020B0604020202020204" pitchFamily="34" charset="0"/>
+        <a:buChar char="•"/>
+        <a:defRPr sz="4252" kern="1200">
           <a:solidFill>
             <a:schemeClr val="tx1"/>
           </a:solidFill>
@@ -2806,16 +3193,16 @@
           <a:cs typeface="+mn-cs"/>
         </a:defRPr>
       </a:lvl5pPr>
-      <a:lvl6pPr marL="7920236" indent="-720021" algn="l" defTabSz="2880086" rtl="0" eaLnBrk="1" latinLnBrk="0" hangingPunct="1">
+      <a:lvl6pPr marL="5939988" indent="-539999" algn="l" defTabSz="2159996" rtl="0" eaLnBrk="1" latinLnBrk="0" hangingPunct="1">
         <a:lnSpc>
           <a:spcPct val="90000"/>
         </a:lnSpc>
         <a:spcBef>
-          <a:spcPts val="1575"/>
+          <a:spcPts val="1181"/>
         </a:spcBef>
         <a:buFont typeface="Arial" panose="020B0604020202020204" pitchFamily="34" charset="0"/>
         <a:buChar char="•"/>
-        <a:defRPr sz="5669" kern="1200">
+        <a:defRPr sz="4252" kern="1200">
           <a:solidFill>
             <a:schemeClr val="tx1"/>
           </a:solidFill>
@@ -2824,16 +3211,16 @@
           <a:cs typeface="+mn-cs"/>
         </a:defRPr>
       </a:lvl6pPr>
-      <a:lvl7pPr marL="9360278" indent="-720021" algn="l" defTabSz="2880086" rtl="0" eaLnBrk="1" latinLnBrk="0" hangingPunct="1">
+      <a:lvl7pPr marL="7019986" indent="-539999" algn="l" defTabSz="2159996" rtl="0" eaLnBrk="1" latinLnBrk="0" hangingPunct="1">
         <a:lnSpc>
           <a:spcPct val="90000"/>
         </a:lnSpc>
         <a:spcBef>
-          <a:spcPts val="1575"/>
+          <a:spcPts val="1181"/>
         </a:spcBef>
         <a:buFont typeface="Arial" panose="020B0604020202020204" pitchFamily="34" charset="0"/>
         <a:buChar char="•"/>
-        <a:defRPr sz="5669" kern="1200">
+        <a:defRPr sz="4252" kern="1200">
           <a:solidFill>
             <a:schemeClr val="tx1"/>
           </a:solidFill>
@@ -2842,16 +3229,16 @@
           <a:cs typeface="+mn-cs"/>
         </a:defRPr>
       </a:lvl7pPr>
-      <a:lvl8pPr marL="10800321" indent="-720021" algn="l" defTabSz="2880086" rtl="0" eaLnBrk="1" latinLnBrk="0" hangingPunct="1">
+      <a:lvl8pPr marL="8099984" indent="-539999" algn="l" defTabSz="2159996" rtl="0" eaLnBrk="1" latinLnBrk="0" hangingPunct="1">
         <a:lnSpc>
           <a:spcPct val="90000"/>
         </a:lnSpc>
         <a:spcBef>
-          <a:spcPts val="1575"/>
+          <a:spcPts val="1181"/>
         </a:spcBef>
         <a:buFont typeface="Arial" panose="020B0604020202020204" pitchFamily="34" charset="0"/>
         <a:buChar char="•"/>
-        <a:defRPr sz="5669" kern="1200">
+        <a:defRPr sz="4252" kern="1200">
           <a:solidFill>
             <a:schemeClr val="tx1"/>
           </a:solidFill>
@@ -2860,16 +3247,16 @@
           <a:cs typeface="+mn-cs"/>
         </a:defRPr>
       </a:lvl8pPr>
-      <a:lvl9pPr marL="12240364" indent="-720021" algn="l" defTabSz="2880086" rtl="0" eaLnBrk="1" latinLnBrk="0" hangingPunct="1">
+      <a:lvl9pPr marL="9179982" indent="-539999" algn="l" defTabSz="2159996" rtl="0" eaLnBrk="1" latinLnBrk="0" hangingPunct="1">
         <a:lnSpc>
           <a:spcPct val="90000"/>
         </a:lnSpc>
         <a:spcBef>
-          <a:spcPts val="1575"/>
+          <a:spcPts val="1181"/>
         </a:spcBef>
         <a:buFont typeface="Arial" panose="020B0604020202020204" pitchFamily="34" charset="0"/>
         <a:buChar char="•"/>
-        <a:defRPr sz="5669" kern="1200">
+        <a:defRPr sz="4252" kern="1200">
           <a:solidFill>
             <a:schemeClr val="tx1"/>
           </a:solidFill>
@@ -2881,10 +3268,10 @@
     </p:bodyStyle>
     <p:otherStyle>
       <a:defPPr>
-        <a:defRPr lang="en-US"/>
+        <a:defRPr lang="pt-BR"/>
       </a:defPPr>
-      <a:lvl1pPr marL="0" algn="l" defTabSz="2880086" rtl="0" eaLnBrk="1" latinLnBrk="0" hangingPunct="1">
-        <a:defRPr sz="5669" kern="1200">
+      <a:lvl1pPr marL="0" algn="l" defTabSz="2159996" rtl="0" eaLnBrk="1" latinLnBrk="0" hangingPunct="1">
+        <a:defRPr sz="4252" kern="1200">
           <a:solidFill>
             <a:schemeClr val="tx1"/>
           </a:solidFill>
@@ -2893,8 +3280,8 @@
           <a:cs typeface="+mn-cs"/>
         </a:defRPr>
       </a:lvl1pPr>
-      <a:lvl2pPr marL="1440043" algn="l" defTabSz="2880086" rtl="0" eaLnBrk="1" latinLnBrk="0" hangingPunct="1">
-        <a:defRPr sz="5669" kern="1200">
+      <a:lvl2pPr marL="1079998" algn="l" defTabSz="2159996" rtl="0" eaLnBrk="1" latinLnBrk="0" hangingPunct="1">
+        <a:defRPr sz="4252" kern="1200">
           <a:solidFill>
             <a:schemeClr val="tx1"/>
           </a:solidFill>
@@ -2903,8 +3290,8 @@
           <a:cs typeface="+mn-cs"/>
         </a:defRPr>
       </a:lvl2pPr>
-      <a:lvl3pPr marL="2880086" algn="l" defTabSz="2880086" rtl="0" eaLnBrk="1" latinLnBrk="0" hangingPunct="1">
-        <a:defRPr sz="5669" kern="1200">
+      <a:lvl3pPr marL="2159996" algn="l" defTabSz="2159996" rtl="0" eaLnBrk="1" latinLnBrk="0" hangingPunct="1">
+        <a:defRPr sz="4252" kern="1200">
           <a:solidFill>
             <a:schemeClr val="tx1"/>
           </a:solidFill>
@@ -2913,8 +3300,8 @@
           <a:cs typeface="+mn-cs"/>
         </a:defRPr>
       </a:lvl3pPr>
-      <a:lvl4pPr marL="4320129" algn="l" defTabSz="2880086" rtl="0" eaLnBrk="1" latinLnBrk="0" hangingPunct="1">
-        <a:defRPr sz="5669" kern="1200">
+      <a:lvl4pPr marL="3239994" algn="l" defTabSz="2159996" rtl="0" eaLnBrk="1" latinLnBrk="0" hangingPunct="1">
+        <a:defRPr sz="4252" kern="1200">
           <a:solidFill>
             <a:schemeClr val="tx1"/>
           </a:solidFill>
@@ -2923,8 +3310,8 @@
           <a:cs typeface="+mn-cs"/>
         </a:defRPr>
       </a:lvl4pPr>
-      <a:lvl5pPr marL="5760171" algn="l" defTabSz="2880086" rtl="0" eaLnBrk="1" latinLnBrk="0" hangingPunct="1">
-        <a:defRPr sz="5669" kern="1200">
+      <a:lvl5pPr marL="4319991" algn="l" defTabSz="2159996" rtl="0" eaLnBrk="1" latinLnBrk="0" hangingPunct="1">
+        <a:defRPr sz="4252" kern="1200">
           <a:solidFill>
             <a:schemeClr val="tx1"/>
           </a:solidFill>
@@ -2933,8 +3320,8 @@
           <a:cs typeface="+mn-cs"/>
         </a:defRPr>
       </a:lvl5pPr>
-      <a:lvl6pPr marL="7200214" algn="l" defTabSz="2880086" rtl="0" eaLnBrk="1" latinLnBrk="0" hangingPunct="1">
-        <a:defRPr sz="5669" kern="1200">
+      <a:lvl6pPr marL="5399989" algn="l" defTabSz="2159996" rtl="0" eaLnBrk="1" latinLnBrk="0" hangingPunct="1">
+        <a:defRPr sz="4252" kern="1200">
           <a:solidFill>
             <a:schemeClr val="tx1"/>
           </a:solidFill>
@@ -2943,8 +3330,8 @@
           <a:cs typeface="+mn-cs"/>
         </a:defRPr>
       </a:lvl6pPr>
-      <a:lvl7pPr marL="8640257" algn="l" defTabSz="2880086" rtl="0" eaLnBrk="1" latinLnBrk="0" hangingPunct="1">
-        <a:defRPr sz="5669" kern="1200">
+      <a:lvl7pPr marL="6479987" algn="l" defTabSz="2159996" rtl="0" eaLnBrk="1" latinLnBrk="0" hangingPunct="1">
+        <a:defRPr sz="4252" kern="1200">
           <a:solidFill>
             <a:schemeClr val="tx1"/>
           </a:solidFill>
@@ -2953,8 +3340,8 @@
           <a:cs typeface="+mn-cs"/>
         </a:defRPr>
       </a:lvl7pPr>
-      <a:lvl8pPr marL="10080300" algn="l" defTabSz="2880086" rtl="0" eaLnBrk="1" latinLnBrk="0" hangingPunct="1">
-        <a:defRPr sz="5669" kern="1200">
+      <a:lvl8pPr marL="7559985" algn="l" defTabSz="2159996" rtl="0" eaLnBrk="1" latinLnBrk="0" hangingPunct="1">
+        <a:defRPr sz="4252" kern="1200">
           <a:solidFill>
             <a:schemeClr val="tx1"/>
           </a:solidFill>
@@ -2963,8 +3350,8 @@
           <a:cs typeface="+mn-cs"/>
         </a:defRPr>
       </a:lvl8pPr>
-      <a:lvl9pPr marL="11520343" algn="l" defTabSz="2880086" rtl="0" eaLnBrk="1" latinLnBrk="0" hangingPunct="1">
-        <a:defRPr sz="5669" kern="1200">
+      <a:lvl9pPr marL="8639983" algn="l" defTabSz="2159996" rtl="0" eaLnBrk="1" latinLnBrk="0" hangingPunct="1">
+        <a:defRPr sz="4252" kern="1200">
           <a:solidFill>
             <a:schemeClr val="tx1"/>
           </a:solidFill>
@@ -2981,6 +3368,41 @@
 <file path=ppt/slides/slide1.xml><?xml version="1.0" encoding="utf-8"?>
 <p:sld xmlns:a="http://schemas.openxmlformats.org/drawingml/2006/main" xmlns:r="http://schemas.openxmlformats.org/officeDocument/2006/relationships" xmlns:p="http://schemas.openxmlformats.org/presentationml/2006/main">
   <p:cSld>
+    <p:bg>
+      <p:bgPr>
+        <a:gradFill flip="none" rotWithShape="1">
+          <a:gsLst>
+            <a:gs pos="0">
+              <a:schemeClr val="accent6">
+                <a:lumMod val="5000"/>
+                <a:lumOff val="95000"/>
+              </a:schemeClr>
+            </a:gs>
+            <a:gs pos="100000">
+              <a:schemeClr val="accent6">
+                <a:lumMod val="45000"/>
+                <a:lumOff val="55000"/>
+              </a:schemeClr>
+            </a:gs>
+            <a:gs pos="83000">
+              <a:schemeClr val="accent6">
+                <a:lumMod val="45000"/>
+                <a:lumOff val="55000"/>
+              </a:schemeClr>
+            </a:gs>
+            <a:gs pos="100000">
+              <a:schemeClr val="accent6">
+                <a:lumMod val="30000"/>
+                <a:lumOff val="70000"/>
+              </a:schemeClr>
+            </a:gs>
+          </a:gsLst>
+          <a:lin ang="13500000" scaled="1"/>
+          <a:tileRect/>
+        </a:gradFill>
+        <a:effectLst/>
+      </p:bgPr>
+    </p:bg>
     <p:spTree>
       <p:nvGrpSpPr>
         <p:cNvPr id="1" name=""/>
@@ -3000,7 +3422,7 @@
           <p:cNvPr id="6" name="CaixaDeTexto 5">
             <a:extLst>
               <a:ext uri="{FF2B5EF4-FFF2-40B4-BE49-F238E27FC236}">
-                <a16:creationId xmlns:a16="http://schemas.microsoft.com/office/drawing/2014/main" xmlns="" id="{E4FDC00F-CB0A-4E40-9BAC-2435E107EE54}"/>
+                <a16:creationId xmlns:a16="http://schemas.microsoft.com/office/drawing/2014/main" id="{E4FDC00F-CB0A-4E40-9BAC-2435E107EE54}"/>
               </a:ext>
             </a:extLst>
           </p:cNvPr>
@@ -3009,8 +3431,8 @@
         </p:nvSpPr>
         <p:spPr>
           <a:xfrm flipH="1">
-            <a:off x="5127171" y="2767074"/>
-            <a:ext cx="21610399" cy="830997"/>
+            <a:off x="4793341" y="2353511"/>
+            <a:ext cx="21610399" cy="769441"/>
           </a:xfrm>
           <a:prstGeom prst="rect">
             <a:avLst/>
@@ -3025,13 +3447,13 @@
           <a:p>
             <a:pPr algn="ctr"/>
             <a:r>
-              <a:rPr lang="en-US" sz="4800" b="1" dirty="0">
+              <a:rPr lang="en-US" sz="4400" b="1" dirty="0">
                 <a:latin typeface="Arial" panose="020B0604020202020204" pitchFamily="34" charset="0"/>
                 <a:cs typeface="Arial" panose="020B0604020202020204" pitchFamily="34" charset="0"/>
               </a:rPr>
               <a:t>INSTITUTO DE CIÊNCIAS EXATAS E TECNOLOGIA - ICET</a:t>
             </a:r>
-            <a:endParaRPr lang="pt-BR" sz="4800" b="1" dirty="0">
+            <a:endParaRPr lang="pt-BR" sz="4400" b="1" dirty="0">
               <a:latin typeface="Arial" panose="020B0604020202020204" pitchFamily="34" charset="0"/>
               <a:cs typeface="Arial" panose="020B0604020202020204" pitchFamily="34" charset="0"/>
             </a:endParaRPr>
@@ -3043,7 +3465,7 @@
           <p:cNvPr id="5" name="CaixaDeTexto 4">
             <a:extLst>
               <a:ext uri="{FF2B5EF4-FFF2-40B4-BE49-F238E27FC236}">
-                <a16:creationId xmlns:a16="http://schemas.microsoft.com/office/drawing/2014/main" xmlns="" id="{24342DE3-F876-4899-AEB8-AC2183F03630}"/>
+                <a16:creationId xmlns:a16="http://schemas.microsoft.com/office/drawing/2014/main" id="{24342DE3-F876-4899-AEB8-AC2183F03630}"/>
               </a:ext>
             </a:extLst>
           </p:cNvPr>
@@ -3053,7 +3475,7 @@
         <p:spPr>
           <a:xfrm flipH="1">
             <a:off x="5127171" y="1440000"/>
-            <a:ext cx="20790054" cy="1200329"/>
+            <a:ext cx="20790054" cy="923330"/>
           </a:xfrm>
           <a:prstGeom prst="rect">
             <a:avLst/>
@@ -3068,13 +3490,13 @@
           <a:p>
             <a:pPr algn="ctr"/>
             <a:r>
-              <a:rPr lang="en-US" sz="7200" b="1" dirty="0">
+              <a:rPr lang="en-US" sz="5400" b="1" dirty="0">
                 <a:latin typeface="Arial" panose="020B0604020202020204" pitchFamily="34" charset="0"/>
                 <a:cs typeface="Arial" panose="020B0604020202020204" pitchFamily="34" charset="0"/>
               </a:rPr>
               <a:t>UNIVERSIDADE PAULISTA - UNIP</a:t>
             </a:r>
-            <a:endParaRPr lang="pt-BR" sz="7200" b="1" dirty="0">
+            <a:endParaRPr lang="pt-BR" sz="5400" b="1" dirty="0">
               <a:latin typeface="Arial" panose="020B0604020202020204" pitchFamily="34" charset="0"/>
               <a:cs typeface="Arial" panose="020B0604020202020204" pitchFamily="34" charset="0"/>
             </a:endParaRPr>
@@ -3086,7 +3508,7 @@
           <p:cNvPr id="7" name="CaixaDeTexto 6">
             <a:extLst>
               <a:ext uri="{FF2B5EF4-FFF2-40B4-BE49-F238E27FC236}">
-                <a16:creationId xmlns:a16="http://schemas.microsoft.com/office/drawing/2014/main" xmlns="" id="{ED9EC18C-253D-4BB5-96AF-8AF2E05112D8}"/>
+                <a16:creationId xmlns:a16="http://schemas.microsoft.com/office/drawing/2014/main" id="{ED9EC18C-253D-4BB5-96AF-8AF2E05112D8}"/>
               </a:ext>
             </a:extLst>
           </p:cNvPr>
@@ -3095,8 +3517,8 @@
         </p:nvSpPr>
         <p:spPr>
           <a:xfrm flipH="1">
-            <a:off x="2133600" y="3815170"/>
-            <a:ext cx="25226812" cy="830997"/>
+            <a:off x="2133598" y="3227599"/>
+            <a:ext cx="25226812" cy="769441"/>
           </a:xfrm>
           <a:prstGeom prst="rect">
             <a:avLst/>
@@ -3111,13 +3533,13 @@
           <a:p>
             <a:pPr algn="ctr"/>
             <a:r>
-              <a:rPr lang="en-US" sz="4800" b="1" dirty="0">
+              <a:rPr lang="en-US" sz="4400" b="1" dirty="0">
                 <a:latin typeface="Arial" panose="020B0604020202020204" pitchFamily="34" charset="0"/>
                 <a:cs typeface="Arial" panose="020B0604020202020204" pitchFamily="34" charset="0"/>
               </a:rPr>
-              <a:t>CURSO: CST ANALISE E DES. SISTEMAS CAMPUS: SOROCABA-SP</a:t>
-            </a:r>
-            <a:endParaRPr lang="pt-BR" sz="4800" b="1" dirty="0">
+              <a:t>CST ANALISE E DES. SISTEMAS					SOROCABA-SP</a:t>
+            </a:r>
+            <a:endParaRPr lang="pt-BR" sz="4400" b="1" dirty="0">
               <a:latin typeface="Arial" panose="020B0604020202020204" pitchFamily="34" charset="0"/>
               <a:cs typeface="Arial" panose="020B0604020202020204" pitchFamily="34" charset="0"/>
             </a:endParaRPr>
@@ -3129,7 +3551,7 @@
           <p:cNvPr id="9" name="CaixaDeTexto 8">
             <a:extLst>
               <a:ext uri="{FF2B5EF4-FFF2-40B4-BE49-F238E27FC236}">
-                <a16:creationId xmlns:a16="http://schemas.microsoft.com/office/drawing/2014/main" xmlns="" id="{2E8B6AA5-232B-450B-A6DE-AA0388715C00}"/>
+                <a16:creationId xmlns:a16="http://schemas.microsoft.com/office/drawing/2014/main" id="{2E8B6AA5-232B-450B-A6DE-AA0388715C00}"/>
               </a:ext>
             </a:extLst>
           </p:cNvPr>
@@ -3138,8 +3560,8 @@
         </p:nvSpPr>
         <p:spPr>
           <a:xfrm flipH="1">
-            <a:off x="2133600" y="4749877"/>
-            <a:ext cx="25226812" cy="1200329"/>
+            <a:off x="2082237" y="4423216"/>
+            <a:ext cx="25226812" cy="1477328"/>
           </a:xfrm>
           <a:prstGeom prst="rect">
             <a:avLst/>
@@ -3154,33 +3576,22 @@
           <a:p>
             <a:pPr algn="ctr"/>
             <a:r>
-              <a:rPr lang="pt-BR" sz="3600" b="1" dirty="0" smtClean="0">
+              <a:rPr lang="pt-BR" sz="5400" b="1" dirty="0">
                 <a:latin typeface="Arial" panose="020B0604020202020204" pitchFamily="34" charset="0"/>
                 <a:cs typeface="Arial" panose="020B0604020202020204" pitchFamily="34" charset="0"/>
               </a:rPr>
-              <a:t>SISTEMA </a:t>
-            </a:r>
-            <a:r>
-              <a:rPr lang="pt-BR" sz="3600" b="1" dirty="0" smtClean="0">
-                <a:latin typeface="Arial" panose="020B0604020202020204" pitchFamily="34" charset="0"/>
-                <a:cs typeface="Arial" panose="020B0604020202020204" pitchFamily="34" charset="0"/>
-              </a:rPr>
-              <a:t>PONTO DE VENDA – LOJA IMPERADOR</a:t>
+              <a:t>Sistema Ponto De Venda – Loja Imperador</a:t>
             </a:r>
           </a:p>
           <a:p>
             <a:pPr algn="ctr"/>
             <a:r>
-              <a:rPr lang="en-US" sz="3600" b="1" dirty="0" smtClean="0">
+              <a:rPr lang="en-US" sz="3600" b="1" dirty="0">
                 <a:latin typeface="Arial" panose="020B0604020202020204" pitchFamily="34" charset="0"/>
                 <a:cs typeface="Arial" panose="020B0604020202020204" pitchFamily="34" charset="0"/>
               </a:rPr>
               <a:t> </a:t>
             </a:r>
-            <a:endParaRPr lang="en-US" sz="3600" b="1" dirty="0">
-              <a:latin typeface="Arial" panose="020B0604020202020204" pitchFamily="34" charset="0"/>
-              <a:cs typeface="Arial" panose="020B0604020202020204" pitchFamily="34" charset="0"/>
-            </a:endParaRPr>
           </a:p>
         </p:txBody>
       </p:sp>
@@ -3189,7 +3600,7 @@
           <p:cNvPr id="10" name="CaixaDeTexto 9">
             <a:extLst>
               <a:ext uri="{FF2B5EF4-FFF2-40B4-BE49-F238E27FC236}">
-                <a16:creationId xmlns:a16="http://schemas.microsoft.com/office/drawing/2014/main" xmlns="" id="{261FF7AA-7E3F-45F8-92A2-7A6D39FFDDC1}"/>
+                <a16:creationId xmlns:a16="http://schemas.microsoft.com/office/drawing/2014/main" id="{261FF7AA-7E3F-45F8-92A2-7A6D39FFDDC1}"/>
               </a:ext>
             </a:extLst>
           </p:cNvPr>
@@ -3198,7 +3609,7 @@
         </p:nvSpPr>
         <p:spPr>
           <a:xfrm flipH="1">
-            <a:off x="0" y="5396208"/>
+            <a:off x="19967" y="5512074"/>
             <a:ext cx="28803600" cy="5693866"/>
           </a:xfrm>
           <a:prstGeom prst="rect">
@@ -3222,7 +3633,7 @@
                 <a:latin typeface="Arial" panose="020B0604020202020204" pitchFamily="34" charset="0"/>
                 <a:cs typeface="Arial" panose="020B0604020202020204" pitchFamily="34" charset="0"/>
               </a:rPr>
-              <a:t>LUCAS EVANGELISTA DA SILVA RA: D6156A0</a:t>
+              <a:t>Lucas Evangelista Da Silva - D6156A0</a:t>
             </a:r>
           </a:p>
           <a:p>
@@ -3236,19 +3647,8 @@
                 <a:latin typeface="Arial" panose="020B0604020202020204" pitchFamily="34" charset="0"/>
                 <a:cs typeface="Arial" panose="020B0604020202020204" pitchFamily="34" charset="0"/>
               </a:rPr>
-              <a:t>NELSON JOSE BARNABE RA: </a:t>
-            </a:r>
-            <a:r>
-              <a:rPr lang="en-US" sz="3600" b="1" dirty="0" smtClean="0">
-                <a:latin typeface="Arial" panose="020B0604020202020204" pitchFamily="34" charset="0"/>
-                <a:cs typeface="Arial" panose="020B0604020202020204" pitchFamily="34" charset="0"/>
-              </a:rPr>
-              <a:t>D823DB1</a:t>
-            </a:r>
-            <a:endParaRPr lang="en-US" sz="3600" b="1" dirty="0">
-              <a:latin typeface="Arial" panose="020B0604020202020204" pitchFamily="34" charset="0"/>
-              <a:cs typeface="Arial" panose="020B0604020202020204" pitchFamily="34" charset="0"/>
-            </a:endParaRPr>
+              <a:t>Nelson José Barnabé Júnior - D823DB1</a:t>
+            </a:r>
           </a:p>
           <a:p>
             <a:pPr algn="ctr">
@@ -3257,11 +3657,18 @@
               </a:lnSpc>
             </a:pPr>
             <a:r>
+              <a:rPr lang="en-US" sz="3600" b="1" dirty="0" err="1">
+                <a:latin typeface="Arial" panose="020B0604020202020204" pitchFamily="34" charset="0"/>
+                <a:cs typeface="Arial" panose="020B0604020202020204" pitchFamily="34" charset="0"/>
+              </a:rPr>
+              <a:t>Nilton</a:t>
+            </a:r>
+            <a:r>
               <a:rPr lang="en-US" sz="3600" b="1" dirty="0">
                 <a:latin typeface="Arial" panose="020B0604020202020204" pitchFamily="34" charset="0"/>
                 <a:cs typeface="Arial" panose="020B0604020202020204" pitchFamily="34" charset="0"/>
               </a:rPr>
-              <a:t>NILTON MUNIZ RA: D695169</a:t>
+              <a:t> Muniz Júnior - D695169</a:t>
             </a:r>
           </a:p>
           <a:p>
@@ -3275,48 +3682,30 @@
                 <a:latin typeface="Arial" panose="020B0604020202020204" pitchFamily="34" charset="0"/>
                 <a:cs typeface="Arial" panose="020B0604020202020204" pitchFamily="34" charset="0"/>
               </a:rPr>
-              <a:t>	TIAGO NUNES RA: </a:t>
-            </a:r>
-            <a:r>
-              <a:rPr lang="en-US" sz="3600" b="1" dirty="0" smtClean="0">
+              <a:t>	Tiago Nunes Teixeira - D700570</a:t>
+            </a:r>
+            <a:endParaRPr lang="pt-BR" sz="3600" dirty="0"/>
+          </a:p>
+          <a:p>
+            <a:pPr algn="ctr"/>
+            <a:r>
+              <a:rPr lang="pt-BR" sz="3600" dirty="0"/>
+              <a:t> </a:t>
+            </a:r>
+            <a:r>
+              <a:rPr lang="en-US" sz="3600" b="1" dirty="0">
                 <a:latin typeface="Arial" panose="020B0604020202020204" pitchFamily="34" charset="0"/>
                 <a:cs typeface="Arial" panose="020B0604020202020204" pitchFamily="34" charset="0"/>
               </a:rPr>
-              <a:t>D700570</a:t>
-            </a:r>
-            <a:endParaRPr lang="pt-BR" sz="3600" dirty="0" smtClean="0"/>
-          </a:p>
-          <a:p>
-            <a:pPr algn="ctr"/>
-            <a:r>
-              <a:rPr lang="pt-BR" sz="3600" dirty="0" smtClean="0"/>
-              <a:t> </a:t>
-            </a:r>
-            <a:r>
-              <a:rPr lang="en-US" sz="3600" b="1" dirty="0" smtClean="0">
-                <a:latin typeface="Arial" panose="020B0604020202020204" pitchFamily="34" charset="0"/>
-                <a:cs typeface="Arial" panose="020B0604020202020204" pitchFamily="34" charset="0"/>
-              </a:rPr>
-              <a:t>PROF. EP.  RICHARDSON KENNEDY LUZ </a:t>
-            </a:r>
-            <a:r>
-              <a:rPr lang="pt-BR" sz="3600" b="1" dirty="0" smtClean="0">
+              <a:t>Prof. Ep.  Richardson Kennedy Luz </a:t>
+            </a:r>
+            <a:r>
+              <a:rPr lang="pt-BR" sz="3600" b="1" dirty="0">
                 <a:latin typeface="Arial" pitchFamily="34" charset="0"/>
                 <a:cs typeface="Arial" pitchFamily="34" charset="0"/>
               </a:rPr>
               <a:t>	</a:t>
             </a:r>
-          </a:p>
-          <a:p>
-            <a:pPr algn="ctr">
-              <a:lnSpc>
-                <a:spcPct val="150000"/>
-              </a:lnSpc>
-            </a:pPr>
-            <a:endParaRPr lang="en-US" sz="3600" b="1" dirty="0" smtClean="0">
-              <a:latin typeface="Arial" panose="020B0604020202020204" pitchFamily="34" charset="0"/>
-              <a:cs typeface="Arial" panose="020B0604020202020204" pitchFamily="34" charset="0"/>
-            </a:endParaRPr>
           </a:p>
           <a:p>
             <a:pPr algn="ctr">
@@ -3329,180 +3718,17 @@
               <a:cs typeface="Arial" panose="020B0604020202020204" pitchFamily="34" charset="0"/>
             </a:endParaRPr>
           </a:p>
-        </p:txBody>
-      </p:sp>
-      <p:sp>
-        <p:nvSpPr>
-          <p:cNvPr id="27" name="CaixaDeTexto 26">
-            <a:extLst>
-              <a:ext uri="{FF2B5EF4-FFF2-40B4-BE49-F238E27FC236}">
-                <a16:creationId xmlns:a16="http://schemas.microsoft.com/office/drawing/2014/main" xmlns="" id="{41B5DC57-728E-4850-A2E0-C38173DA0748}"/>
-              </a:ext>
-            </a:extLst>
-          </p:cNvPr>
-          <p:cNvSpPr txBox="1"/>
-          <p:nvPr/>
-        </p:nvSpPr>
-        <p:spPr>
-          <a:xfrm>
-            <a:off x="1483124" y="33300869"/>
-            <a:ext cx="25877286" cy="2092881"/>
-          </a:xfrm>
-          <a:prstGeom prst="rect">
-            <a:avLst/>
-          </a:prstGeom>
-          <a:noFill/>
-        </p:spPr>
-        <p:txBody>
-          <a:bodyPr wrap="square" rtlCol="0">
-            <a:spAutoFit/>
-          </a:bodyPr>
-          <a:lstStyle/>
-          <a:p>
-            <a:pPr algn="ctr"/>
-            <a:r>
-              <a:rPr lang="en-US" sz="1400" b="1" dirty="0">
-                <a:latin typeface="Arial" panose="020B0604020202020204" pitchFamily="34" charset="0"/>
-                <a:cs typeface="Arial" panose="020B0604020202020204" pitchFamily="34" charset="0"/>
-              </a:rPr>
-              <a:t>ORIENTADORES :</a:t>
-            </a:r>
-          </a:p>
-          <a:p>
-            <a:pPr algn="ctr"/>
-            <a:r>
-              <a:rPr lang="pt-BR" sz="1400" b="1" dirty="0" smtClean="0">
-                <a:latin typeface="Arial" panose="020B0604020202020204" pitchFamily="34" charset="0"/>
-                <a:cs typeface="Arial" panose="020B0604020202020204" pitchFamily="34" charset="0"/>
-              </a:rPr>
-              <a:t>Prof. Esp. Eduardo Martins </a:t>
-            </a:r>
-            <a:r>
-              <a:rPr lang="pt-BR" sz="1400" b="1" dirty="0" err="1" smtClean="0">
-                <a:latin typeface="Arial" panose="020B0604020202020204" pitchFamily="34" charset="0"/>
-                <a:cs typeface="Arial" panose="020B0604020202020204" pitchFamily="34" charset="0"/>
-              </a:rPr>
-              <a:t>Simi</a:t>
-            </a:r>
-            <a:endParaRPr lang="pt-BR" sz="1400" b="1" dirty="0" smtClean="0">
+          <a:p>
+            <a:pPr algn="ctr">
+              <a:lnSpc>
+                <a:spcPct val="150000"/>
+              </a:lnSpc>
+            </a:pPr>
+            <a:endParaRPr lang="en-US" sz="3600" b="1" dirty="0">
               <a:latin typeface="Arial" panose="020B0604020202020204" pitchFamily="34" charset="0"/>
               <a:cs typeface="Arial" panose="020B0604020202020204" pitchFamily="34" charset="0"/>
             </a:endParaRPr>
           </a:p>
-          <a:p>
-            <a:pPr algn="ctr"/>
-            <a:r>
-              <a:rPr lang="en-US" sz="1400" b="1" dirty="0" smtClean="0">
-                <a:latin typeface="Arial" panose="020B0604020202020204" pitchFamily="34" charset="0"/>
-                <a:cs typeface="Arial" panose="020B0604020202020204" pitchFamily="34" charset="0"/>
-              </a:rPr>
-              <a:t>Prof. Dr. </a:t>
-            </a:r>
-            <a:r>
-              <a:rPr lang="en-US" sz="1400" b="1" dirty="0" err="1" smtClean="0">
-                <a:latin typeface="Arial" panose="020B0604020202020204" pitchFamily="34" charset="0"/>
-                <a:cs typeface="Arial" panose="020B0604020202020204" pitchFamily="34" charset="0"/>
-              </a:rPr>
-              <a:t>Irapuan</a:t>
-            </a:r>
-            <a:r>
-              <a:rPr lang="en-US" sz="1400" b="1" dirty="0" smtClean="0">
-                <a:latin typeface="Arial" panose="020B0604020202020204" pitchFamily="34" charset="0"/>
-                <a:cs typeface="Arial" panose="020B0604020202020204" pitchFamily="34" charset="0"/>
-              </a:rPr>
-              <a:t> Gloria Junior</a:t>
-            </a:r>
-          </a:p>
-          <a:p>
-            <a:pPr algn="ctr"/>
-            <a:r>
-              <a:rPr lang="en-US" sz="1400" b="1" dirty="0" smtClean="0">
-                <a:latin typeface="Arial" panose="020B0604020202020204" pitchFamily="34" charset="0"/>
-                <a:cs typeface="Arial" panose="020B0604020202020204" pitchFamily="34" charset="0"/>
-              </a:rPr>
-              <a:t>Prof. Me. Ricardo Martins</a:t>
-            </a:r>
-          </a:p>
-          <a:p>
-            <a:pPr algn="ctr"/>
-            <a:r>
-              <a:rPr lang="en-US" sz="1400" b="1" dirty="0" smtClean="0">
-                <a:latin typeface="Arial" panose="020B0604020202020204" pitchFamily="34" charset="0"/>
-                <a:cs typeface="Arial" panose="020B0604020202020204" pitchFamily="34" charset="0"/>
-              </a:rPr>
-              <a:t>Prof. Esp. </a:t>
-            </a:r>
-            <a:r>
-              <a:rPr lang="en-US" sz="1400" b="1" dirty="0" err="1" smtClean="0">
-                <a:latin typeface="Arial" panose="020B0604020202020204" pitchFamily="34" charset="0"/>
-                <a:cs typeface="Arial" panose="020B0604020202020204" pitchFamily="34" charset="0"/>
-              </a:rPr>
-              <a:t>Reverdan</a:t>
-            </a:r>
-            <a:r>
-              <a:rPr lang="en-US" sz="1400" b="1" dirty="0" smtClean="0">
-                <a:latin typeface="Arial" panose="020B0604020202020204" pitchFamily="34" charset="0"/>
-                <a:cs typeface="Arial" panose="020B0604020202020204" pitchFamily="34" charset="0"/>
-              </a:rPr>
-              <a:t> Almeida </a:t>
-            </a:r>
-            <a:r>
-              <a:rPr lang="en-US" sz="1400" b="1" dirty="0" err="1" smtClean="0">
-                <a:latin typeface="Arial" panose="020B0604020202020204" pitchFamily="34" charset="0"/>
-                <a:cs typeface="Arial" panose="020B0604020202020204" pitchFamily="34" charset="0"/>
-              </a:rPr>
-              <a:t>Sparinger</a:t>
-            </a:r>
-            <a:endParaRPr lang="en-US" sz="1400" b="1" dirty="0" smtClean="0">
-              <a:latin typeface="Arial" panose="020B0604020202020204" pitchFamily="34" charset="0"/>
-              <a:cs typeface="Arial" panose="020B0604020202020204" pitchFamily="34" charset="0"/>
-            </a:endParaRPr>
-          </a:p>
-          <a:p>
-            <a:pPr algn="ctr"/>
-            <a:endParaRPr lang="en-US" sz="1400" b="1" dirty="0">
-              <a:latin typeface="Arial" panose="020B0604020202020204" pitchFamily="34" charset="0"/>
-              <a:cs typeface="Arial" panose="020B0604020202020204" pitchFamily="34" charset="0"/>
-            </a:endParaRPr>
-          </a:p>
-          <a:p>
-            <a:pPr algn="ctr"/>
-            <a:r>
-              <a:rPr lang="en-US" sz="1400" b="1" dirty="0">
-                <a:latin typeface="Arial" panose="020B0604020202020204" pitchFamily="34" charset="0"/>
-                <a:cs typeface="Arial" panose="020B0604020202020204" pitchFamily="34" charset="0"/>
-              </a:rPr>
-              <a:t>COORDENADOR DO CURSO: Prof. Ep. Richardson Kennedy Luz </a:t>
-            </a:r>
-          </a:p>
-          <a:p>
-            <a:pPr algn="ctr"/>
-            <a:endParaRPr lang="en-US" sz="1400" b="1" dirty="0">
-              <a:latin typeface="Arial" panose="020B0604020202020204" pitchFamily="34" charset="0"/>
-              <a:cs typeface="Arial" panose="020B0604020202020204" pitchFamily="34" charset="0"/>
-            </a:endParaRPr>
-          </a:p>
-          <a:p>
-            <a:pPr algn="ctr"/>
-            <a:r>
-              <a:rPr lang="en-US" sz="1400" b="1" dirty="0">
-                <a:latin typeface="Arial" panose="020B0604020202020204" pitchFamily="34" charset="0"/>
-                <a:cs typeface="Arial" panose="020B0604020202020204" pitchFamily="34" charset="0"/>
-              </a:rPr>
-              <a:t>ANO/SEMESTRE – </a:t>
-            </a:r>
-            <a:r>
-              <a:rPr lang="en-US" sz="1400" b="1" dirty="0" smtClean="0">
-                <a:latin typeface="Arial" panose="020B0604020202020204" pitchFamily="34" charset="0"/>
-                <a:cs typeface="Arial" panose="020B0604020202020204" pitchFamily="34" charset="0"/>
-              </a:rPr>
-              <a:t>2019/3</a:t>
-            </a:r>
-            <a:endParaRPr lang="pt-BR" sz="1400" b="1" dirty="0">
-              <a:latin typeface="Arial" panose="020B0604020202020204" pitchFamily="34" charset="0"/>
-              <a:cs typeface="Arial" panose="020B0604020202020204" pitchFamily="34" charset="0"/>
-            </a:endParaRPr>
-          </a:p>
         </p:txBody>
       </p:sp>
       <p:sp>
@@ -3510,7 +3736,7 @@
           <p:cNvPr id="35" name="CaixaDeTexto 34">
             <a:extLst>
               <a:ext uri="{FF2B5EF4-FFF2-40B4-BE49-F238E27FC236}">
-                <a16:creationId xmlns:a16="http://schemas.microsoft.com/office/drawing/2014/main" xmlns="" id="{E38A30C2-F202-4E40-8DCA-04D4D7C8C481}"/>
+                <a16:creationId xmlns:a16="http://schemas.microsoft.com/office/drawing/2014/main" id="{E38A30C2-F202-4E40-8DCA-04D4D7C8C481}"/>
               </a:ext>
             </a:extLst>
           </p:cNvPr>
@@ -3519,7 +3745,7 @@
         </p:nvSpPr>
         <p:spPr>
           <a:xfrm>
-            <a:off x="1508466" y="9300670"/>
+            <a:off x="1533866" y="9629186"/>
             <a:ext cx="12240000" cy="8316700"/>
           </a:xfrm>
           <a:prstGeom prst="rect">
@@ -3539,67 +3765,11 @@
               </a:lnSpc>
             </a:pPr>
             <a:r>
-              <a:rPr lang="pt-BR" sz="3000" dirty="0" smtClean="0">
+              <a:rPr lang="pt-BR" sz="3000" dirty="0">
                 <a:latin typeface="Arial" panose="020B0604020202020204" pitchFamily="34" charset="0"/>
                 <a:cs typeface="Arial" panose="020B0604020202020204" pitchFamily="34" charset="0"/>
               </a:rPr>
-              <a:t>O </a:t>
-            </a:r>
-            <a:r>
-              <a:rPr lang="pt-BR" sz="3000" dirty="0" smtClean="0">
-                <a:latin typeface="Arial" panose="020B0604020202020204" pitchFamily="34" charset="0"/>
-                <a:cs typeface="Arial" panose="020B0604020202020204" pitchFamily="34" charset="0"/>
-              </a:rPr>
-              <a:t>tema deste trabalho busca desenvolver um sistema direcionado ao ponto de venda de uma loja de materiais de construção, denominada Loja Imperador. Atualmente todos os procedimentos realizados pela loja são feitos de forma manual sem o auxílio de um software computacional que permita o gerenciamento dessas atividades, resultando na falta de segurança e organização. Todas as pesquisas e bases transcritas neste projeto foram com apoio e necessidades da loja, identificadas pelo levantamento de requisitos</a:t>
-            </a:r>
-            <a:r>
-              <a:rPr lang="pt-BR" sz="3000" dirty="0" smtClean="0">
-                <a:latin typeface="Arial" panose="020B0604020202020204" pitchFamily="34" charset="0"/>
-                <a:cs typeface="Arial" panose="020B0604020202020204" pitchFamily="34" charset="0"/>
-              </a:rPr>
-              <a:t>. Neste </a:t>
-            </a:r>
-            <a:r>
-              <a:rPr lang="pt-BR" sz="3000" dirty="0" smtClean="0">
-                <a:latin typeface="Arial" panose="020B0604020202020204" pitchFamily="34" charset="0"/>
-                <a:cs typeface="Arial" panose="020B0604020202020204" pitchFamily="34" charset="0"/>
-              </a:rPr>
-              <a:t>cenário o projeto busca </a:t>
-            </a:r>
-            <a:r>
-              <a:rPr lang="pt-BR" sz="3000" dirty="0" smtClean="0">
-                <a:latin typeface="Arial" panose="020B0604020202020204" pitchFamily="34" charset="0"/>
-                <a:cs typeface="Arial" panose="020B0604020202020204" pitchFamily="34" charset="0"/>
-              </a:rPr>
-              <a:t>automatizar todo </a:t>
-            </a:r>
-            <a:r>
-              <a:rPr lang="pt-BR" sz="3000" dirty="0" smtClean="0">
-                <a:latin typeface="Arial" panose="020B0604020202020204" pitchFamily="34" charset="0"/>
-                <a:cs typeface="Arial" panose="020B0604020202020204" pitchFamily="34" charset="0"/>
-              </a:rPr>
-              <a:t>o processo de entrada de produtos no estoque, as vendas e compras realizadas, além dos cadastros dos clientes, fornecedores, </a:t>
-            </a:r>
-            <a:r>
-              <a:rPr lang="pt-BR" sz="3000" dirty="0" smtClean="0">
-                <a:latin typeface="Arial" panose="020B0604020202020204" pitchFamily="34" charset="0"/>
-                <a:cs typeface="Arial" panose="020B0604020202020204" pitchFamily="34" charset="0"/>
-              </a:rPr>
-              <a:t>produto se </a:t>
-            </a:r>
-            <a:r>
-              <a:rPr lang="pt-BR" sz="3000" dirty="0" smtClean="0">
-                <a:latin typeface="Arial" panose="020B0604020202020204" pitchFamily="34" charset="0"/>
-                <a:cs typeface="Arial" panose="020B0604020202020204" pitchFamily="34" charset="0"/>
-              </a:rPr>
-              <a:t>fabricantes, possibilitando a gestão plena do ponto de venda da loja</a:t>
-            </a:r>
-            <a:r>
-              <a:rPr lang="pt-BR" sz="3000" dirty="0" smtClean="0">
-                <a:latin typeface="Arial" panose="020B0604020202020204" pitchFamily="34" charset="0"/>
-                <a:cs typeface="Arial" panose="020B0604020202020204" pitchFamily="34" charset="0"/>
-              </a:rPr>
-              <a:t>.</a:t>
+              <a:t>O tema deste trabalho busca desenvolver um sistema direcionado ao ponto de venda de uma loja de materiais de construção, denominada Loja Imperador. Atualmente todos os procedimentos realizados pela loja são feitos de forma manual sem o auxílio de um software computacional que permita o gerenciamento dessas atividades, resultando na falta de segurança e organização. Todas as pesquisas e bases transcritas neste projeto foram com apoio e necessidades da loja, identificadas pelo levantamento de requisitos. Neste cenário o projeto busca automatizar todo o processo de entrada de produtos no estoque, as vendas e compras realizadas, além dos cadastros dos clientes, fornecedores, produto se fabricantes, possibilitando a gestão plena do ponto de venda da loja.</a:t>
             </a:r>
           </a:p>
         </p:txBody>
@@ -3609,7 +3779,7 @@
           <p:cNvPr id="36" name="CaixaDeTexto 35">
             <a:extLst>
               <a:ext uri="{FF2B5EF4-FFF2-40B4-BE49-F238E27FC236}">
-                <a16:creationId xmlns:a16="http://schemas.microsoft.com/office/drawing/2014/main" xmlns="" id="{9C18FE06-FC79-4448-80E4-AB63E75A1C02}"/>
+                <a16:creationId xmlns:a16="http://schemas.microsoft.com/office/drawing/2014/main" id="{9C18FE06-FC79-4448-80E4-AB63E75A1C02}"/>
               </a:ext>
             </a:extLst>
           </p:cNvPr>
@@ -3618,8 +3788,8 @@
         </p:nvSpPr>
         <p:spPr>
           <a:xfrm>
-            <a:off x="15212981" y="9272468"/>
-            <a:ext cx="12240000" cy="5632311"/>
+            <a:off x="15137350" y="9792953"/>
+            <a:ext cx="12240000" cy="4854214"/>
           </a:xfrm>
           <a:prstGeom prst="rect">
             <a:avLst/>
@@ -3638,37 +3808,12 @@
               </a:lnSpc>
             </a:pPr>
             <a:r>
-              <a:rPr lang="pt-BR" sz="3000" dirty="0" smtClean="0">
+              <a:rPr lang="pt-BR" sz="3000" dirty="0">
                 <a:latin typeface="Arial" panose="020B0604020202020204" pitchFamily="34" charset="0"/>
                 <a:cs typeface="Arial" panose="020B0604020202020204" pitchFamily="34" charset="0"/>
               </a:rPr>
-              <a:t>A Loja Imperador encontra-se com processos precários em relação ao fluxo de informações, em sua maior parte sem nenhum tipo de controle, totalmente manual. Um exemplo disto é que sem o sistema seria impossível contabilizar as entradas e saídas de produtos em um ano. Com base nisso, foi possível desenvolver um </a:t>
-            </a:r>
-            <a:r>
-              <a:rPr lang="pt-BR" sz="3000" dirty="0" smtClean="0">
-                <a:latin typeface="Arial" panose="020B0604020202020204" pitchFamily="34" charset="0"/>
-                <a:cs typeface="Arial" panose="020B0604020202020204" pitchFamily="34" charset="0"/>
-              </a:rPr>
-              <a:t>projeto piloto como protótipo </a:t>
-            </a:r>
-            <a:r>
-              <a:rPr lang="pt-BR" sz="3000" dirty="0" smtClean="0">
-                <a:latin typeface="Arial" panose="020B0604020202020204" pitchFamily="34" charset="0"/>
-                <a:cs typeface="Arial" panose="020B0604020202020204" pitchFamily="34" charset="0"/>
-              </a:rPr>
-              <a:t>de um sistema de </a:t>
-            </a:r>
-            <a:r>
-              <a:rPr lang="pt-BR" sz="3000" dirty="0" smtClean="0">
-                <a:latin typeface="Arial" panose="020B0604020202020204" pitchFamily="34" charset="0"/>
-                <a:cs typeface="Arial" panose="020B0604020202020204" pitchFamily="34" charset="0"/>
-              </a:rPr>
-              <a:t>ponto de venda para futura implantação na plataforma da loja para suprir a necessidade e substituindo a forma manual pelo sistema desenvolvido  . </a:t>
-            </a:r>
-            <a:endParaRPr lang="pt-BR" sz="3000" dirty="0">
-              <a:latin typeface="Arial" panose="020B0604020202020204" pitchFamily="34" charset="0"/>
-              <a:cs typeface="Arial" panose="020B0604020202020204" pitchFamily="34" charset="0"/>
-            </a:endParaRPr>
+              <a:t>A Loja Imperador encontra-se com processos precários em relação ao fluxo de informações, em sua maior parte sem nenhum tipo de controle, totalmente manual. Um exemplo disto é que sem o sistema seria impossível contabilizar as entradas e saídas de produtos em um ano. Com base nisso, foi possível desenvolver um projeto de um sistema de ponto de para suprir a necessidade e substituindo a forma manual pelo sistema desenvolvido  . </a:t>
+            </a:r>
           </a:p>
         </p:txBody>
       </p:sp>
@@ -3677,7 +3822,7 @@
           <p:cNvPr id="38" name="CaixaDeTexto 37">
             <a:extLst>
               <a:ext uri="{FF2B5EF4-FFF2-40B4-BE49-F238E27FC236}">
-                <a16:creationId xmlns:a16="http://schemas.microsoft.com/office/drawing/2014/main" xmlns="" id="{ACF71117-3B98-4DC7-A50F-AABF12120F0D}"/>
+                <a16:creationId xmlns:a16="http://schemas.microsoft.com/office/drawing/2014/main" id="{ACF71117-3B98-4DC7-A50F-AABF12120F0D}"/>
               </a:ext>
             </a:extLst>
           </p:cNvPr>
@@ -3686,8 +3831,8 @@
         </p:nvSpPr>
         <p:spPr>
           <a:xfrm>
-            <a:off x="1508466" y="27178741"/>
-            <a:ext cx="12004962" cy="4939814"/>
+            <a:off x="1362385" y="27002981"/>
+            <a:ext cx="12004962" cy="5085046"/>
           </a:xfrm>
           <a:prstGeom prst="rect">
             <a:avLst/>
@@ -3706,27 +3851,20 @@
               </a:lnSpc>
             </a:pPr>
             <a:r>
-              <a:rPr lang="pt-BR" sz="3000" dirty="0" smtClean="0">
+              <a:rPr lang="pt-BR" sz="3000" dirty="0">
                 <a:latin typeface="Arial" panose="020B0604020202020204" pitchFamily="34" charset="0"/>
                 <a:cs typeface="Arial" panose="020B0604020202020204" pitchFamily="34" charset="0"/>
               </a:rPr>
-              <a:t>O mundo moderno não poderia existir sem o software. </a:t>
-            </a:r>
-            <a:r>
-              <a:rPr lang="pt-BR" sz="3000" dirty="0" err="1" smtClean="0">
-                <a:latin typeface="Arial" panose="020B0604020202020204" pitchFamily="34" charset="0"/>
-                <a:cs typeface="Arial" panose="020B0604020202020204" pitchFamily="34" charset="0"/>
-              </a:rPr>
-              <a:t>Infraestruturas</a:t>
-            </a:r>
-            <a:r>
-              <a:rPr lang="pt-BR" sz="3000" dirty="0" smtClean="0">
-                <a:latin typeface="Arial" panose="020B0604020202020204" pitchFamily="34" charset="0"/>
-                <a:cs typeface="Arial" panose="020B0604020202020204" pitchFamily="34" charset="0"/>
-              </a:rPr>
-              <a:t> e serviços nacionais são controlados por sistemas computacionais, e a maioria dos produtos elétricos inclui um computador e um software que o controla. A manufatura e a distribuição industriais são totalmente informatizadas, assim como o sistema financeiro (SOMMERVILLE,2011). </a:t>
-            </a:r>
-            <a:endParaRPr lang="en-US" sz="3000" dirty="0" smtClean="0">
+              <a:t>O mundo moderno não poderia existir sem o software. Infraestruturas e serviços nacionais são controlados por sistemas computacionais, e a maioria dos produtos elétricos inclui um computador e um software que o controla. A manufatura e a distribuição industriais são totalmente informatizadas, assim como o sistema financeiro (SOMMERVILLE,2011). </a:t>
+            </a:r>
+          </a:p>
+          <a:p>
+            <a:pPr algn="just">
+              <a:lnSpc>
+                <a:spcPct val="150000"/>
+              </a:lnSpc>
+            </a:pPr>
+            <a:endParaRPr lang="en-US" sz="1000" dirty="0">
               <a:latin typeface="Arial" panose="020B0604020202020204" pitchFamily="34" charset="0"/>
               <a:cs typeface="Arial" panose="020B0604020202020204" pitchFamily="34" charset="0"/>
             </a:endParaRPr>
@@ -3738,63 +3876,49 @@
               </a:lnSpc>
             </a:pPr>
             <a:r>
-              <a:rPr lang="en-US" sz="3000" b="1" dirty="0" err="1" smtClean="0">
+              <a:rPr lang="en-US" sz="3000" b="1" dirty="0" err="1">
                 <a:latin typeface="Arial" panose="020B0604020202020204" pitchFamily="34" charset="0"/>
                 <a:cs typeface="Arial" panose="020B0604020202020204" pitchFamily="34" charset="0"/>
               </a:rPr>
               <a:t>Palavras</a:t>
             </a:r>
             <a:r>
-              <a:rPr lang="en-US" sz="3000" b="1" dirty="0" smtClean="0">
-                <a:latin typeface="Arial" panose="020B0604020202020204" pitchFamily="34" charset="0"/>
-                <a:cs typeface="Arial" panose="020B0604020202020204" pitchFamily="34" charset="0"/>
-              </a:rPr>
-              <a:t> </a:t>
-            </a:r>
-            <a:r>
               <a:rPr lang="en-US" sz="3000" b="1" dirty="0">
                 <a:latin typeface="Arial" panose="020B0604020202020204" pitchFamily="34" charset="0"/>
                 <a:cs typeface="Arial" panose="020B0604020202020204" pitchFamily="34" charset="0"/>
               </a:rPr>
-              <a:t>Chaves: </a:t>
-            </a:r>
-            <a:r>
-              <a:rPr lang="en-US" sz="3000" dirty="0" err="1" smtClean="0">
+              <a:t> Chaves: </a:t>
+            </a:r>
+            <a:r>
+              <a:rPr lang="en-US" sz="3000" dirty="0">
                 <a:latin typeface="Arial" panose="020B0604020202020204" pitchFamily="34" charset="0"/>
                 <a:cs typeface="Arial" panose="020B0604020202020204" pitchFamily="34" charset="0"/>
               </a:rPr>
-              <a:t>Sistema</a:t>
-            </a:r>
-            <a:r>
-              <a:rPr lang="en-US" sz="3000" dirty="0" smtClean="0">
-                <a:latin typeface="Arial" panose="020B0604020202020204" pitchFamily="34" charset="0"/>
-                <a:cs typeface="Arial" panose="020B0604020202020204" pitchFamily="34" charset="0"/>
-              </a:rPr>
-              <a:t>, </a:t>
-            </a:r>
-            <a:r>
-              <a:rPr lang="en-US" sz="3000" dirty="0" err="1" smtClean="0">
+              <a:t>Sistema, </a:t>
+            </a:r>
+            <a:r>
+              <a:rPr lang="en-US" sz="3000" dirty="0" err="1">
                 <a:latin typeface="Arial" panose="020B0604020202020204" pitchFamily="34" charset="0"/>
                 <a:cs typeface="Arial" panose="020B0604020202020204" pitchFamily="34" charset="0"/>
               </a:rPr>
               <a:t>Vendas</a:t>
             </a:r>
             <a:r>
-              <a:rPr lang="en-US" sz="3000" dirty="0" smtClean="0">
+              <a:rPr lang="en-US" sz="3000" dirty="0">
                 <a:latin typeface="Arial" panose="020B0604020202020204" pitchFamily="34" charset="0"/>
                 <a:cs typeface="Arial" panose="020B0604020202020204" pitchFamily="34" charset="0"/>
               </a:rPr>
               <a:t> e </a:t>
             </a:r>
             <a:r>
-              <a:rPr lang="en-US" sz="3000" dirty="0" err="1" smtClean="0">
+              <a:rPr lang="en-US" sz="3000" dirty="0" err="1">
                 <a:latin typeface="Arial" panose="020B0604020202020204" pitchFamily="34" charset="0"/>
                 <a:cs typeface="Arial" panose="020B0604020202020204" pitchFamily="34" charset="0"/>
               </a:rPr>
-              <a:t>produtos</a:t>
-            </a:r>
-            <a:r>
-              <a:rPr lang="en-US" sz="3000" dirty="0" smtClean="0">
+              <a:t>Produtos</a:t>
+            </a:r>
+            <a:r>
+              <a:rPr lang="en-US" sz="3000" dirty="0">
                 <a:latin typeface="Arial" panose="020B0604020202020204" pitchFamily="34" charset="0"/>
                 <a:cs typeface="Arial" panose="020B0604020202020204" pitchFamily="34" charset="0"/>
               </a:rPr>
@@ -3812,7 +3936,7 @@
           <p:cNvPr id="39" name="CaixaDeTexto 38">
             <a:extLst>
               <a:ext uri="{FF2B5EF4-FFF2-40B4-BE49-F238E27FC236}">
-                <a16:creationId xmlns:a16="http://schemas.microsoft.com/office/drawing/2014/main" xmlns="" id="{32477707-9109-492C-AF24-566C49115F4A}"/>
+                <a16:creationId xmlns:a16="http://schemas.microsoft.com/office/drawing/2014/main" id="{32477707-9109-492C-AF24-566C49115F4A}"/>
               </a:ext>
             </a:extLst>
           </p:cNvPr>
@@ -3821,7 +3945,7 @@
         </p:nvSpPr>
         <p:spPr>
           <a:xfrm>
-            <a:off x="1483066" y="32273858"/>
+            <a:off x="1440015" y="32295634"/>
             <a:ext cx="11927332" cy="1553054"/>
           </a:xfrm>
           <a:prstGeom prst="rect">
@@ -3862,21 +3986,21 @@
               <a:t>: </a:t>
             </a:r>
             <a:r>
-              <a:rPr lang="pt-BR" sz="2200" dirty="0" smtClean="0">
+              <a:rPr lang="pt-BR" sz="2200" dirty="0">
                 <a:latin typeface="Arial" panose="020B0604020202020204" pitchFamily="34" charset="0"/>
                 <a:cs typeface="Arial" panose="020B0604020202020204" pitchFamily="34" charset="0"/>
               </a:rPr>
               <a:t>SOMMERVILLE, I. Engenharia de software. 9. ed. São Paulo, SP: Pearson </a:t>
             </a:r>
             <a:r>
-              <a:rPr lang="pt-BR" sz="2200" dirty="0" err="1" smtClean="0">
+              <a:rPr lang="pt-BR" sz="2200" dirty="0" err="1">
                 <a:latin typeface="Arial" panose="020B0604020202020204" pitchFamily="34" charset="0"/>
                 <a:cs typeface="Arial" panose="020B0604020202020204" pitchFamily="34" charset="0"/>
               </a:rPr>
               <a:t>Prentice</a:t>
             </a:r>
             <a:r>
-              <a:rPr lang="pt-BR" sz="2200" dirty="0" smtClean="0">
+              <a:rPr lang="pt-BR" sz="2200" dirty="0">
                 <a:latin typeface="Arial" panose="020B0604020202020204" pitchFamily="34" charset="0"/>
                 <a:cs typeface="Arial" panose="020B0604020202020204" pitchFamily="34" charset="0"/>
               </a:rPr>
@@ -3901,7 +4025,7 @@
           <p:cNvPr id="40" name="CaixaDeTexto 39">
             <a:extLst>
               <a:ext uri="{FF2B5EF4-FFF2-40B4-BE49-F238E27FC236}">
-                <a16:creationId xmlns:a16="http://schemas.microsoft.com/office/drawing/2014/main" xmlns="" id="{21276B6F-1458-4D06-BAFD-EF7EE7653343}"/>
+                <a16:creationId xmlns:a16="http://schemas.microsoft.com/office/drawing/2014/main" id="{21276B6F-1458-4D06-BAFD-EF7EE7653343}"/>
               </a:ext>
             </a:extLst>
           </p:cNvPr>
@@ -3948,7 +4072,7 @@
           <p:cNvPr id="2" name="Imagem 1">
             <a:extLst>
               <a:ext uri="{FF2B5EF4-FFF2-40B4-BE49-F238E27FC236}">
-                <a16:creationId xmlns:a16="http://schemas.microsoft.com/office/drawing/2014/main" xmlns="" id="{0BFBBF97-EFDB-46C5-929A-3B981F1BEE1C}"/>
+                <a16:creationId xmlns:a16="http://schemas.microsoft.com/office/drawing/2014/main" id="{0BFBBF97-EFDB-46C5-929A-3B981F1BEE1C}"/>
               </a:ext>
             </a:extLst>
           </p:cNvPr>
@@ -3980,7 +4104,7 @@
           <p:cNvPr id="26" name="Imagem 25">
             <a:extLst>
               <a:ext uri="{FF2B5EF4-FFF2-40B4-BE49-F238E27FC236}">
-                <a16:creationId xmlns:a16="http://schemas.microsoft.com/office/drawing/2014/main" xmlns="" id="{1AD44F84-D340-4367-BFD0-9FB03BC68127}"/>
+                <a16:creationId xmlns:a16="http://schemas.microsoft.com/office/drawing/2014/main" id="{1AD44F84-D340-4367-BFD0-9FB03BC68127}"/>
               </a:ext>
             </a:extLst>
           </p:cNvPr>
@@ -3997,7 +4121,7 @@
         </p:blipFill>
         <p:spPr>
           <a:xfrm>
-            <a:off x="14879122" y="19597274"/>
+            <a:off x="15026560" y="20286604"/>
             <a:ext cx="9051603" cy="5091526"/>
           </a:xfrm>
           <a:prstGeom prst="rect">
@@ -4039,7 +4163,7 @@
           <p:cNvPr id="11" name="Imagem 10">
             <a:extLst>
               <a:ext uri="{FF2B5EF4-FFF2-40B4-BE49-F238E27FC236}">
-                <a16:creationId xmlns:a16="http://schemas.microsoft.com/office/drawing/2014/main" xmlns="" id="{066E4D9B-072C-4FCB-9C27-6A06A453B142}"/>
+                <a16:creationId xmlns:a16="http://schemas.microsoft.com/office/drawing/2014/main" id="{066E4D9B-072C-4FCB-9C27-6A06A453B142}"/>
               </a:ext>
             </a:extLst>
           </p:cNvPr>
@@ -4056,8 +4180,8 @@
         </p:blipFill>
         <p:spPr>
           <a:xfrm>
-            <a:off x="14572182" y="15011400"/>
-            <a:ext cx="8802823" cy="3962400"/>
+            <a:off x="14400212" y="14825082"/>
+            <a:ext cx="9587551" cy="4315628"/>
           </a:xfrm>
           <a:prstGeom prst="rect">
             <a:avLst/>
@@ -4098,7 +4222,7 @@
           <p:cNvPr id="8" name="Imagem 7">
             <a:extLst>
               <a:ext uri="{FF2B5EF4-FFF2-40B4-BE49-F238E27FC236}">
-                <a16:creationId xmlns:a16="http://schemas.microsoft.com/office/drawing/2014/main" xmlns="" id="{05EF0CDF-F0C6-47A8-9049-0B6C2E37E488}"/>
+                <a16:creationId xmlns:a16="http://schemas.microsoft.com/office/drawing/2014/main" id="{05EF0CDF-F0C6-47A8-9049-0B6C2E37E488}"/>
               </a:ext>
             </a:extLst>
           </p:cNvPr>
@@ -4115,8 +4239,8 @@
         </p:blipFill>
         <p:spPr>
           <a:xfrm>
-            <a:off x="17806744" y="16306801"/>
-            <a:ext cx="8939456" cy="5021459"/>
+            <a:off x="17240019" y="16742605"/>
+            <a:ext cx="10191334" cy="5724662"/>
           </a:xfrm>
           <a:prstGeom prst="rect">
             <a:avLst/>
@@ -4157,7 +4281,7 @@
           <p:cNvPr id="32" name="Imagem 31">
             <a:extLst>
               <a:ext uri="{FF2B5EF4-FFF2-40B4-BE49-F238E27FC236}">
-                <a16:creationId xmlns:a16="http://schemas.microsoft.com/office/drawing/2014/main" xmlns="" id="{06A83C03-7DC9-46DA-AB65-7F0D61A0354A}"/>
+                <a16:creationId xmlns:a16="http://schemas.microsoft.com/office/drawing/2014/main" id="{06A83C03-7DC9-46DA-AB65-7F0D61A0354A}"/>
               </a:ext>
             </a:extLst>
           </p:cNvPr>
@@ -4174,8 +4298,8 @@
         </p:blipFill>
         <p:spPr>
           <a:xfrm>
-            <a:off x="17170400" y="23420944"/>
-            <a:ext cx="8086326" cy="4548558"/>
+            <a:off x="16642156" y="23673968"/>
+            <a:ext cx="8710131" cy="4899448"/>
           </a:xfrm>
           <a:prstGeom prst="rect">
             <a:avLst/>
@@ -4216,7 +4340,7 @@
           <p:cNvPr id="19" name="Imagem 18">
             <a:extLst>
               <a:ext uri="{FF2B5EF4-FFF2-40B4-BE49-F238E27FC236}">
-                <a16:creationId xmlns:a16="http://schemas.microsoft.com/office/drawing/2014/main" xmlns="" id="{6CE0DB84-50EB-48C7-BD1B-7357929D9BC3}"/>
+                <a16:creationId xmlns:a16="http://schemas.microsoft.com/office/drawing/2014/main" id="{6CE0DB84-50EB-48C7-BD1B-7357929D9BC3}"/>
               </a:ext>
             </a:extLst>
           </p:cNvPr>
@@ -4233,8 +4357,8 @@
         </p:blipFill>
         <p:spPr>
           <a:xfrm>
-            <a:off x="16064752" y="26695578"/>
-            <a:ext cx="8353462" cy="4698822"/>
+            <a:off x="14982943" y="27676054"/>
+            <a:ext cx="9278749" cy="5219296"/>
           </a:xfrm>
           <a:prstGeom prst="rect">
             <a:avLst/>
@@ -4275,7 +4399,7 @@
           <p:cNvPr id="1030" name="Picture 6" descr="https://qph.fs.quoracdn.net/main-qimg-fa798fb4fe5220396780f582fd38e8a4">
             <a:extLst>
               <a:ext uri="{FF2B5EF4-FFF2-40B4-BE49-F238E27FC236}">
-                <a16:creationId xmlns:a16="http://schemas.microsoft.com/office/drawing/2014/main" xmlns="" id="{AC6901EB-363C-48EA-A90A-A914A509C337}"/>
+                <a16:creationId xmlns:a16="http://schemas.microsoft.com/office/drawing/2014/main" id="{AC6901EB-363C-48EA-A90A-A914A509C337}"/>
               </a:ext>
             </a:extLst>
           </p:cNvPr>
@@ -4288,7 +4412,7 @@
           <a:blip r:embed="rId8" cstate="print">
             <a:extLst>
               <a:ext uri="{28A0092B-C50C-407E-A947-70E740481C1C}">
-                <a14:useLocalDpi xmlns:a14="http://schemas.microsoft.com/office/drawing/2010/main" xmlns="" val="0"/>
+                <a14:useLocalDpi xmlns:a14="http://schemas.microsoft.com/office/drawing/2010/main" val="0"/>
               </a:ext>
             </a:extLst>
           </a:blip>
@@ -4306,7 +4430,7 @@
           <a:noFill/>
           <a:extLst>
             <a:ext uri="{909E8E84-426E-40DD-AFC4-6F175D3DCCD1}">
-              <a14:hiddenFill xmlns:a14="http://schemas.microsoft.com/office/drawing/2010/main" xmlns="">
+              <a14:hiddenFill xmlns:a14="http://schemas.microsoft.com/office/drawing/2010/main">
                 <a:solidFill>
                   <a:srgbClr val="FFFFFF"/>
                 </a:solidFill>
@@ -4320,7 +4444,7 @@
           <p:cNvPr id="45" name="Imagem 44">
             <a:extLst>
               <a:ext uri="{FF2B5EF4-FFF2-40B4-BE49-F238E27FC236}">
-                <a16:creationId xmlns:a16="http://schemas.microsoft.com/office/drawing/2014/main" xmlns="" id="{55BCEB77-9FDE-4A2E-9E48-7ADAAECF0AAB}"/>
+                <a16:creationId xmlns:a16="http://schemas.microsoft.com/office/drawing/2014/main" id="{55BCEB77-9FDE-4A2E-9E48-7ADAAECF0AAB}"/>
               </a:ext>
             </a:extLst>
           </p:cNvPr>
@@ -4333,8 +4457,8 @@
           <a:blip r:embed="rId9" cstate="print">
             <a:extLst>
               <a:ext uri="{BEBA8EAE-BF5A-486C-A8C5-ECC9F3942E4B}">
-                <a14:imgProps xmlns:a14="http://schemas.microsoft.com/office/drawing/2010/main" xmlns="">
-                  <a14:imgLayer r:embed="rId12">
+                <a14:imgProps xmlns:a14="http://schemas.microsoft.com/office/drawing/2010/main">
+                  <a14:imgLayer r:embed="rId10">
                     <a14:imgEffect>
                       <a14:backgroundRemoval t="9551" b="98315" l="2381" r="96599">
                         <a14:foregroundMark x1="6803" y1="47191" x2="6803" y2="47191"/>
@@ -4394,7 +4518,7 @@
         </p:blipFill>
         <p:spPr>
           <a:xfrm>
-            <a:off x="25098324" y="30704534"/>
+            <a:off x="25311364" y="30720321"/>
             <a:ext cx="2119989" cy="1283531"/>
           </a:xfrm>
           <a:prstGeom prst="rect">
@@ -4411,7 +4535,7 @@
           <p:nvPr/>
         </p:nvPicPr>
         <p:blipFill>
-          <a:blip r:embed="rId13" cstate="print"/>
+          <a:blip r:embed="rId11" cstate="print"/>
           <a:srcRect/>
           <a:stretch>
             <a:fillRect/>
@@ -4437,7 +4561,7 @@
           <p:nvPr/>
         </p:nvPicPr>
         <p:blipFill>
-          <a:blip r:embed="rId14"/>
+          <a:blip r:embed="rId12"/>
           <a:srcRect/>
           <a:stretch>
             <a:fillRect/>
@@ -4461,10 +4585,10 @@
           <p:nvPr/>
         </p:nvPicPr>
         <p:blipFill>
-          <a:blip r:embed="rId15">
+          <a:blip r:embed="rId13">
             <a:extLst>
               <a:ext uri="{28A0092B-C50C-407E-A947-70E740481C1C}">
-                <a14:useLocalDpi xmlns:ve="http://schemas.openxmlformats.org/markup-compatibility/2006" xmlns:m="http://schemas.openxmlformats.org/officeDocument/2006/math" xmlns:wp="http://schemas.openxmlformats.org/drawingml/2006/wordprocessingDrawing" xmlns:wne="http://schemas.microsoft.com/office/word/2006/wordml" xmlns:a14="http://schemas.microsoft.com/office/drawing/2010/main" xmlns:wps="http://schemas.microsoft.com/office/word/2010/wordprocessingShape" xmlns:wpi="http://schemas.microsoft.com/office/word/2010/wordprocessingInk" xmlns:wpg="http://schemas.microsoft.com/office/word/2010/wordprocessingGroup" xmlns:w16se="http://schemas.microsoft.com/office/word/2015/wordml/symex" xmlns:w16cid="http://schemas.microsoft.com/office/word/2016/wordml/cid" xmlns:w15="http://schemas.microsoft.com/office/word/2012/wordml" xmlns:w14="http://schemas.microsoft.com/office/word/2010/wordml" xmlns:w="http://schemas.openxmlformats.org/wordprocessingml/2006/main" xmlns:w10="urn:schemas-microsoft-com:office:word" xmlns:wp14="http://schemas.microsoft.com/office/word/2010/wordprocessingDrawing" xmlns:v="urn:schemas-microsoft-com:vml" xmlns:o="urn:schemas-microsoft-com:office:office" xmlns:am3d="http://schemas.microsoft.com/office/drawing/2017/model3d" xmlns:aink="http://schemas.microsoft.com/office/drawing/2016/ink" xmlns:mc="http://schemas.openxmlformats.org/markup-compatibility/2006" xmlns:cx8="http://schemas.microsoft.com/office/drawing/2016/5/14/chartex" xmlns:cx7="http://schemas.microsoft.com/office/drawing/2016/5/13/chartex" xmlns:cx6="http://schemas.microsoft.com/office/drawing/2016/5/12/chartex" xmlns:cx5="http://schemas.microsoft.com/office/drawing/2016/5/11/chartex" xmlns:cx4="http://schemas.microsoft.com/office/drawing/2016/5/10/chartex" xmlns:cx3="http://schemas.microsoft.com/office/drawing/2016/5/9/chartex" xmlns:cx2="http://schemas.microsoft.com/office/drawing/2015/10/21/chartex" xmlns:cx1="http://schemas.microsoft.com/office/drawing/2015/9/8/chartex" xmlns:cx="http://schemas.microsoft.com/office/drawing/2014/chartex" xmlns:wpc="http://schemas.microsoft.com/office/word/2010/wordprocessingCanvas" xmlns="" xmlns:pic="http://schemas.openxmlformats.org/drawingml/2006/picture" xmlns:lc="http://schemas.openxmlformats.org/drawingml/2006/lockedCanvas" val="0"/>
+                <a14:useLocalDpi xmlns:a14="http://schemas.microsoft.com/office/drawing/2010/main" val="0"/>
               </a:ext>
             </a:extLst>
           </a:blip>
@@ -4475,8 +4599,8 @@
         </p:blipFill>
         <p:spPr bwMode="auto">
           <a:xfrm>
-            <a:off x="1600200" y="17957800"/>
-            <a:ext cx="12014200" cy="9067799"/>
+            <a:off x="1418468" y="17988186"/>
+            <a:ext cx="12003531" cy="9014795"/>
           </a:xfrm>
           <a:prstGeom prst="rect">
             <a:avLst/>
@@ -4487,10 +4611,85 @@
           </a:ln>
         </p:spPr>
       </p:pic>
+      <p:pic>
+        <p:nvPicPr>
+          <p:cNvPr id="12" name="Picture 11">
+            <a:extLst>
+              <a:ext uri="{FF2B5EF4-FFF2-40B4-BE49-F238E27FC236}">
+                <a16:creationId xmlns:a16="http://schemas.microsoft.com/office/drawing/2014/main" id="{92D59A95-B394-4D83-9E55-B7312D271D04}"/>
+              </a:ext>
+            </a:extLst>
+          </p:cNvPr>
+          <p:cNvPicPr>
+            <a:picLocks noChangeAspect="1"/>
+          </p:cNvPicPr>
+          <p:nvPr/>
+        </p:nvPicPr>
+        <p:blipFill>
+          <a:blip r:embed="rId14">
+            <a:extLst>
+              <a:ext uri="{28A0092B-C50C-407E-A947-70E740481C1C}">
+                <a14:useLocalDpi xmlns:a14="http://schemas.microsoft.com/office/drawing/2010/main" val="0"/>
+              </a:ext>
+            </a:extLst>
+          </a:blip>
+          <a:stretch>
+            <a:fillRect/>
+          </a:stretch>
+        </p:blipFill>
+        <p:spPr>
+          <a:xfrm>
+            <a:off x="25098324" y="32019639"/>
+            <a:ext cx="946604" cy="946604"/>
+          </a:xfrm>
+          <a:prstGeom prst="rect">
+            <a:avLst/>
+          </a:prstGeom>
+        </p:spPr>
+      </p:pic>
+      <p:pic>
+        <p:nvPicPr>
+          <p:cNvPr id="14" name="Graphic 13">
+            <a:extLst>
+              <a:ext uri="{FF2B5EF4-FFF2-40B4-BE49-F238E27FC236}">
+                <a16:creationId xmlns:a16="http://schemas.microsoft.com/office/drawing/2014/main" id="{500E6B9A-CF64-4169-94B1-2CD28146392E}"/>
+              </a:ext>
+            </a:extLst>
+          </p:cNvPr>
+          <p:cNvPicPr>
+            <a:picLocks noChangeAspect="1"/>
+          </p:cNvPicPr>
+          <p:nvPr/>
+        </p:nvPicPr>
+        <p:blipFill>
+          <a:blip r:embed="rId15">
+            <a:extLst>
+              <a:ext uri="{28A0092B-C50C-407E-A947-70E740481C1C}">
+                <a14:useLocalDpi xmlns:a14="http://schemas.microsoft.com/office/drawing/2010/main" val="0"/>
+              </a:ext>
+              <a:ext uri="{96DAC541-7B7A-43D3-8B79-37D633B846F1}">
+                <asvg:svgBlip xmlns:asvg="http://schemas.microsoft.com/office/drawing/2016/SVG/main" r:embed="rId16"/>
+              </a:ext>
+            </a:extLst>
+          </a:blip>
+          <a:stretch>
+            <a:fillRect/>
+          </a:stretch>
+        </p:blipFill>
+        <p:spPr>
+          <a:xfrm>
+            <a:off x="26143688" y="31854401"/>
+            <a:ext cx="1287665" cy="1040949"/>
+          </a:xfrm>
+          <a:prstGeom prst="rect">
+            <a:avLst/>
+          </a:prstGeom>
+        </p:spPr>
+      </p:pic>
     </p:spTree>
     <p:extLst>
       <p:ext uri="{BB962C8B-B14F-4D97-AF65-F5344CB8AC3E}">
-        <p14:creationId xmlns:p14="http://schemas.microsoft.com/office/powerpoint/2010/main" xmlns="" val="4113286492"/>
+        <p14:creationId xmlns:p14="http://schemas.microsoft.com/office/powerpoint/2010/main" val="4113286492"/>
       </p:ext>
     </p:extLst>
   </p:cSld>
@@ -4501,9 +4700,9 @@
 </file>
 
 <file path=ppt/theme/theme1.xml><?xml version="1.0" encoding="utf-8"?>
-<a:theme xmlns:a="http://schemas.openxmlformats.org/drawingml/2006/main" name="Tema do Office">
+<a:theme xmlns:a="http://schemas.openxmlformats.org/drawingml/2006/main" name="Office Theme">
   <a:themeElements>
-    <a:clrScheme name="Tema do Office">
+    <a:clrScheme name="Office">
       <a:dk1>
         <a:sysClr val="windowText" lastClr="000000"/>
       </a:dk1>
@@ -4541,9 +4740,9 @@
         <a:srgbClr val="954F72"/>
       </a:folHlink>
     </a:clrScheme>
-    <a:fontScheme name="Tema do Office">
+    <a:fontScheme name="Office">
       <a:majorFont>
-        <a:latin typeface="Calibri Light"/>
+        <a:latin typeface="Calibri Light" panose="020F0302020204030204"/>
         <a:ea typeface=""/>
         <a:cs typeface=""/>
         <a:font script="Jpan" typeface="游ゴシック Light"/>
@@ -4576,9 +4775,26 @@
         <a:font script="Viet" typeface="Times New Roman"/>
         <a:font script="Uigh" typeface="Microsoft Uighur"/>
         <a:font script="Geor" typeface="Sylfaen"/>
+        <a:font script="Armn" typeface="Arial"/>
+        <a:font script="Bugi" typeface="Leelawadee UI"/>
+        <a:font script="Bopo" typeface="Microsoft JhengHei"/>
+        <a:font script="Java" typeface="Javanese Text"/>
+        <a:font script="Lisu" typeface="Segoe UI"/>
+        <a:font script="Mymr" typeface="Myanmar Text"/>
+        <a:font script="Nkoo" typeface="Ebrima"/>
+        <a:font script="Olck" typeface="Nirmala UI"/>
+        <a:font script="Osma" typeface="Ebrima"/>
+        <a:font script="Phag" typeface="Phagspa"/>
+        <a:font script="Syrn" typeface="Estrangelo Edessa"/>
+        <a:font script="Syrj" typeface="Estrangelo Edessa"/>
+        <a:font script="Syre" typeface="Estrangelo Edessa"/>
+        <a:font script="Sora" typeface="Nirmala UI"/>
+        <a:font script="Tale" typeface="Microsoft Tai Le"/>
+        <a:font script="Talu" typeface="Microsoft New Tai Lue"/>
+        <a:font script="Tfng" typeface="Ebrima"/>
       </a:majorFont>
       <a:minorFont>
-        <a:latin typeface="Calibri"/>
+        <a:latin typeface="Calibri" panose="020F0502020204030204"/>
         <a:ea typeface=""/>
         <a:cs typeface=""/>
         <a:font script="Jpan" typeface="游ゴシック"/>
@@ -4611,9 +4827,26 @@
         <a:font script="Viet" typeface="Arial"/>
         <a:font script="Uigh" typeface="Microsoft Uighur"/>
         <a:font script="Geor" typeface="Sylfaen"/>
+        <a:font script="Armn" typeface="Arial"/>
+        <a:font script="Bugi" typeface="Leelawadee UI"/>
+        <a:font script="Bopo" typeface="Microsoft JhengHei"/>
+        <a:font script="Java" typeface="Javanese Text"/>
+        <a:font script="Lisu" typeface="Segoe UI"/>
+        <a:font script="Mymr" typeface="Myanmar Text"/>
+        <a:font script="Nkoo" typeface="Ebrima"/>
+        <a:font script="Olck" typeface="Nirmala UI"/>
+        <a:font script="Osma" typeface="Ebrima"/>
+        <a:font script="Phag" typeface="Phagspa"/>
+        <a:font script="Syrn" typeface="Estrangelo Edessa"/>
+        <a:font script="Syrj" typeface="Estrangelo Edessa"/>
+        <a:font script="Syre" typeface="Estrangelo Edessa"/>
+        <a:font script="Sora" typeface="Nirmala UI"/>
+        <a:font script="Tale" typeface="Microsoft Tai Le"/>
+        <a:font script="Talu" typeface="Microsoft New Tai Lue"/>
+        <a:font script="Tfng" typeface="Ebrima"/>
       </a:minorFont>
     </a:fontScheme>
-    <a:fmtScheme name="Tema do Office">
+    <a:fmtScheme name="Office">
       <a:fillStyleLst>
         <a:solidFill>
           <a:schemeClr val="phClr"/>
@@ -4755,7 +4988,7 @@
   <a:extraClrSchemeLst/>
   <a:extLst>
     <a:ext uri="{05A4C25C-085E-4340-85A3-A5531E510DB2}">
-      <thm15:themeFamily xmlns:thm15="http://schemas.microsoft.com/office/thememl/2012/main" xmlns="" name="Office Theme" id="{62F939B6-93AF-4DB8-9C6B-D6C7DFDC589F}" vid="{4A3C46E8-61CC-4603-A589-7422A47A8E4A}"/>
+      <thm15:themeFamily xmlns:thm15="http://schemas.microsoft.com/office/thememl/2012/main" name="Office Theme" id="{62F939B6-93AF-4DB8-9C6B-D6C7DFDC589F}" vid="{4A3C46E8-61CC-4603-A589-7422A47A8E4A}"/>
     </a:ext>
   </a:extLst>
 </a:theme>
